--- a/United Way.pptx
+++ b/United Way.pptx
@@ -5,17 +5,23 @@
     <p:sldMasterId id="2147483696" r:id="rId1"/>
   </p:sldMasterIdLst>
   <p:notesMasterIdLst>
-    <p:notesMasterId r:id="rId10"/>
+    <p:notesMasterId r:id="rId16"/>
   </p:notesMasterIdLst>
   <p:sldIdLst>
     <p:sldId id="256" r:id="rId2"/>
-    <p:sldId id="261" r:id="rId3"/>
-    <p:sldId id="262" r:id="rId4"/>
-    <p:sldId id="260" r:id="rId5"/>
-    <p:sldId id="257" r:id="rId6"/>
-    <p:sldId id="258" r:id="rId7"/>
-    <p:sldId id="259" r:id="rId8"/>
-    <p:sldId id="263" r:id="rId9"/>
+    <p:sldId id="265" r:id="rId3"/>
+    <p:sldId id="264" r:id="rId4"/>
+    <p:sldId id="269" r:id="rId5"/>
+    <p:sldId id="261" r:id="rId6"/>
+    <p:sldId id="262" r:id="rId7"/>
+    <p:sldId id="260" r:id="rId8"/>
+    <p:sldId id="257" r:id="rId9"/>
+    <p:sldId id="258" r:id="rId10"/>
+    <p:sldId id="259" r:id="rId11"/>
+    <p:sldId id="263" r:id="rId12"/>
+    <p:sldId id="266" r:id="rId13"/>
+    <p:sldId id="268" r:id="rId14"/>
+    <p:sldId id="270" r:id="rId15"/>
   </p:sldIdLst>
   <p:sldSz cx="12192000" cy="6858000"/>
   <p:notesSz cx="6858000" cy="9144000"/>
@@ -554,7 +560,7 @@
           <a:p>
             <a:fld id="{A59A5B6F-AA5B-493D-8E06-4BB6A22313C6}" type="slidenum">
               <a:rPr lang="en-US" smtClean="0"/>
-              <a:t>3</a:t>
+              <a:t>6</a:t>
             </a:fld>
             <a:endParaRPr lang="en-US"/>
           </a:p>
@@ -3875,7 +3881,1031 @@
 </p:sld>
 </file>
 
+<file path=ppt/slides/slide10.xml><?xml version="1.0" encoding="utf-8"?>
+<p:sld xmlns:a="http://schemas.openxmlformats.org/drawingml/2006/main" xmlns:r="http://schemas.openxmlformats.org/officeDocument/2006/relationships" xmlns:p="http://schemas.openxmlformats.org/presentationml/2006/main">
+  <p:cSld>
+    <p:spTree>
+      <p:nvGrpSpPr>
+        <p:cNvPr id="1" name=""/>
+        <p:cNvGrpSpPr/>
+        <p:nvPr/>
+      </p:nvGrpSpPr>
+      <p:grpSpPr>
+        <a:xfrm>
+          <a:off x="0" y="0"/>
+          <a:ext cx="0" cy="0"/>
+          <a:chOff x="0" y="0"/>
+          <a:chExt cx="0" cy="0"/>
+        </a:xfrm>
+      </p:grpSpPr>
+      <p:sp>
+        <p:nvSpPr>
+          <p:cNvPr id="2" name="Title 1">
+            <a:extLst>
+              <a:ext uri="{FF2B5EF4-FFF2-40B4-BE49-F238E27FC236}">
+                <a16:creationId xmlns:a16="http://schemas.microsoft.com/office/drawing/2014/main" id="{A325193F-8C83-438C-A96D-CF17EA7862C3}"/>
+              </a:ext>
+            </a:extLst>
+          </p:cNvPr>
+          <p:cNvSpPr>
+            <a:spLocks noGrp="1"/>
+          </p:cNvSpPr>
+          <p:nvPr>
+            <p:ph type="title"/>
+          </p:nvPr>
+        </p:nvSpPr>
+        <p:spPr/>
+        <p:txBody>
+          <a:bodyPr/>
+          <a:lstStyle/>
+          <a:p>
+            <a:r>
+              <a:rPr lang="en-US" dirty="0"/>
+              <a:t>Results: SUB-indices</a:t>
+            </a:r>
+          </a:p>
+        </p:txBody>
+      </p:sp>
+      <p:sp>
+        <p:nvSpPr>
+          <p:cNvPr id="3" name="Text Placeholder 2">
+            <a:extLst>
+              <a:ext uri="{FF2B5EF4-FFF2-40B4-BE49-F238E27FC236}">
+                <a16:creationId xmlns:a16="http://schemas.microsoft.com/office/drawing/2014/main" id="{1ABD6EB1-8A05-4DA9-98A9-19529B60D263}"/>
+              </a:ext>
+            </a:extLst>
+          </p:cNvPr>
+          <p:cNvSpPr>
+            <a:spLocks noGrp="1"/>
+          </p:cNvSpPr>
+          <p:nvPr>
+            <p:ph type="body" idx="1"/>
+          </p:nvPr>
+        </p:nvSpPr>
+        <p:spPr/>
+        <p:txBody>
+          <a:bodyPr/>
+          <a:lstStyle/>
+          <a:p>
+            <a:r>
+              <a:rPr lang="en-US" dirty="0"/>
+              <a:t>Community Sub-index</a:t>
+            </a:r>
+          </a:p>
+        </p:txBody>
+      </p:sp>
+      <p:sp>
+        <p:nvSpPr>
+          <p:cNvPr id="5" name="Text Placeholder 4">
+            <a:extLst>
+              <a:ext uri="{FF2B5EF4-FFF2-40B4-BE49-F238E27FC236}">
+                <a16:creationId xmlns:a16="http://schemas.microsoft.com/office/drawing/2014/main" id="{A487D3F3-8CF0-4676-AFD6-9E9CF7C0250E}"/>
+              </a:ext>
+            </a:extLst>
+          </p:cNvPr>
+          <p:cNvSpPr>
+            <a:spLocks noGrp="1"/>
+          </p:cNvSpPr>
+          <p:nvPr>
+            <p:ph type="body" sz="quarter" idx="3"/>
+          </p:nvPr>
+        </p:nvSpPr>
+        <p:spPr/>
+        <p:txBody>
+          <a:bodyPr/>
+          <a:lstStyle/>
+          <a:p>
+            <a:r>
+              <a:rPr lang="en-US" dirty="0"/>
+              <a:t>Family Sub-index</a:t>
+            </a:r>
+          </a:p>
+        </p:txBody>
+      </p:sp>
+      <p:pic>
+        <p:nvPicPr>
+          <p:cNvPr id="13" name="Content Placeholder 12">
+            <a:extLst>
+              <a:ext uri="{FF2B5EF4-FFF2-40B4-BE49-F238E27FC236}">
+                <a16:creationId xmlns:a16="http://schemas.microsoft.com/office/drawing/2014/main" id="{B96C8CDA-7C11-4C33-83F9-11FD2C15055B}"/>
+              </a:ext>
+            </a:extLst>
+          </p:cNvPr>
+          <p:cNvPicPr>
+            <a:picLocks noGrp="1" noChangeAspect="1"/>
+          </p:cNvPicPr>
+          <p:nvPr>
+            <p:ph sz="quarter" idx="4"/>
+          </p:nvPr>
+        </p:nvPicPr>
+        <p:blipFill>
+          <a:blip r:embed="rId2">
+            <a:extLst>
+              <a:ext uri="{28A0092B-C50C-407E-A947-70E740481C1C}">
+                <a14:useLocalDpi xmlns:a14="http://schemas.microsoft.com/office/drawing/2010/main" val="0"/>
+              </a:ext>
+            </a:extLst>
+          </a:blip>
+          <a:stretch>
+            <a:fillRect/>
+          </a:stretch>
+        </p:blipFill>
+        <p:spPr>
+          <a:xfrm>
+            <a:off x="6541005" y="3243889"/>
+            <a:ext cx="4134427" cy="2391109"/>
+          </a:xfrm>
+        </p:spPr>
+      </p:pic>
+      <p:pic>
+        <p:nvPicPr>
+          <p:cNvPr id="11" name="Content Placeholder 10">
+            <a:extLst>
+              <a:ext uri="{FF2B5EF4-FFF2-40B4-BE49-F238E27FC236}">
+                <a16:creationId xmlns:a16="http://schemas.microsoft.com/office/drawing/2014/main" id="{3EFD4DEF-3831-4FB8-AE32-802BD433B01F}"/>
+              </a:ext>
+            </a:extLst>
+          </p:cNvPr>
+          <p:cNvPicPr>
+            <a:picLocks noGrp="1" noChangeAspect="1"/>
+          </p:cNvPicPr>
+          <p:nvPr>
+            <p:ph sz="half" idx="2"/>
+          </p:nvPr>
+        </p:nvPicPr>
+        <p:blipFill>
+          <a:blip r:embed="rId3">
+            <a:extLst>
+              <a:ext uri="{28A0092B-C50C-407E-A947-70E740481C1C}">
+                <a14:useLocalDpi xmlns:a14="http://schemas.microsoft.com/office/drawing/2010/main" val="0"/>
+              </a:ext>
+            </a:extLst>
+          </a:blip>
+          <a:stretch>
+            <a:fillRect/>
+          </a:stretch>
+        </p:blipFill>
+        <p:spPr>
+          <a:xfrm>
+            <a:off x="1202919" y="3243889"/>
+            <a:ext cx="4444496" cy="2391109"/>
+          </a:xfrm>
+        </p:spPr>
+      </p:pic>
+    </p:spTree>
+    <p:extLst>
+      <p:ext uri="{BB962C8B-B14F-4D97-AF65-F5344CB8AC3E}">
+        <p14:creationId xmlns:p14="http://schemas.microsoft.com/office/powerpoint/2010/main" val="1826144533"/>
+      </p:ext>
+    </p:extLst>
+  </p:cSld>
+  <p:clrMapOvr>
+    <a:masterClrMapping/>
+  </p:clrMapOvr>
+</p:sld>
+</file>
+
+<file path=ppt/slides/slide11.xml><?xml version="1.0" encoding="utf-8"?>
+<p:sld xmlns:a="http://schemas.openxmlformats.org/drawingml/2006/main" xmlns:r="http://schemas.openxmlformats.org/officeDocument/2006/relationships" xmlns:p="http://schemas.openxmlformats.org/presentationml/2006/main">
+  <p:cSld>
+    <p:spTree>
+      <p:nvGrpSpPr>
+        <p:cNvPr id="1" name=""/>
+        <p:cNvGrpSpPr/>
+        <p:nvPr/>
+      </p:nvGrpSpPr>
+      <p:grpSpPr>
+        <a:xfrm>
+          <a:off x="0" y="0"/>
+          <a:ext cx="0" cy="0"/>
+          <a:chOff x="0" y="0"/>
+          <a:chExt cx="0" cy="0"/>
+        </a:xfrm>
+      </p:grpSpPr>
+      <p:sp>
+        <p:nvSpPr>
+          <p:cNvPr id="2" name="Title 1">
+            <a:extLst>
+              <a:ext uri="{FF2B5EF4-FFF2-40B4-BE49-F238E27FC236}">
+                <a16:creationId xmlns:a16="http://schemas.microsoft.com/office/drawing/2014/main" id="{E81DDE6E-EEE6-4F8B-AA53-612D88BA45C1}"/>
+              </a:ext>
+            </a:extLst>
+          </p:cNvPr>
+          <p:cNvSpPr>
+            <a:spLocks noGrp="1"/>
+          </p:cNvSpPr>
+          <p:nvPr>
+            <p:ph type="title"/>
+          </p:nvPr>
+        </p:nvSpPr>
+        <p:spPr/>
+        <p:txBody>
+          <a:bodyPr/>
+          <a:lstStyle/>
+          <a:p>
+            <a:r>
+              <a:rPr lang="en-US" dirty="0"/>
+              <a:t>Future Exploration</a:t>
+            </a:r>
+          </a:p>
+        </p:txBody>
+      </p:sp>
+      <p:sp>
+        <p:nvSpPr>
+          <p:cNvPr id="7" name="Content Placeholder 6">
+            <a:extLst>
+              <a:ext uri="{FF2B5EF4-FFF2-40B4-BE49-F238E27FC236}">
+                <a16:creationId xmlns:a16="http://schemas.microsoft.com/office/drawing/2014/main" id="{E377E4B4-D61C-400A-AF37-64D2770F6928}"/>
+              </a:ext>
+            </a:extLst>
+          </p:cNvPr>
+          <p:cNvSpPr>
+            <a:spLocks noGrp="1"/>
+          </p:cNvSpPr>
+          <p:nvPr>
+            <p:ph idx="1"/>
+          </p:nvPr>
+        </p:nvSpPr>
+        <p:spPr/>
+        <p:txBody>
+          <a:bodyPr/>
+          <a:lstStyle/>
+          <a:p>
+            <a:r>
+              <a:rPr lang="en-US" dirty="0"/>
+              <a:t>In this analysis we had to correct an error how we calculated Z-scores, </a:t>
+            </a:r>
+          </a:p>
+          <a:p>
+            <a:r>
+              <a:rPr lang="en-US" dirty="0"/>
+              <a:t>If united way work like us to continue making the </a:t>
+            </a:r>
+            <a:r>
+              <a:rPr lang="en-US" dirty="0" err="1"/>
+              <a:t>forio</a:t>
+            </a:r>
+            <a:r>
+              <a:rPr lang="en-US" dirty="0"/>
+              <a:t> app then we can</a:t>
+            </a:r>
+          </a:p>
+          <a:p>
+            <a:endParaRPr lang="en-US" dirty="0"/>
+          </a:p>
+        </p:txBody>
+      </p:sp>
+    </p:spTree>
+    <p:extLst>
+      <p:ext uri="{BB962C8B-B14F-4D97-AF65-F5344CB8AC3E}">
+        <p14:creationId xmlns:p14="http://schemas.microsoft.com/office/powerpoint/2010/main" val="1042079369"/>
+      </p:ext>
+    </p:extLst>
+  </p:cSld>
+  <p:clrMapOvr>
+    <a:masterClrMapping/>
+  </p:clrMapOvr>
+</p:sld>
+</file>
+
+<file path=ppt/slides/slide12.xml><?xml version="1.0" encoding="utf-8"?>
+<p:sld xmlns:a="http://schemas.openxmlformats.org/drawingml/2006/main" xmlns:r="http://schemas.openxmlformats.org/officeDocument/2006/relationships" xmlns:p="http://schemas.openxmlformats.org/presentationml/2006/main">
+  <p:cSld>
+    <p:spTree>
+      <p:nvGrpSpPr>
+        <p:cNvPr id="1" name=""/>
+        <p:cNvGrpSpPr/>
+        <p:nvPr/>
+      </p:nvGrpSpPr>
+      <p:grpSpPr>
+        <a:xfrm>
+          <a:off x="0" y="0"/>
+          <a:ext cx="0" cy="0"/>
+          <a:chOff x="0" y="0"/>
+          <a:chExt cx="0" cy="0"/>
+        </a:xfrm>
+      </p:grpSpPr>
+      <p:sp>
+        <p:nvSpPr>
+          <p:cNvPr id="2" name="Title 1">
+            <a:extLst>
+              <a:ext uri="{FF2B5EF4-FFF2-40B4-BE49-F238E27FC236}">
+                <a16:creationId xmlns:a16="http://schemas.microsoft.com/office/drawing/2014/main" id="{E00138CE-EC3A-4131-AE45-47DF46216C60}"/>
+              </a:ext>
+            </a:extLst>
+          </p:cNvPr>
+          <p:cNvSpPr>
+            <a:spLocks noGrp="1"/>
+          </p:cNvSpPr>
+          <p:nvPr>
+            <p:ph type="title"/>
+          </p:nvPr>
+        </p:nvSpPr>
+        <p:spPr/>
+        <p:txBody>
+          <a:bodyPr/>
+          <a:lstStyle/>
+          <a:p>
+            <a:r>
+              <a:rPr lang="en-US" dirty="0"/>
+              <a:t>CONTACT TO HELP WITH research</a:t>
+            </a:r>
+          </a:p>
+        </p:txBody>
+      </p:sp>
+      <p:sp>
+        <p:nvSpPr>
+          <p:cNvPr id="3" name="Content Placeholder 2">
+            <a:extLst>
+              <a:ext uri="{FF2B5EF4-FFF2-40B4-BE49-F238E27FC236}">
+                <a16:creationId xmlns:a16="http://schemas.microsoft.com/office/drawing/2014/main" id="{2B15F1FC-7173-467C-9C1F-E5E35CF2490E}"/>
+              </a:ext>
+            </a:extLst>
+          </p:cNvPr>
+          <p:cNvSpPr>
+            <a:spLocks noGrp="1"/>
+          </p:cNvSpPr>
+          <p:nvPr>
+            <p:ph idx="1"/>
+          </p:nvPr>
+        </p:nvSpPr>
+        <p:spPr/>
+        <p:txBody>
+          <a:bodyPr/>
+          <a:lstStyle/>
+          <a:p>
+            <a:r>
+              <a:rPr lang="en-US" dirty="0"/>
+              <a:t>Contacts:</a:t>
+            </a:r>
+          </a:p>
+          <a:p>
+            <a:pPr lvl="1"/>
+            <a:r>
+              <a:rPr lang="en-US" dirty="0">
+                <a:hlinkClick r:id="rId2"/>
+              </a:rPr>
+              <a:t>https://github.com/jonstoked/ChildWellBeing</a:t>
+            </a:r>
+            <a:endParaRPr lang="en-US" dirty="0"/>
+          </a:p>
+          <a:p>
+            <a:pPr lvl="1"/>
+            <a:r>
+              <a:rPr lang="en-US" dirty="0">
+                <a:hlinkClick r:id="rId3"/>
+              </a:rPr>
+              <a:t>https://github.com/ashtondrew/ChildhoodHunger</a:t>
+            </a:r>
+            <a:endParaRPr lang="en-US" dirty="0"/>
+          </a:p>
+          <a:p>
+            <a:pPr lvl="1"/>
+            <a:endParaRPr lang="en-US" dirty="0"/>
+          </a:p>
+          <a:p>
+            <a:pPr lvl="1"/>
+            <a:endParaRPr lang="en-US" dirty="0"/>
+          </a:p>
+        </p:txBody>
+      </p:sp>
+    </p:spTree>
+    <p:extLst>
+      <p:ext uri="{BB962C8B-B14F-4D97-AF65-F5344CB8AC3E}">
+        <p14:creationId xmlns:p14="http://schemas.microsoft.com/office/powerpoint/2010/main" val="660208912"/>
+      </p:ext>
+    </p:extLst>
+  </p:cSld>
+  <p:clrMapOvr>
+    <a:masterClrMapping/>
+  </p:clrMapOvr>
+</p:sld>
+</file>
+
+<file path=ppt/slides/slide13.xml><?xml version="1.0" encoding="utf-8"?>
+<p:sld xmlns:a="http://schemas.openxmlformats.org/drawingml/2006/main" xmlns:r="http://schemas.openxmlformats.org/officeDocument/2006/relationships" xmlns:p="http://schemas.openxmlformats.org/presentationml/2006/main">
+  <p:cSld>
+    <p:spTree>
+      <p:nvGrpSpPr>
+        <p:cNvPr id="1" name=""/>
+        <p:cNvGrpSpPr/>
+        <p:nvPr/>
+      </p:nvGrpSpPr>
+      <p:grpSpPr>
+        <a:xfrm>
+          <a:off x="0" y="0"/>
+          <a:ext cx="0" cy="0"/>
+          <a:chOff x="0" y="0"/>
+          <a:chExt cx="0" cy="0"/>
+        </a:xfrm>
+      </p:grpSpPr>
+      <p:sp>
+        <p:nvSpPr>
+          <p:cNvPr id="2" name="Title 1">
+            <a:extLst>
+              <a:ext uri="{FF2B5EF4-FFF2-40B4-BE49-F238E27FC236}">
+                <a16:creationId xmlns:a16="http://schemas.microsoft.com/office/drawing/2014/main" id="{7F940794-0C9D-4ABA-9EE1-1AB59ED36184}"/>
+              </a:ext>
+            </a:extLst>
+          </p:cNvPr>
+          <p:cNvSpPr>
+            <a:spLocks noGrp="1"/>
+          </p:cNvSpPr>
+          <p:nvPr>
+            <p:ph type="title"/>
+          </p:nvPr>
+        </p:nvSpPr>
+        <p:spPr/>
+        <p:txBody>
+          <a:bodyPr/>
+          <a:lstStyle/>
+          <a:p>
+            <a:r>
+              <a:rPr lang="en-US" dirty="0"/>
+              <a:t>Future Exploration</a:t>
+            </a:r>
+          </a:p>
+        </p:txBody>
+      </p:sp>
+      <p:sp>
+        <p:nvSpPr>
+          <p:cNvPr id="3" name="Content Placeholder 2">
+            <a:extLst>
+              <a:ext uri="{FF2B5EF4-FFF2-40B4-BE49-F238E27FC236}">
+                <a16:creationId xmlns:a16="http://schemas.microsoft.com/office/drawing/2014/main" id="{64688BF6-20FE-4DFA-9D65-3468CA08A448}"/>
+              </a:ext>
+            </a:extLst>
+          </p:cNvPr>
+          <p:cNvSpPr>
+            <a:spLocks noGrp="1"/>
+          </p:cNvSpPr>
+          <p:nvPr>
+            <p:ph idx="1"/>
+          </p:nvPr>
+        </p:nvSpPr>
+        <p:spPr>
+          <a:xfrm>
+            <a:off x="1207008" y="2120054"/>
+            <a:ext cx="5264130" cy="4114800"/>
+          </a:xfrm>
+        </p:spPr>
+        <p:txBody>
+          <a:bodyPr/>
+          <a:lstStyle/>
+          <a:p>
+            <a:r>
+              <a:rPr lang="en-US" dirty="0"/>
+              <a:t>Explore Boundaries</a:t>
+            </a:r>
+          </a:p>
+          <a:p>
+            <a:r>
+              <a:rPr lang="en-US" dirty="0"/>
+              <a:t>Add to the meeting….</a:t>
+            </a:r>
+          </a:p>
+        </p:txBody>
+      </p:sp>
+      <p:sp>
+        <p:nvSpPr>
+          <p:cNvPr id="4" name="Text Placeholder 3">
+            <a:extLst>
+              <a:ext uri="{FF2B5EF4-FFF2-40B4-BE49-F238E27FC236}">
+                <a16:creationId xmlns:a16="http://schemas.microsoft.com/office/drawing/2014/main" id="{6A7A6182-4F8F-4FF5-B698-B1A91905B9A5}"/>
+              </a:ext>
+            </a:extLst>
+          </p:cNvPr>
+          <p:cNvSpPr>
+            <a:spLocks noGrp="1"/>
+          </p:cNvSpPr>
+          <p:nvPr>
+            <p:ph type="body" sz="half" idx="2"/>
+          </p:nvPr>
+        </p:nvSpPr>
+        <p:spPr>
+          <a:xfrm>
+            <a:off x="6696222" y="2147486"/>
+            <a:ext cx="4293202" cy="4087368"/>
+          </a:xfrm>
+        </p:spPr>
+        <p:txBody>
+          <a:bodyPr>
+            <a:normAutofit fontScale="92500" lnSpcReduction="10000"/>
+          </a:bodyPr>
+          <a:lstStyle/>
+          <a:p>
+            <a:r>
+              <a:rPr lang="en-US" dirty="0"/>
+              <a:t>After the call, we put our heads together to figure out how we could reduce the degrees of freedom. We came up with a solution for putting “boundaries” on the possible values that I hope you will like- I’ve written up our proposal in the attached word document. Essentially, we’re proposing to change each indicator by its value rather than percent change. In addition, we’re suggesting putting “boundaries” on the value of each indicator and using nationwide county level data to help us determine what those “boundaries” should be. I’ve also attached an excel document with the initial boundary research that Deepa and I have done. Please note that 3 of the 5 indicators we researched do not yet have nationwide county level data- Deepa plans to continue her research next week.</a:t>
+            </a:r>
+          </a:p>
+        </p:txBody>
+      </p:sp>
+    </p:spTree>
+    <p:extLst>
+      <p:ext uri="{BB962C8B-B14F-4D97-AF65-F5344CB8AC3E}">
+        <p14:creationId xmlns:p14="http://schemas.microsoft.com/office/powerpoint/2010/main" val="1784193061"/>
+      </p:ext>
+    </p:extLst>
+  </p:cSld>
+  <p:clrMapOvr>
+    <a:masterClrMapping/>
+  </p:clrMapOvr>
+</p:sld>
+</file>
+
+<file path=ppt/slides/slide14.xml><?xml version="1.0" encoding="utf-8"?>
+<p:sld xmlns:a="http://schemas.openxmlformats.org/drawingml/2006/main" xmlns:r="http://schemas.openxmlformats.org/officeDocument/2006/relationships" xmlns:p="http://schemas.openxmlformats.org/presentationml/2006/main">
+  <p:cSld>
+    <p:spTree>
+      <p:nvGrpSpPr>
+        <p:cNvPr id="1" name=""/>
+        <p:cNvGrpSpPr/>
+        <p:nvPr/>
+      </p:nvGrpSpPr>
+      <p:grpSpPr>
+        <a:xfrm>
+          <a:off x="0" y="0"/>
+          <a:ext cx="0" cy="0"/>
+          <a:chOff x="0" y="0"/>
+          <a:chExt cx="0" cy="0"/>
+        </a:xfrm>
+      </p:grpSpPr>
+      <p:sp>
+        <p:nvSpPr>
+          <p:cNvPr id="2" name="Title 1">
+            <a:extLst>
+              <a:ext uri="{FF2B5EF4-FFF2-40B4-BE49-F238E27FC236}">
+                <a16:creationId xmlns:a16="http://schemas.microsoft.com/office/drawing/2014/main" id="{9046D9CF-8201-4FC9-AA81-4904DA754077}"/>
+              </a:ext>
+            </a:extLst>
+          </p:cNvPr>
+          <p:cNvSpPr>
+            <a:spLocks noGrp="1"/>
+          </p:cNvSpPr>
+          <p:nvPr>
+            <p:ph type="title"/>
+          </p:nvPr>
+        </p:nvSpPr>
+        <p:spPr/>
+        <p:txBody>
+          <a:bodyPr/>
+          <a:lstStyle/>
+          <a:p>
+            <a:endParaRPr lang="en-US"/>
+          </a:p>
+        </p:txBody>
+      </p:sp>
+      <p:sp>
+        <p:nvSpPr>
+          <p:cNvPr id="3" name="Content Placeholder 2">
+            <a:extLst>
+              <a:ext uri="{FF2B5EF4-FFF2-40B4-BE49-F238E27FC236}">
+                <a16:creationId xmlns:a16="http://schemas.microsoft.com/office/drawing/2014/main" id="{D279E369-D186-4156-B9DD-3178B2E23902}"/>
+              </a:ext>
+            </a:extLst>
+          </p:cNvPr>
+          <p:cNvSpPr>
+            <a:spLocks noGrp="1"/>
+          </p:cNvSpPr>
+          <p:nvPr>
+            <p:ph idx="1"/>
+          </p:nvPr>
+        </p:nvSpPr>
+        <p:spPr/>
+        <p:txBody>
+          <a:bodyPr/>
+          <a:lstStyle/>
+          <a:p>
+            <a:endParaRPr lang="en-US"/>
+          </a:p>
+        </p:txBody>
+      </p:sp>
+      <p:sp>
+        <p:nvSpPr>
+          <p:cNvPr id="4" name="Text Placeholder 3">
+            <a:extLst>
+              <a:ext uri="{FF2B5EF4-FFF2-40B4-BE49-F238E27FC236}">
+                <a16:creationId xmlns:a16="http://schemas.microsoft.com/office/drawing/2014/main" id="{203B86F3-1592-408B-A073-800DCFC689E4}"/>
+              </a:ext>
+            </a:extLst>
+          </p:cNvPr>
+          <p:cNvSpPr>
+            <a:spLocks noGrp="1"/>
+          </p:cNvSpPr>
+          <p:nvPr>
+            <p:ph type="body" sz="half" idx="2"/>
+          </p:nvPr>
+        </p:nvSpPr>
+        <p:spPr/>
+        <p:txBody>
+          <a:bodyPr/>
+          <a:lstStyle/>
+          <a:p>
+            <a:endParaRPr lang="en-US"/>
+          </a:p>
+        </p:txBody>
+      </p:sp>
+    </p:spTree>
+    <p:extLst>
+      <p:ext uri="{BB962C8B-B14F-4D97-AF65-F5344CB8AC3E}">
+        <p14:creationId xmlns:p14="http://schemas.microsoft.com/office/powerpoint/2010/main" val="321041794"/>
+      </p:ext>
+    </p:extLst>
+  </p:cSld>
+  <p:clrMapOvr>
+    <a:masterClrMapping/>
+  </p:clrMapOvr>
+</p:sld>
+</file>
+
 <file path=ppt/slides/slide2.xml><?xml version="1.0" encoding="utf-8"?>
+<p:sld xmlns:a="http://schemas.openxmlformats.org/drawingml/2006/main" xmlns:r="http://schemas.openxmlformats.org/officeDocument/2006/relationships" xmlns:p="http://schemas.openxmlformats.org/presentationml/2006/main">
+  <p:cSld>
+    <p:spTree>
+      <p:nvGrpSpPr>
+        <p:cNvPr id="1" name=""/>
+        <p:cNvGrpSpPr/>
+        <p:nvPr/>
+      </p:nvGrpSpPr>
+      <p:grpSpPr>
+        <a:xfrm>
+          <a:off x="0" y="0"/>
+          <a:ext cx="0" cy="0"/>
+          <a:chOff x="0" y="0"/>
+          <a:chExt cx="0" cy="0"/>
+        </a:xfrm>
+      </p:grpSpPr>
+      <p:sp>
+        <p:nvSpPr>
+          <p:cNvPr id="2" name="Title 1">
+            <a:extLst>
+              <a:ext uri="{FF2B5EF4-FFF2-40B4-BE49-F238E27FC236}">
+                <a16:creationId xmlns:a16="http://schemas.microsoft.com/office/drawing/2014/main" id="{BF0A02AD-9343-4260-8748-C78B1207F561}"/>
+              </a:ext>
+            </a:extLst>
+          </p:cNvPr>
+          <p:cNvSpPr>
+            <a:spLocks noGrp="1"/>
+          </p:cNvSpPr>
+          <p:nvPr>
+            <p:ph type="title"/>
+          </p:nvPr>
+        </p:nvSpPr>
+        <p:spPr/>
+        <p:txBody>
+          <a:bodyPr/>
+          <a:lstStyle/>
+          <a:p>
+            <a:r>
+              <a:rPr lang="en-US" dirty="0"/>
+              <a:t>Objective</a:t>
+            </a:r>
+          </a:p>
+        </p:txBody>
+      </p:sp>
+      <p:sp>
+        <p:nvSpPr>
+          <p:cNvPr id="3" name="Content Placeholder 2">
+            <a:extLst>
+              <a:ext uri="{FF2B5EF4-FFF2-40B4-BE49-F238E27FC236}">
+                <a16:creationId xmlns:a16="http://schemas.microsoft.com/office/drawing/2014/main" id="{A8BB443F-D647-437F-9A6A-750163D347C2}"/>
+              </a:ext>
+            </a:extLst>
+          </p:cNvPr>
+          <p:cNvSpPr>
+            <a:spLocks noGrp="1"/>
+          </p:cNvSpPr>
+          <p:nvPr>
+            <p:ph idx="1"/>
+          </p:nvPr>
+        </p:nvSpPr>
+        <p:spPr/>
+        <p:txBody>
+          <a:bodyPr/>
+          <a:lstStyle/>
+          <a:p>
+            <a:r>
+              <a:rPr lang="en-US" dirty="0"/>
+              <a:t>Reproduce what Vincent had done in his excel sheet in R, so United way could build a model with Forio.com</a:t>
+            </a:r>
+          </a:p>
+        </p:txBody>
+      </p:sp>
+    </p:spTree>
+    <p:extLst>
+      <p:ext uri="{BB962C8B-B14F-4D97-AF65-F5344CB8AC3E}">
+        <p14:creationId xmlns:p14="http://schemas.microsoft.com/office/powerpoint/2010/main" val="1583857694"/>
+      </p:ext>
+    </p:extLst>
+  </p:cSld>
+  <p:clrMapOvr>
+    <a:masterClrMapping/>
+  </p:clrMapOvr>
+</p:sld>
+</file>
+
+<file path=ppt/slides/slide3.xml><?xml version="1.0" encoding="utf-8"?>
+<p:sld xmlns:a="http://schemas.openxmlformats.org/drawingml/2006/main" xmlns:r="http://schemas.openxmlformats.org/officeDocument/2006/relationships" xmlns:p="http://schemas.openxmlformats.org/presentationml/2006/main">
+  <p:cSld>
+    <p:spTree>
+      <p:nvGrpSpPr>
+        <p:cNvPr id="1" name=""/>
+        <p:cNvGrpSpPr/>
+        <p:nvPr/>
+      </p:nvGrpSpPr>
+      <p:grpSpPr>
+        <a:xfrm>
+          <a:off x="0" y="0"/>
+          <a:ext cx="0" cy="0"/>
+          <a:chOff x="0" y="0"/>
+          <a:chExt cx="0" cy="0"/>
+        </a:xfrm>
+      </p:grpSpPr>
+      <p:sp>
+        <p:nvSpPr>
+          <p:cNvPr id="2" name="Title 1">
+            <a:extLst>
+              <a:ext uri="{FF2B5EF4-FFF2-40B4-BE49-F238E27FC236}">
+                <a16:creationId xmlns:a16="http://schemas.microsoft.com/office/drawing/2014/main" id="{C4136BA5-824A-4249-9C95-004B4B5BA4D7}"/>
+              </a:ext>
+            </a:extLst>
+          </p:cNvPr>
+          <p:cNvSpPr>
+            <a:spLocks noGrp="1"/>
+          </p:cNvSpPr>
+          <p:nvPr>
+            <p:ph type="title"/>
+          </p:nvPr>
+        </p:nvSpPr>
+        <p:spPr/>
+        <p:txBody>
+          <a:bodyPr/>
+          <a:lstStyle/>
+          <a:p>
+            <a:r>
+              <a:rPr lang="en-US" dirty="0"/>
+              <a:t>Methods</a:t>
+            </a:r>
+          </a:p>
+        </p:txBody>
+      </p:sp>
+      <p:sp>
+        <p:nvSpPr>
+          <p:cNvPr id="3" name="Content Placeholder 2">
+            <a:extLst>
+              <a:ext uri="{FF2B5EF4-FFF2-40B4-BE49-F238E27FC236}">
+                <a16:creationId xmlns:a16="http://schemas.microsoft.com/office/drawing/2014/main" id="{07C01DE7-8E6D-45E1-A5C8-ED837B612981}"/>
+              </a:ext>
+            </a:extLst>
+          </p:cNvPr>
+          <p:cNvSpPr>
+            <a:spLocks noGrp="1"/>
+          </p:cNvSpPr>
+          <p:nvPr>
+            <p:ph idx="1"/>
+          </p:nvPr>
+        </p:nvSpPr>
+        <p:spPr/>
+        <p:txBody>
+          <a:bodyPr/>
+          <a:lstStyle/>
+          <a:p>
+            <a:pPr marL="514350" indent="-514350">
+              <a:buFont typeface="+mj-lt"/>
+              <a:buAutoNum type="arabicPeriod"/>
+            </a:pPr>
+            <a:r>
+              <a:rPr lang="en-US" dirty="0"/>
+              <a:t>Create a workable way to calculating the old Child Wellbeing Index, so we can integrate in </a:t>
+            </a:r>
+            <a:r>
+              <a:rPr lang="en-US" dirty="0" err="1"/>
+              <a:t>Forio</a:t>
+            </a:r>
+            <a:r>
+              <a:rPr lang="en-US" dirty="0"/>
+              <a:t> and create a visual model:</a:t>
+            </a:r>
+          </a:p>
+          <a:p>
+            <a:pPr marL="914400" lvl="1" indent="-457200">
+              <a:buFont typeface="+mj-lt"/>
+              <a:buAutoNum type="arabicPeriod"/>
+            </a:pPr>
+            <a:r>
+              <a:rPr lang="en-US" dirty="0"/>
+              <a:t>Calculate Mean and Population Deviation</a:t>
+            </a:r>
+          </a:p>
+          <a:p>
+            <a:pPr marL="914400" lvl="1" indent="-457200">
+              <a:buFont typeface="+mj-lt"/>
+              <a:buAutoNum type="arabicPeriod"/>
+            </a:pPr>
+            <a:r>
+              <a:rPr lang="en-US" dirty="0"/>
+              <a:t>Core Algorithm: Do Z-Score</a:t>
+            </a:r>
+          </a:p>
+          <a:p>
+            <a:pPr marL="914400" lvl="1" indent="-457200">
+              <a:buFont typeface="+mj-lt"/>
+              <a:buAutoNum type="arabicPeriod"/>
+            </a:pPr>
+            <a:r>
+              <a:rPr lang="en-US" dirty="0"/>
+              <a:t>Adjust it so that it is only between -3.1 and 3.1 Add the z-scores in order in listed order and divide by the amounts</a:t>
+            </a:r>
+          </a:p>
+          <a:p>
+            <a:pPr marL="914400" lvl="1" indent="-457200">
+              <a:buFont typeface="+mj-lt"/>
+              <a:buAutoNum type="arabicPeriod"/>
+            </a:pPr>
+            <a:r>
+              <a:rPr lang="en-US" dirty="0"/>
+              <a:t>Turn things that should be negative to actual negative</a:t>
+            </a:r>
+          </a:p>
+          <a:p>
+            <a:pPr marL="914400" lvl="1" indent="-457200">
+              <a:buFont typeface="+mj-lt"/>
+              <a:buAutoNum type="arabicPeriod"/>
+            </a:pPr>
+            <a:r>
+              <a:rPr lang="en-US" dirty="0"/>
+              <a:t>Calculate the Child, Family, and Community Sub-Index</a:t>
+            </a:r>
+          </a:p>
+          <a:p>
+            <a:pPr marL="914400" lvl="1" indent="-457200">
+              <a:buFont typeface="+mj-lt"/>
+              <a:buAutoNum type="arabicPeriod"/>
+            </a:pPr>
+            <a:r>
+              <a:rPr lang="en-US" dirty="0"/>
+              <a:t>CWI = Average the 3 sub indices</a:t>
+            </a:r>
+          </a:p>
+          <a:p>
+            <a:pPr marL="914400" lvl="1" indent="-457200">
+              <a:buFont typeface="+mj-lt"/>
+              <a:buAutoNum type="arabicPeriod"/>
+            </a:pPr>
+            <a:r>
+              <a:rPr lang="en-US" dirty="0"/>
+              <a:t>Rescale them from 1-100</a:t>
+            </a:r>
+          </a:p>
+          <a:p>
+            <a:pPr marL="914400" lvl="1" indent="-457200">
+              <a:buFont typeface="+mj-lt"/>
+              <a:buAutoNum type="arabicPeriod"/>
+            </a:pPr>
+            <a:r>
+              <a:rPr lang="en-US" dirty="0"/>
+              <a:t>Quintiles calculated </a:t>
+            </a:r>
+          </a:p>
+        </p:txBody>
+      </p:sp>
+    </p:spTree>
+    <p:extLst>
+      <p:ext uri="{BB962C8B-B14F-4D97-AF65-F5344CB8AC3E}">
+        <p14:creationId xmlns:p14="http://schemas.microsoft.com/office/powerpoint/2010/main" val="1574778876"/>
+      </p:ext>
+    </p:extLst>
+  </p:cSld>
+  <p:clrMapOvr>
+    <a:masterClrMapping/>
+  </p:clrMapOvr>
+</p:sld>
+</file>
+
+<file path=ppt/slides/slide4.xml><?xml version="1.0" encoding="utf-8"?>
+<p:sld xmlns:a="http://schemas.openxmlformats.org/drawingml/2006/main" xmlns:r="http://schemas.openxmlformats.org/officeDocument/2006/relationships" xmlns:p="http://schemas.openxmlformats.org/presentationml/2006/main">
+  <p:cSld>
+    <p:spTree>
+      <p:nvGrpSpPr>
+        <p:cNvPr id="1" name=""/>
+        <p:cNvGrpSpPr/>
+        <p:nvPr/>
+      </p:nvGrpSpPr>
+      <p:grpSpPr>
+        <a:xfrm>
+          <a:off x="0" y="0"/>
+          <a:ext cx="0" cy="0"/>
+          <a:chOff x="0" y="0"/>
+          <a:chExt cx="0" cy="0"/>
+        </a:xfrm>
+      </p:grpSpPr>
+      <p:sp>
+        <p:nvSpPr>
+          <p:cNvPr id="2" name="Title 1">
+            <a:extLst>
+              <a:ext uri="{FF2B5EF4-FFF2-40B4-BE49-F238E27FC236}">
+                <a16:creationId xmlns:a16="http://schemas.microsoft.com/office/drawing/2014/main" id="{22C3D084-8C48-471A-82AC-DC1020C8BD22}"/>
+              </a:ext>
+            </a:extLst>
+          </p:cNvPr>
+          <p:cNvSpPr>
+            <a:spLocks noGrp="1"/>
+          </p:cNvSpPr>
+          <p:nvPr>
+            <p:ph type="title"/>
+          </p:nvPr>
+        </p:nvSpPr>
+        <p:spPr/>
+        <p:txBody>
+          <a:bodyPr/>
+          <a:lstStyle/>
+          <a:p>
+            <a:r>
+              <a:rPr lang="en-US" dirty="0"/>
+              <a:t>methods</a:t>
+            </a:r>
+          </a:p>
+        </p:txBody>
+      </p:sp>
+      <p:sp>
+        <p:nvSpPr>
+          <p:cNvPr id="3" name="Content Placeholder 2">
+            <a:extLst>
+              <a:ext uri="{FF2B5EF4-FFF2-40B4-BE49-F238E27FC236}">
+                <a16:creationId xmlns:a16="http://schemas.microsoft.com/office/drawing/2014/main" id="{5712A2A6-4CDC-4255-92CE-3F7A46DCF618}"/>
+              </a:ext>
+            </a:extLst>
+          </p:cNvPr>
+          <p:cNvSpPr>
+            <a:spLocks noGrp="1"/>
+          </p:cNvSpPr>
+          <p:nvPr>
+            <p:ph idx="1"/>
+          </p:nvPr>
+        </p:nvSpPr>
+        <p:spPr/>
+        <p:txBody>
+          <a:bodyPr/>
+          <a:lstStyle/>
+          <a:p>
+            <a:r>
+              <a:rPr lang="en-US" dirty="0"/>
+              <a:t>Plots</a:t>
+            </a:r>
+          </a:p>
+          <a:p>
+            <a:pPr lvl="1"/>
+            <a:r>
+              <a:rPr lang="en-US" dirty="0"/>
+              <a:t>We then created box plots, histograms, and quintiles of the Z-scores, and </a:t>
+            </a:r>
+            <a:r>
+              <a:rPr lang="en-US" dirty="0" err="1"/>
+              <a:t>Indexs</a:t>
+            </a:r>
+            <a:r>
+              <a:rPr lang="en-US" dirty="0"/>
+              <a:t> as we will show in our results.</a:t>
+            </a:r>
+          </a:p>
+          <a:p>
+            <a:pPr lvl="1"/>
+            <a:r>
+              <a:rPr lang="en-US" dirty="0"/>
+              <a:t>We found that box plots really don’t work</a:t>
+            </a:r>
+          </a:p>
+          <a:p>
+            <a:pPr lvl="2"/>
+            <a:r>
+              <a:rPr lang="en-US" dirty="0"/>
+              <a:t>Because 4 segments and quintiles are for 5</a:t>
+            </a:r>
+          </a:p>
+          <a:p>
+            <a:pPr lvl="2"/>
+            <a:r>
+              <a:rPr lang="en-US" dirty="0"/>
+              <a:t>Because visually the lower end of the data is underrepresented in any separation less than 5</a:t>
+            </a:r>
+          </a:p>
+        </p:txBody>
+      </p:sp>
+    </p:spTree>
+    <p:extLst>
+      <p:ext uri="{BB962C8B-B14F-4D97-AF65-F5344CB8AC3E}">
+        <p14:creationId xmlns:p14="http://schemas.microsoft.com/office/powerpoint/2010/main" val="2555456147"/>
+      </p:ext>
+    </p:extLst>
+  </p:cSld>
+  <p:clrMapOvr>
+    <a:masterClrMapping/>
+  </p:clrMapOvr>
+</p:sld>
+</file>
+
+<file path=ppt/slides/slide5.xml><?xml version="1.0" encoding="utf-8"?>
 <p:sld xmlns:a="http://schemas.openxmlformats.org/drawingml/2006/main" xmlns:r="http://schemas.openxmlformats.org/officeDocument/2006/relationships" xmlns:p="http://schemas.openxmlformats.org/presentationml/2006/main">
   <p:cSld>
     <p:spTree>
@@ -3973,7 +5003,7 @@
 </p:sld>
 </file>
 
-<file path=ppt/slides/slide3.xml><?xml version="1.0" encoding="utf-8"?>
+<file path=ppt/slides/slide6.xml><?xml version="1.0" encoding="utf-8"?>
 <p:sld xmlns:a="http://schemas.openxmlformats.org/drawingml/2006/main" xmlns:r="http://schemas.openxmlformats.org/officeDocument/2006/relationships" xmlns:p="http://schemas.openxmlformats.org/presentationml/2006/main">
   <p:cSld>
     <p:spTree>
@@ -4066,7 +5096,7 @@
 </p:sld>
 </file>
 
-<file path=ppt/slides/slide4.xml><?xml version="1.0" encoding="utf-8"?>
+<file path=ppt/slides/slide7.xml><?xml version="1.0" encoding="utf-8"?>
 <p:sld xmlns:a="http://schemas.openxmlformats.org/drawingml/2006/main" xmlns:r="http://schemas.openxmlformats.org/officeDocument/2006/relationships" xmlns:p="http://schemas.openxmlformats.org/presentationml/2006/main">
   <p:cSld>
     <p:spTree>
@@ -4159,7 +5189,7 @@
 </p:sld>
 </file>
 
-<file path=ppt/slides/slide5.xml><?xml version="1.0" encoding="utf-8"?>
+<file path=ppt/slides/slide8.xml><?xml version="1.0" encoding="utf-8"?>
 <p:sld xmlns:a="http://schemas.openxmlformats.org/drawingml/2006/main" xmlns:r="http://schemas.openxmlformats.org/officeDocument/2006/relationships" xmlns:p="http://schemas.openxmlformats.org/presentationml/2006/main">
   <p:cSld>
     <p:spTree>
@@ -4252,7 +5282,7 @@
 </p:sld>
 </file>
 
-<file path=ppt/slides/slide6.xml><?xml version="1.0" encoding="utf-8"?>
+<file path=ppt/slides/slide9.xml><?xml version="1.0" encoding="utf-8"?>
 <p:sld xmlns:a="http://schemas.openxmlformats.org/drawingml/2006/main" xmlns:r="http://schemas.openxmlformats.org/officeDocument/2006/relationships" xmlns:p="http://schemas.openxmlformats.org/presentationml/2006/main">
   <p:cSld>
     <p:spTree>
@@ -4427,348 +5457,6 @@
     <p:extLst>
       <p:ext uri="{BB962C8B-B14F-4D97-AF65-F5344CB8AC3E}">
         <p14:creationId xmlns:p14="http://schemas.microsoft.com/office/powerpoint/2010/main" val="3803108480"/>
-      </p:ext>
-    </p:extLst>
-  </p:cSld>
-  <p:clrMapOvr>
-    <a:masterClrMapping/>
-  </p:clrMapOvr>
-</p:sld>
-</file>
-
-<file path=ppt/slides/slide7.xml><?xml version="1.0" encoding="utf-8"?>
-<p:sld xmlns:a="http://schemas.openxmlformats.org/drawingml/2006/main" xmlns:r="http://schemas.openxmlformats.org/officeDocument/2006/relationships" xmlns:p="http://schemas.openxmlformats.org/presentationml/2006/main">
-  <p:cSld>
-    <p:spTree>
-      <p:nvGrpSpPr>
-        <p:cNvPr id="1" name=""/>
-        <p:cNvGrpSpPr/>
-        <p:nvPr/>
-      </p:nvGrpSpPr>
-      <p:grpSpPr>
-        <a:xfrm>
-          <a:off x="0" y="0"/>
-          <a:ext cx="0" cy="0"/>
-          <a:chOff x="0" y="0"/>
-          <a:chExt cx="0" cy="0"/>
-        </a:xfrm>
-      </p:grpSpPr>
-      <p:sp>
-        <p:nvSpPr>
-          <p:cNvPr id="2" name="Title 1">
-            <a:extLst>
-              <a:ext uri="{FF2B5EF4-FFF2-40B4-BE49-F238E27FC236}">
-                <a16:creationId xmlns:a16="http://schemas.microsoft.com/office/drawing/2014/main" id="{A325193F-8C83-438C-A96D-CF17EA7862C3}"/>
-              </a:ext>
-            </a:extLst>
-          </p:cNvPr>
-          <p:cNvSpPr>
-            <a:spLocks noGrp="1"/>
-          </p:cNvSpPr>
-          <p:nvPr>
-            <p:ph type="title"/>
-          </p:nvPr>
-        </p:nvSpPr>
-        <p:spPr/>
-        <p:txBody>
-          <a:bodyPr/>
-          <a:lstStyle/>
-          <a:p>
-            <a:r>
-              <a:rPr lang="en-US" dirty="0"/>
-              <a:t>Results: SUB-indices</a:t>
-            </a:r>
-          </a:p>
-        </p:txBody>
-      </p:sp>
-      <p:sp>
-        <p:nvSpPr>
-          <p:cNvPr id="3" name="Text Placeholder 2">
-            <a:extLst>
-              <a:ext uri="{FF2B5EF4-FFF2-40B4-BE49-F238E27FC236}">
-                <a16:creationId xmlns:a16="http://schemas.microsoft.com/office/drawing/2014/main" id="{1ABD6EB1-8A05-4DA9-98A9-19529B60D263}"/>
-              </a:ext>
-            </a:extLst>
-          </p:cNvPr>
-          <p:cNvSpPr>
-            <a:spLocks noGrp="1"/>
-          </p:cNvSpPr>
-          <p:nvPr>
-            <p:ph type="body" idx="1"/>
-          </p:nvPr>
-        </p:nvSpPr>
-        <p:spPr/>
-        <p:txBody>
-          <a:bodyPr/>
-          <a:lstStyle/>
-          <a:p>
-            <a:r>
-              <a:rPr lang="en-US" dirty="0"/>
-              <a:t>Community Sub-index</a:t>
-            </a:r>
-          </a:p>
-        </p:txBody>
-      </p:sp>
-      <p:sp>
-        <p:nvSpPr>
-          <p:cNvPr id="5" name="Text Placeholder 4">
-            <a:extLst>
-              <a:ext uri="{FF2B5EF4-FFF2-40B4-BE49-F238E27FC236}">
-                <a16:creationId xmlns:a16="http://schemas.microsoft.com/office/drawing/2014/main" id="{A487D3F3-8CF0-4676-AFD6-9E9CF7C0250E}"/>
-              </a:ext>
-            </a:extLst>
-          </p:cNvPr>
-          <p:cNvSpPr>
-            <a:spLocks noGrp="1"/>
-          </p:cNvSpPr>
-          <p:nvPr>
-            <p:ph type="body" sz="quarter" idx="3"/>
-          </p:nvPr>
-        </p:nvSpPr>
-        <p:spPr/>
-        <p:txBody>
-          <a:bodyPr/>
-          <a:lstStyle/>
-          <a:p>
-            <a:r>
-              <a:rPr lang="en-US" dirty="0"/>
-              <a:t>Family Sub-index</a:t>
-            </a:r>
-          </a:p>
-        </p:txBody>
-      </p:sp>
-      <p:pic>
-        <p:nvPicPr>
-          <p:cNvPr id="13" name="Content Placeholder 12">
-            <a:extLst>
-              <a:ext uri="{FF2B5EF4-FFF2-40B4-BE49-F238E27FC236}">
-                <a16:creationId xmlns:a16="http://schemas.microsoft.com/office/drawing/2014/main" id="{B96C8CDA-7C11-4C33-83F9-11FD2C15055B}"/>
-              </a:ext>
-            </a:extLst>
-          </p:cNvPr>
-          <p:cNvPicPr>
-            <a:picLocks noGrp="1" noChangeAspect="1"/>
-          </p:cNvPicPr>
-          <p:nvPr>
-            <p:ph sz="quarter" idx="4"/>
-          </p:nvPr>
-        </p:nvPicPr>
-        <p:blipFill>
-          <a:blip r:embed="rId2">
-            <a:extLst>
-              <a:ext uri="{28A0092B-C50C-407E-A947-70E740481C1C}">
-                <a14:useLocalDpi xmlns:a14="http://schemas.microsoft.com/office/drawing/2010/main" val="0"/>
-              </a:ext>
-            </a:extLst>
-          </a:blip>
-          <a:stretch>
-            <a:fillRect/>
-          </a:stretch>
-        </p:blipFill>
-        <p:spPr>
-          <a:xfrm>
-            <a:off x="6541005" y="3243889"/>
-            <a:ext cx="4134427" cy="2391109"/>
-          </a:xfrm>
-        </p:spPr>
-      </p:pic>
-      <p:pic>
-        <p:nvPicPr>
-          <p:cNvPr id="11" name="Content Placeholder 10">
-            <a:extLst>
-              <a:ext uri="{FF2B5EF4-FFF2-40B4-BE49-F238E27FC236}">
-                <a16:creationId xmlns:a16="http://schemas.microsoft.com/office/drawing/2014/main" id="{3EFD4DEF-3831-4FB8-AE32-802BD433B01F}"/>
-              </a:ext>
-            </a:extLst>
-          </p:cNvPr>
-          <p:cNvPicPr>
-            <a:picLocks noGrp="1" noChangeAspect="1"/>
-          </p:cNvPicPr>
-          <p:nvPr>
-            <p:ph sz="half" idx="2"/>
-          </p:nvPr>
-        </p:nvPicPr>
-        <p:blipFill>
-          <a:blip r:embed="rId3">
-            <a:extLst>
-              <a:ext uri="{28A0092B-C50C-407E-A947-70E740481C1C}">
-                <a14:useLocalDpi xmlns:a14="http://schemas.microsoft.com/office/drawing/2010/main" val="0"/>
-              </a:ext>
-            </a:extLst>
-          </a:blip>
-          <a:stretch>
-            <a:fillRect/>
-          </a:stretch>
-        </p:blipFill>
-        <p:spPr>
-          <a:xfrm>
-            <a:off x="1202919" y="3243889"/>
-            <a:ext cx="4444496" cy="2391109"/>
-          </a:xfrm>
-        </p:spPr>
-      </p:pic>
-    </p:spTree>
-    <p:extLst>
-      <p:ext uri="{BB962C8B-B14F-4D97-AF65-F5344CB8AC3E}">
-        <p14:creationId xmlns:p14="http://schemas.microsoft.com/office/powerpoint/2010/main" val="1826144533"/>
-      </p:ext>
-    </p:extLst>
-  </p:cSld>
-  <p:clrMapOvr>
-    <a:masterClrMapping/>
-  </p:clrMapOvr>
-</p:sld>
-</file>
-
-<file path=ppt/slides/slide8.xml><?xml version="1.0" encoding="utf-8"?>
-<p:sld xmlns:a="http://schemas.openxmlformats.org/drawingml/2006/main" xmlns:r="http://schemas.openxmlformats.org/officeDocument/2006/relationships" xmlns:p="http://schemas.openxmlformats.org/presentationml/2006/main">
-  <p:cSld>
-    <p:spTree>
-      <p:nvGrpSpPr>
-        <p:cNvPr id="1" name=""/>
-        <p:cNvGrpSpPr/>
-        <p:nvPr/>
-      </p:nvGrpSpPr>
-      <p:grpSpPr>
-        <a:xfrm>
-          <a:off x="0" y="0"/>
-          <a:ext cx="0" cy="0"/>
-          <a:chOff x="0" y="0"/>
-          <a:chExt cx="0" cy="0"/>
-        </a:xfrm>
-      </p:grpSpPr>
-      <p:sp>
-        <p:nvSpPr>
-          <p:cNvPr id="2" name="Title 1">
-            <a:extLst>
-              <a:ext uri="{FF2B5EF4-FFF2-40B4-BE49-F238E27FC236}">
-                <a16:creationId xmlns:a16="http://schemas.microsoft.com/office/drawing/2014/main" id="{E81DDE6E-EEE6-4F8B-AA53-612D88BA45C1}"/>
-              </a:ext>
-            </a:extLst>
-          </p:cNvPr>
-          <p:cNvSpPr>
-            <a:spLocks noGrp="1"/>
-          </p:cNvSpPr>
-          <p:nvPr>
-            <p:ph type="title"/>
-          </p:nvPr>
-        </p:nvSpPr>
-        <p:spPr/>
-        <p:txBody>
-          <a:bodyPr/>
-          <a:lstStyle/>
-          <a:p>
-            <a:r>
-              <a:rPr lang="en-US" dirty="0"/>
-              <a:t>Future Exploration</a:t>
-            </a:r>
-          </a:p>
-        </p:txBody>
-      </p:sp>
-      <p:sp>
-        <p:nvSpPr>
-          <p:cNvPr id="3" name="Text Placeholder 2">
-            <a:extLst>
-              <a:ext uri="{FF2B5EF4-FFF2-40B4-BE49-F238E27FC236}">
-                <a16:creationId xmlns:a16="http://schemas.microsoft.com/office/drawing/2014/main" id="{B3BA7D3F-2C0D-4F01-9B73-17EC8813CB68}"/>
-              </a:ext>
-            </a:extLst>
-          </p:cNvPr>
-          <p:cNvSpPr>
-            <a:spLocks noGrp="1"/>
-          </p:cNvSpPr>
-          <p:nvPr>
-            <p:ph type="body" idx="1"/>
-          </p:nvPr>
-        </p:nvSpPr>
-        <p:spPr/>
-        <p:txBody>
-          <a:bodyPr/>
-          <a:lstStyle/>
-          <a:p>
-            <a:endParaRPr lang="en-US"/>
-          </a:p>
-        </p:txBody>
-      </p:sp>
-      <p:sp>
-        <p:nvSpPr>
-          <p:cNvPr id="4" name="Content Placeholder 3">
-            <a:extLst>
-              <a:ext uri="{FF2B5EF4-FFF2-40B4-BE49-F238E27FC236}">
-                <a16:creationId xmlns:a16="http://schemas.microsoft.com/office/drawing/2014/main" id="{C55F4B57-DC59-4268-8AAE-7F54D74C6620}"/>
-              </a:ext>
-            </a:extLst>
-          </p:cNvPr>
-          <p:cNvSpPr>
-            <a:spLocks noGrp="1"/>
-          </p:cNvSpPr>
-          <p:nvPr>
-            <p:ph sz="half" idx="2"/>
-          </p:nvPr>
-        </p:nvSpPr>
-        <p:spPr/>
-        <p:txBody>
-          <a:bodyPr/>
-          <a:lstStyle/>
-          <a:p>
-            <a:endParaRPr lang="en-US"/>
-          </a:p>
-        </p:txBody>
-      </p:sp>
-      <p:sp>
-        <p:nvSpPr>
-          <p:cNvPr id="5" name="Text Placeholder 4">
-            <a:extLst>
-              <a:ext uri="{FF2B5EF4-FFF2-40B4-BE49-F238E27FC236}">
-                <a16:creationId xmlns:a16="http://schemas.microsoft.com/office/drawing/2014/main" id="{A1761CED-69D3-49AC-AEF1-4D3741E61845}"/>
-              </a:ext>
-            </a:extLst>
-          </p:cNvPr>
-          <p:cNvSpPr>
-            <a:spLocks noGrp="1"/>
-          </p:cNvSpPr>
-          <p:nvPr>
-            <p:ph type="body" sz="quarter" idx="3"/>
-          </p:nvPr>
-        </p:nvSpPr>
-        <p:spPr/>
-        <p:txBody>
-          <a:bodyPr/>
-          <a:lstStyle/>
-          <a:p>
-            <a:endParaRPr lang="en-US"/>
-          </a:p>
-        </p:txBody>
-      </p:sp>
-      <p:sp>
-        <p:nvSpPr>
-          <p:cNvPr id="6" name="Content Placeholder 5">
-            <a:extLst>
-              <a:ext uri="{FF2B5EF4-FFF2-40B4-BE49-F238E27FC236}">
-                <a16:creationId xmlns:a16="http://schemas.microsoft.com/office/drawing/2014/main" id="{C0072185-7D8C-4541-965B-EEA0287B002B}"/>
-              </a:ext>
-            </a:extLst>
-          </p:cNvPr>
-          <p:cNvSpPr>
-            <a:spLocks noGrp="1"/>
-          </p:cNvSpPr>
-          <p:nvPr>
-            <p:ph sz="quarter" idx="4"/>
-          </p:nvPr>
-        </p:nvSpPr>
-        <p:spPr/>
-        <p:txBody>
-          <a:bodyPr/>
-          <a:lstStyle/>
-          <a:p>
-            <a:endParaRPr lang="en-US"/>
-          </a:p>
-        </p:txBody>
-      </p:sp>
-    </p:spTree>
-    <p:extLst>
-      <p:ext uri="{BB962C8B-B14F-4D97-AF65-F5344CB8AC3E}">
-        <p14:creationId xmlns:p14="http://schemas.microsoft.com/office/powerpoint/2010/main" val="1042079369"/>
       </p:ext>
     </p:extLst>
   </p:cSld>

--- a/United Way.pptx
+++ b/United Way.pptx
@@ -225,7 +225,7 @@
           <a:p>
             <a:fld id="{2BAFC654-BA43-42E4-AB3E-078F40F7F10A}" type="datetimeFigureOut">
               <a:rPr lang="en-US" smtClean="0"/>
-              <a:t>1/29/2018</a:t>
+              <a:t>1/30/2018</a:t>
             </a:fld>
             <a:endParaRPr lang="en-US"/>
           </a:p>
@@ -755,7 +755,7 @@
           <a:p>
             <a:fld id="{CF630EC3-FE51-44CC-ADE4-A9AF53AF4C2B}" type="datetimeFigureOut">
               <a:rPr lang="en-US" smtClean="0"/>
-              <a:t>1/29/2018</a:t>
+              <a:t>1/30/2018</a:t>
             </a:fld>
             <a:endParaRPr lang="en-US"/>
           </a:p>
@@ -925,7 +925,7 @@
           <a:p>
             <a:fld id="{CF630EC3-FE51-44CC-ADE4-A9AF53AF4C2B}" type="datetimeFigureOut">
               <a:rPr lang="en-US" smtClean="0"/>
-              <a:t>1/29/2018</a:t>
+              <a:t>1/30/2018</a:t>
             </a:fld>
             <a:endParaRPr lang="en-US"/>
           </a:p>
@@ -1148,7 +1148,7 @@
           <a:p>
             <a:fld id="{CF630EC3-FE51-44CC-ADE4-A9AF53AF4C2B}" type="datetimeFigureOut">
               <a:rPr lang="en-US" smtClean="0"/>
-              <a:t>1/29/2018</a:t>
+              <a:t>1/30/2018</a:t>
             </a:fld>
             <a:endParaRPr lang="en-US"/>
           </a:p>
@@ -1328,7 +1328,7 @@
           <a:p>
             <a:fld id="{CF630EC3-FE51-44CC-ADE4-A9AF53AF4C2B}" type="datetimeFigureOut">
               <a:rPr lang="en-US" smtClean="0"/>
-              <a:t>1/29/2018</a:t>
+              <a:t>1/30/2018</a:t>
             </a:fld>
             <a:endParaRPr lang="en-US"/>
           </a:p>
@@ -1634,7 +1634,7 @@
           <a:p>
             <a:fld id="{CF630EC3-FE51-44CC-ADE4-A9AF53AF4C2B}" type="datetimeFigureOut">
               <a:rPr lang="en-US" smtClean="0"/>
-              <a:t>1/29/2018</a:t>
+              <a:t>1/30/2018</a:t>
             </a:fld>
             <a:endParaRPr lang="en-US"/>
           </a:p>
@@ -1938,7 +1938,7 @@
           <a:p>
             <a:fld id="{CF630EC3-FE51-44CC-ADE4-A9AF53AF4C2B}" type="datetimeFigureOut">
               <a:rPr lang="en-US" smtClean="0"/>
-              <a:t>1/29/2018</a:t>
+              <a:t>1/30/2018</a:t>
             </a:fld>
             <a:endParaRPr lang="en-US"/>
           </a:p>
@@ -2360,7 +2360,7 @@
           <a:p>
             <a:fld id="{CF630EC3-FE51-44CC-ADE4-A9AF53AF4C2B}" type="datetimeFigureOut">
               <a:rPr lang="en-US" smtClean="0"/>
-              <a:t>1/29/2018</a:t>
+              <a:t>1/30/2018</a:t>
             </a:fld>
             <a:endParaRPr lang="en-US"/>
           </a:p>
@@ -2478,7 +2478,7 @@
           <a:p>
             <a:fld id="{CF630EC3-FE51-44CC-ADE4-A9AF53AF4C2B}" type="datetimeFigureOut">
               <a:rPr lang="en-US" smtClean="0"/>
-              <a:t>1/29/2018</a:t>
+              <a:t>1/30/2018</a:t>
             </a:fld>
             <a:endParaRPr lang="en-US"/>
           </a:p>
@@ -2573,7 +2573,7 @@
           <a:p>
             <a:fld id="{CF630EC3-FE51-44CC-ADE4-A9AF53AF4C2B}" type="datetimeFigureOut">
               <a:rPr lang="en-US" smtClean="0"/>
-              <a:t>1/29/2018</a:t>
+              <a:t>1/30/2018</a:t>
             </a:fld>
             <a:endParaRPr lang="en-US"/>
           </a:p>
@@ -2846,7 +2846,7 @@
           <a:p>
             <a:fld id="{CF630EC3-FE51-44CC-ADE4-A9AF53AF4C2B}" type="datetimeFigureOut">
               <a:rPr lang="en-US" smtClean="0"/>
-              <a:t>1/29/2018</a:t>
+              <a:t>1/30/2018</a:t>
             </a:fld>
             <a:endParaRPr lang="en-US"/>
           </a:p>
@@ -3111,7 +3111,7 @@
           <a:p>
             <a:fld id="{CF630EC3-FE51-44CC-ADE4-A9AF53AF4C2B}" type="datetimeFigureOut">
               <a:rPr lang="en-US" smtClean="0"/>
-              <a:t>1/29/2018</a:t>
+              <a:t>1/30/2018</a:t>
             </a:fld>
             <a:endParaRPr lang="en-US"/>
           </a:p>
@@ -3360,7 +3360,7 @@
           <a:p>
             <a:fld id="{CF630EC3-FE51-44CC-ADE4-A9AF53AF4C2B}" type="datetimeFigureOut">
               <a:rPr lang="en-US" smtClean="0"/>
-              <a:t>1/29/2018</a:t>
+              <a:t>1/30/2018</a:t>
             </a:fld>
             <a:endParaRPr lang="en-US"/>
           </a:p>
@@ -4258,6 +4258,36 @@
               <a:t>https://github.com/ashtondrew/ChildhoodHunger</a:t>
             </a:r>
             <a:endParaRPr lang="en-US" dirty="0"/>
+          </a:p>
+          <a:p>
+            <a:pPr lvl="2"/>
+            <a:r>
+              <a:rPr lang="en-US" dirty="0">
+                <a:hlinkClick r:id="rId4"/>
+              </a:rPr>
+              <a:t>https://kdvdecisionanalysis.shinyapps.io/TODD_UWhunger/</a:t>
+            </a:r>
+            <a:r>
+              <a:rPr lang="en-US" dirty="0"/>
+              <a:t> </a:t>
+            </a:r>
+          </a:p>
+          <a:p>
+            <a:pPr lvl="2"/>
+            <a:r>
+              <a:rPr lang="en-US" dirty="0"/>
+              <a:t>Hackathon source: </a:t>
+            </a:r>
+            <a:r>
+              <a:rPr lang="en-US" dirty="0">
+                <a:hlinkClick r:id="rId5"/>
+              </a:rPr>
+              <a:t>https://ncdata4good.github.io/UWchallenge/</a:t>
+            </a:r>
+            <a:r>
+              <a:rPr lang="en-US" dirty="0"/>
+              <a:t> </a:t>
+            </a:r>
           </a:p>
           <a:p>
             <a:pPr lvl="1"/>

--- a/United Way.pptx
+++ b/United Way.pptx
@@ -5,23 +5,24 @@
     <p:sldMasterId id="2147483696" r:id="rId1"/>
   </p:sldMasterIdLst>
   <p:notesMasterIdLst>
-    <p:notesMasterId r:id="rId16"/>
+    <p:notesMasterId r:id="rId17"/>
   </p:notesMasterIdLst>
   <p:sldIdLst>
     <p:sldId id="256" r:id="rId2"/>
     <p:sldId id="265" r:id="rId3"/>
-    <p:sldId id="264" r:id="rId4"/>
-    <p:sldId id="269" r:id="rId5"/>
-    <p:sldId id="261" r:id="rId6"/>
-    <p:sldId id="262" r:id="rId7"/>
-    <p:sldId id="260" r:id="rId8"/>
-    <p:sldId id="257" r:id="rId9"/>
-    <p:sldId id="258" r:id="rId10"/>
-    <p:sldId id="259" r:id="rId11"/>
-    <p:sldId id="263" r:id="rId12"/>
-    <p:sldId id="266" r:id="rId13"/>
-    <p:sldId id="268" r:id="rId14"/>
-    <p:sldId id="270" r:id="rId15"/>
+    <p:sldId id="271" r:id="rId4"/>
+    <p:sldId id="264" r:id="rId5"/>
+    <p:sldId id="272" r:id="rId6"/>
+    <p:sldId id="273" r:id="rId7"/>
+    <p:sldId id="269" r:id="rId8"/>
+    <p:sldId id="261" r:id="rId9"/>
+    <p:sldId id="262" r:id="rId10"/>
+    <p:sldId id="260" r:id="rId11"/>
+    <p:sldId id="257" r:id="rId12"/>
+    <p:sldId id="258" r:id="rId13"/>
+    <p:sldId id="259" r:id="rId14"/>
+    <p:sldId id="263" r:id="rId15"/>
+    <p:sldId id="266" r:id="rId16"/>
   </p:sldIdLst>
   <p:sldSz cx="12192000" cy="6858000"/>
   <p:notesSz cx="6858000" cy="9144000"/>
@@ -139,10 +140,6 @@
 </p:presentation>
 </file>
 
-<file path=ppt/revisionInfo.xml><?xml version="1.0" encoding="utf-8"?>
-<p1510:revInfo xmlns:a="http://schemas.openxmlformats.org/drawingml/2006/main" xmlns:r="http://schemas.openxmlformats.org/officeDocument/2006/relationships" xmlns:p1510="http://schemas.microsoft.com/office/powerpoint/2015/10/main"/>
-</file>
-
 <file path=ppt/notesMasters/notesMaster1.xml><?xml version="1.0" encoding="utf-8"?>
 <p:notesMaster xmlns:a="http://schemas.openxmlformats.org/drawingml/2006/main" xmlns:r="http://schemas.openxmlformats.org/officeDocument/2006/relationships" xmlns:p="http://schemas.openxmlformats.org/presentationml/2006/main">
   <p:cSld>
@@ -225,7 +222,7 @@
           <a:p>
             <a:fld id="{2BAFC654-BA43-42E4-AB3E-078F40F7F10A}" type="datetimeFigureOut">
               <a:rPr lang="en-US" smtClean="0"/>
-              <a:t>1/30/2018</a:t>
+              <a:t>2/13/2018</a:t>
             </a:fld>
             <a:endParaRPr lang="en-US"/>
           </a:p>
@@ -538,7 +535,7 @@
           <a:p>
             <a:r>
               <a:rPr lang="en-US" dirty="0"/>
-              <a:t>These were not effective</a:t>
+              <a:t>Above is the closed form solution for Child Well being index Z-score.  It is a weighted average.  Each of the 3 similar weights are the 3 sub-indexes—Child Sub-index, Family Sub-index, and Community Sub-index in that order</a:t>
             </a:r>
           </a:p>
         </p:txBody>
@@ -558,9 +555,291 @@
           <a:bodyPr/>
           <a:lstStyle/>
           <a:p>
+            <a:fld id="{5E05A507-9B0F-418E-85B1-6C7DD334AD06}" type="slidenum">
+              <a:rPr lang="en-US" smtClean="0"/>
+              <a:t>3</a:t>
+            </a:fld>
+            <a:endParaRPr lang="en-US"/>
+          </a:p>
+        </p:txBody>
+      </p:sp>
+    </p:spTree>
+    <p:extLst>
+      <p:ext uri="{BB962C8B-B14F-4D97-AF65-F5344CB8AC3E}">
+        <p14:creationId xmlns:p14="http://schemas.microsoft.com/office/powerpoint/2010/main" val="3584996191"/>
+      </p:ext>
+    </p:extLst>
+  </p:cSld>
+  <p:clrMapOvr>
+    <a:masterClrMapping/>
+  </p:clrMapOvr>
+</p:notes>
+</file>
+
+<file path=ppt/notesSlides/notesSlide2.xml><?xml version="1.0" encoding="utf-8"?>
+<p:notes xmlns:a="http://schemas.openxmlformats.org/drawingml/2006/main" xmlns:r="http://schemas.openxmlformats.org/officeDocument/2006/relationships" xmlns:p="http://schemas.openxmlformats.org/presentationml/2006/main">
+  <p:cSld>
+    <p:spTree>
+      <p:nvGrpSpPr>
+        <p:cNvPr id="1" name=""/>
+        <p:cNvGrpSpPr/>
+        <p:nvPr/>
+      </p:nvGrpSpPr>
+      <p:grpSpPr>
+        <a:xfrm>
+          <a:off x="0" y="0"/>
+          <a:ext cx="0" cy="0"/>
+          <a:chOff x="0" y="0"/>
+          <a:chExt cx="0" cy="0"/>
+        </a:xfrm>
+      </p:grpSpPr>
+      <p:sp>
+        <p:nvSpPr>
+          <p:cNvPr id="2" name="Slide Image Placeholder 1"/>
+          <p:cNvSpPr>
+            <a:spLocks noGrp="1" noRot="1" noChangeAspect="1"/>
+          </p:cNvSpPr>
+          <p:nvPr>
+            <p:ph type="sldImg"/>
+          </p:nvPr>
+        </p:nvSpPr>
+        <p:spPr/>
+      </p:sp>
+      <p:sp>
+        <p:nvSpPr>
+          <p:cNvPr id="3" name="Notes Placeholder 2"/>
+          <p:cNvSpPr>
+            <a:spLocks noGrp="1"/>
+          </p:cNvSpPr>
+          <p:nvPr>
+            <p:ph type="body" idx="1"/>
+          </p:nvPr>
+        </p:nvSpPr>
+        <p:spPr/>
+        <p:txBody>
+          <a:bodyPr/>
+          <a:lstStyle/>
+          <a:p>
+            <a:r>
+              <a:rPr lang="en-US" dirty="0"/>
+              <a:t>Within these steps we need to briefly talk about a correction we had to use to Z-score</a:t>
+            </a:r>
+          </a:p>
+        </p:txBody>
+      </p:sp>
+      <p:sp>
+        <p:nvSpPr>
+          <p:cNvPr id="4" name="Slide Number Placeholder 3"/>
+          <p:cNvSpPr>
+            <a:spLocks noGrp="1"/>
+          </p:cNvSpPr>
+          <p:nvPr>
+            <p:ph type="sldNum" sz="quarter" idx="10"/>
+          </p:nvPr>
+        </p:nvSpPr>
+        <p:spPr/>
+        <p:txBody>
+          <a:bodyPr/>
+          <a:lstStyle/>
+          <a:p>
+            <a:fld id="{5E05A507-9B0F-418E-85B1-6C7DD334AD06}" type="slidenum">
+              <a:rPr lang="en-US" smtClean="0"/>
+              <a:t>5</a:t>
+            </a:fld>
+            <a:endParaRPr lang="en-US"/>
+          </a:p>
+        </p:txBody>
+      </p:sp>
+    </p:spTree>
+    <p:extLst>
+      <p:ext uri="{BB962C8B-B14F-4D97-AF65-F5344CB8AC3E}">
+        <p14:creationId xmlns:p14="http://schemas.microsoft.com/office/powerpoint/2010/main" val="915244797"/>
+      </p:ext>
+    </p:extLst>
+  </p:cSld>
+  <p:clrMapOvr>
+    <a:masterClrMapping/>
+  </p:clrMapOvr>
+</p:notes>
+</file>
+
+<file path=ppt/notesSlides/notesSlide3.xml><?xml version="1.0" encoding="utf-8"?>
+<p:notes xmlns:a="http://schemas.openxmlformats.org/drawingml/2006/main" xmlns:r="http://schemas.openxmlformats.org/officeDocument/2006/relationships" xmlns:p="http://schemas.openxmlformats.org/presentationml/2006/main">
+  <p:cSld>
+    <p:spTree>
+      <p:nvGrpSpPr>
+        <p:cNvPr id="1" name=""/>
+        <p:cNvGrpSpPr/>
+        <p:nvPr/>
+      </p:nvGrpSpPr>
+      <p:grpSpPr>
+        <a:xfrm>
+          <a:off x="0" y="0"/>
+          <a:ext cx="0" cy="0"/>
+          <a:chOff x="0" y="0"/>
+          <a:chExt cx="0" cy="0"/>
+        </a:xfrm>
+      </p:grpSpPr>
+      <p:sp>
+        <p:nvSpPr>
+          <p:cNvPr id="2" name="Slide Image Placeholder 1"/>
+          <p:cNvSpPr>
+            <a:spLocks noGrp="1" noRot="1" noChangeAspect="1"/>
+          </p:cNvSpPr>
+          <p:nvPr>
+            <p:ph type="sldImg"/>
+          </p:nvPr>
+        </p:nvSpPr>
+        <p:spPr/>
+      </p:sp>
+      <p:sp>
+        <p:nvSpPr>
+          <p:cNvPr id="3" name="Notes Placeholder 2"/>
+          <p:cNvSpPr>
+            <a:spLocks noGrp="1"/>
+          </p:cNvSpPr>
+          <p:nvPr>
+            <p:ph type="body" idx="1"/>
+          </p:nvPr>
+        </p:nvSpPr>
+        <p:spPr/>
+        <p:txBody>
+          <a:bodyPr/>
+          <a:lstStyle/>
+          <a:p>
+            <a:r>
+              <a:rPr lang="en-US" dirty="0"/>
+              <a:t>http://stats.seandolinar.com/calculating-z-scores-with-r/</a:t>
+            </a:r>
+          </a:p>
+          <a:p>
+            <a:r>
+              <a:rPr lang="en-US" dirty="0"/>
+              <a:t>https://stackoverflow.com/questions/6263400/can-i-calculate-z-score-with-r</a:t>
+            </a:r>
+          </a:p>
+          <a:p>
+            <a:r>
+              <a:rPr lang="en-US" dirty="0"/>
+              <a:t>Or just take the equations for standard deviation and population deviation and compare them….</a:t>
+            </a:r>
+          </a:p>
+          <a:p>
+            <a:endParaRPr lang="en-US" dirty="0"/>
+          </a:p>
+          <a:p>
+            <a:r>
+              <a:rPr lang="en-US" dirty="0"/>
+              <a:t>X = standard deviation/population deviation </a:t>
+            </a:r>
+          </a:p>
+        </p:txBody>
+      </p:sp>
+      <p:sp>
+        <p:nvSpPr>
+          <p:cNvPr id="4" name="Slide Number Placeholder 3"/>
+          <p:cNvSpPr>
+            <a:spLocks noGrp="1"/>
+          </p:cNvSpPr>
+          <p:nvPr>
+            <p:ph type="sldNum" sz="quarter" idx="10"/>
+          </p:nvPr>
+        </p:nvSpPr>
+        <p:spPr/>
+        <p:txBody>
+          <a:bodyPr/>
+          <a:lstStyle/>
+          <a:p>
+            <a:fld id="{5E05A507-9B0F-418E-85B1-6C7DD334AD06}" type="slidenum">
+              <a:rPr lang="en-US" smtClean="0"/>
+              <a:t>6</a:t>
+            </a:fld>
+            <a:endParaRPr lang="en-US"/>
+          </a:p>
+        </p:txBody>
+      </p:sp>
+    </p:spTree>
+    <p:extLst>
+      <p:ext uri="{BB962C8B-B14F-4D97-AF65-F5344CB8AC3E}">
+        <p14:creationId xmlns:p14="http://schemas.microsoft.com/office/powerpoint/2010/main" val="2650093111"/>
+      </p:ext>
+    </p:extLst>
+  </p:cSld>
+  <p:clrMapOvr>
+    <a:masterClrMapping/>
+  </p:clrMapOvr>
+</p:notes>
+</file>
+
+<file path=ppt/notesSlides/notesSlide4.xml><?xml version="1.0" encoding="utf-8"?>
+<p:notes xmlns:a="http://schemas.openxmlformats.org/drawingml/2006/main" xmlns:r="http://schemas.openxmlformats.org/officeDocument/2006/relationships" xmlns:p="http://schemas.openxmlformats.org/presentationml/2006/main">
+  <p:cSld>
+    <p:spTree>
+      <p:nvGrpSpPr>
+        <p:cNvPr id="1" name=""/>
+        <p:cNvGrpSpPr/>
+        <p:nvPr/>
+      </p:nvGrpSpPr>
+      <p:grpSpPr>
+        <a:xfrm>
+          <a:off x="0" y="0"/>
+          <a:ext cx="0" cy="0"/>
+          <a:chOff x="0" y="0"/>
+          <a:chExt cx="0" cy="0"/>
+        </a:xfrm>
+      </p:grpSpPr>
+      <p:sp>
+        <p:nvSpPr>
+          <p:cNvPr id="2" name="Slide Image Placeholder 1"/>
+          <p:cNvSpPr>
+            <a:spLocks noGrp="1" noRot="1" noChangeAspect="1"/>
+          </p:cNvSpPr>
+          <p:nvPr>
+            <p:ph type="sldImg"/>
+          </p:nvPr>
+        </p:nvSpPr>
+        <p:spPr/>
+      </p:sp>
+      <p:sp>
+        <p:nvSpPr>
+          <p:cNvPr id="3" name="Notes Placeholder 2"/>
+          <p:cNvSpPr>
+            <a:spLocks noGrp="1"/>
+          </p:cNvSpPr>
+          <p:nvPr>
+            <p:ph type="body" idx="1"/>
+          </p:nvPr>
+        </p:nvSpPr>
+        <p:spPr/>
+        <p:txBody>
+          <a:bodyPr/>
+          <a:lstStyle/>
+          <a:p>
+            <a:r>
+              <a:rPr lang="en-US" dirty="0"/>
+              <a:t>These were not effective</a:t>
+            </a:r>
+          </a:p>
+        </p:txBody>
+      </p:sp>
+      <p:sp>
+        <p:nvSpPr>
+          <p:cNvPr id="4" name="Slide Number Placeholder 3"/>
+          <p:cNvSpPr>
+            <a:spLocks noGrp="1"/>
+          </p:cNvSpPr>
+          <p:nvPr>
+            <p:ph type="sldNum" sz="quarter" idx="10"/>
+          </p:nvPr>
+        </p:nvSpPr>
+        <p:spPr/>
+        <p:txBody>
+          <a:bodyPr/>
+          <a:lstStyle/>
+          <a:p>
             <a:fld id="{A59A5B6F-AA5B-493D-8E06-4BB6A22313C6}" type="slidenum">
               <a:rPr lang="en-US" smtClean="0"/>
-              <a:t>6</a:t>
+              <a:t>9</a:t>
             </a:fld>
             <a:endParaRPr lang="en-US"/>
           </a:p>
@@ -755,7 +1034,7 @@
           <a:p>
             <a:fld id="{CF630EC3-FE51-44CC-ADE4-A9AF53AF4C2B}" type="datetimeFigureOut">
               <a:rPr lang="en-US" smtClean="0"/>
-              <a:t>1/30/2018</a:t>
+              <a:t>2/13/2018</a:t>
             </a:fld>
             <a:endParaRPr lang="en-US"/>
           </a:p>
@@ -925,7 +1204,7 @@
           <a:p>
             <a:fld id="{CF630EC3-FE51-44CC-ADE4-A9AF53AF4C2B}" type="datetimeFigureOut">
               <a:rPr lang="en-US" smtClean="0"/>
-              <a:t>1/30/2018</a:t>
+              <a:t>2/13/2018</a:t>
             </a:fld>
             <a:endParaRPr lang="en-US"/>
           </a:p>
@@ -1148,7 +1427,7 @@
           <a:p>
             <a:fld id="{CF630EC3-FE51-44CC-ADE4-A9AF53AF4C2B}" type="datetimeFigureOut">
               <a:rPr lang="en-US" smtClean="0"/>
-              <a:t>1/30/2018</a:t>
+              <a:t>2/13/2018</a:t>
             </a:fld>
             <a:endParaRPr lang="en-US"/>
           </a:p>
@@ -1328,7 +1607,7 @@
           <a:p>
             <a:fld id="{CF630EC3-FE51-44CC-ADE4-A9AF53AF4C2B}" type="datetimeFigureOut">
               <a:rPr lang="en-US" smtClean="0"/>
-              <a:t>1/30/2018</a:t>
+              <a:t>2/13/2018</a:t>
             </a:fld>
             <a:endParaRPr lang="en-US"/>
           </a:p>
@@ -1634,7 +1913,7 @@
           <a:p>
             <a:fld id="{CF630EC3-FE51-44CC-ADE4-A9AF53AF4C2B}" type="datetimeFigureOut">
               <a:rPr lang="en-US" smtClean="0"/>
-              <a:t>1/30/2018</a:t>
+              <a:t>2/13/2018</a:t>
             </a:fld>
             <a:endParaRPr lang="en-US"/>
           </a:p>
@@ -1938,7 +2217,7 @@
           <a:p>
             <a:fld id="{CF630EC3-FE51-44CC-ADE4-A9AF53AF4C2B}" type="datetimeFigureOut">
               <a:rPr lang="en-US" smtClean="0"/>
-              <a:t>1/30/2018</a:t>
+              <a:t>2/13/2018</a:t>
             </a:fld>
             <a:endParaRPr lang="en-US"/>
           </a:p>
@@ -2360,7 +2639,7 @@
           <a:p>
             <a:fld id="{CF630EC3-FE51-44CC-ADE4-A9AF53AF4C2B}" type="datetimeFigureOut">
               <a:rPr lang="en-US" smtClean="0"/>
-              <a:t>1/30/2018</a:t>
+              <a:t>2/13/2018</a:t>
             </a:fld>
             <a:endParaRPr lang="en-US"/>
           </a:p>
@@ -2478,7 +2757,7 @@
           <a:p>
             <a:fld id="{CF630EC3-FE51-44CC-ADE4-A9AF53AF4C2B}" type="datetimeFigureOut">
               <a:rPr lang="en-US" smtClean="0"/>
-              <a:t>1/30/2018</a:t>
+              <a:t>2/13/2018</a:t>
             </a:fld>
             <a:endParaRPr lang="en-US"/>
           </a:p>
@@ -2573,7 +2852,7 @@
           <a:p>
             <a:fld id="{CF630EC3-FE51-44CC-ADE4-A9AF53AF4C2B}" type="datetimeFigureOut">
               <a:rPr lang="en-US" smtClean="0"/>
-              <a:t>1/30/2018</a:t>
+              <a:t>2/13/2018</a:t>
             </a:fld>
             <a:endParaRPr lang="en-US"/>
           </a:p>
@@ -2846,7 +3125,7 @@
           <a:p>
             <a:fld id="{CF630EC3-FE51-44CC-ADE4-A9AF53AF4C2B}" type="datetimeFigureOut">
               <a:rPr lang="en-US" smtClean="0"/>
-              <a:t>1/30/2018</a:t>
+              <a:t>2/13/2018</a:t>
             </a:fld>
             <a:endParaRPr lang="en-US"/>
           </a:p>
@@ -3111,7 +3390,7 @@
           <a:p>
             <a:fld id="{CF630EC3-FE51-44CC-ADE4-A9AF53AF4C2B}" type="datetimeFigureOut">
               <a:rPr lang="en-US" smtClean="0"/>
-              <a:t>1/30/2018</a:t>
+              <a:t>2/13/2018</a:t>
             </a:fld>
             <a:endParaRPr lang="en-US"/>
           </a:p>
@@ -3360,7 +3639,7 @@
           <a:p>
             <a:fld id="{CF630EC3-FE51-44CC-ADE4-A9AF53AF4C2B}" type="datetimeFigureOut">
               <a:rPr lang="en-US" smtClean="0"/>
-              <a:t>1/30/2018</a:t>
+              <a:t>2/13/2018</a:t>
             </a:fld>
             <a:endParaRPr lang="en-US"/>
           </a:p>
@@ -3903,6 +4182,376 @@
           <p:cNvPr id="2" name="Title 1">
             <a:extLst>
               <a:ext uri="{FF2B5EF4-FFF2-40B4-BE49-F238E27FC236}">
+                <a16:creationId xmlns:a16="http://schemas.microsoft.com/office/drawing/2014/main" id="{5F3AA671-4769-4571-9E69-D5AFD7B77B28}"/>
+              </a:ext>
+            </a:extLst>
+          </p:cNvPr>
+          <p:cNvSpPr>
+            <a:spLocks noGrp="1"/>
+          </p:cNvSpPr>
+          <p:nvPr>
+            <p:ph type="title"/>
+          </p:nvPr>
+        </p:nvSpPr>
+        <p:spPr/>
+        <p:txBody>
+          <a:bodyPr/>
+          <a:lstStyle/>
+          <a:p>
+            <a:r>
+              <a:rPr lang="en-US" dirty="0"/>
+              <a:t>Results: Histogram Plot</a:t>
+            </a:r>
+          </a:p>
+        </p:txBody>
+      </p:sp>
+      <p:pic>
+        <p:nvPicPr>
+          <p:cNvPr id="5" name="Content Placeholder 4">
+            <a:extLst>
+              <a:ext uri="{FF2B5EF4-FFF2-40B4-BE49-F238E27FC236}">
+                <a16:creationId xmlns:a16="http://schemas.microsoft.com/office/drawing/2014/main" id="{C85E7E27-E633-4469-8AD2-C6A6BB5F9A66}"/>
+              </a:ext>
+            </a:extLst>
+          </p:cNvPr>
+          <p:cNvPicPr>
+            <a:picLocks noGrp="1" noChangeAspect="1"/>
+          </p:cNvPicPr>
+          <p:nvPr>
+            <p:ph idx="1"/>
+          </p:nvPr>
+        </p:nvPicPr>
+        <p:blipFill>
+          <a:blip r:embed="rId2">
+            <a:extLst>
+              <a:ext uri="{28A0092B-C50C-407E-A947-70E740481C1C}">
+                <a14:useLocalDpi xmlns:a14="http://schemas.microsoft.com/office/drawing/2010/main" val="0"/>
+              </a:ext>
+            </a:extLst>
+          </a:blip>
+          <a:stretch>
+            <a:fillRect/>
+          </a:stretch>
+        </p:blipFill>
+        <p:spPr>
+          <a:xfrm>
+            <a:off x="1916756" y="2011363"/>
+            <a:ext cx="8356900" cy="4206875"/>
+          </a:xfrm>
+        </p:spPr>
+      </p:pic>
+    </p:spTree>
+    <p:extLst>
+      <p:ext uri="{BB962C8B-B14F-4D97-AF65-F5344CB8AC3E}">
+        <p14:creationId xmlns:p14="http://schemas.microsoft.com/office/powerpoint/2010/main" val="625578313"/>
+      </p:ext>
+    </p:extLst>
+  </p:cSld>
+  <p:clrMapOvr>
+    <a:masterClrMapping/>
+  </p:clrMapOvr>
+</p:sld>
+</file>
+
+<file path=ppt/slides/slide11.xml><?xml version="1.0" encoding="utf-8"?>
+<p:sld xmlns:a="http://schemas.openxmlformats.org/drawingml/2006/main" xmlns:r="http://schemas.openxmlformats.org/officeDocument/2006/relationships" xmlns:p="http://schemas.openxmlformats.org/presentationml/2006/main">
+  <p:cSld>
+    <p:spTree>
+      <p:nvGrpSpPr>
+        <p:cNvPr id="1" name=""/>
+        <p:cNvGrpSpPr/>
+        <p:nvPr/>
+      </p:nvGrpSpPr>
+      <p:grpSpPr>
+        <a:xfrm>
+          <a:off x="0" y="0"/>
+          <a:ext cx="0" cy="0"/>
+          <a:chOff x="0" y="0"/>
+          <a:chExt cx="0" cy="0"/>
+        </a:xfrm>
+      </p:grpSpPr>
+      <p:sp>
+        <p:nvSpPr>
+          <p:cNvPr id="2" name="Title 1">
+            <a:extLst>
+              <a:ext uri="{FF2B5EF4-FFF2-40B4-BE49-F238E27FC236}">
+                <a16:creationId xmlns:a16="http://schemas.microsoft.com/office/drawing/2014/main" id="{5F3AA671-4769-4571-9E69-D5AFD7B77B28}"/>
+              </a:ext>
+            </a:extLst>
+          </p:cNvPr>
+          <p:cNvSpPr>
+            <a:spLocks noGrp="1"/>
+          </p:cNvSpPr>
+          <p:nvPr>
+            <p:ph type="title"/>
+          </p:nvPr>
+        </p:nvSpPr>
+        <p:spPr/>
+        <p:txBody>
+          <a:bodyPr/>
+          <a:lstStyle/>
+          <a:p>
+            <a:r>
+              <a:rPr lang="en-US" dirty="0"/>
+              <a:t>Results: Histogram Plot</a:t>
+            </a:r>
+          </a:p>
+        </p:txBody>
+      </p:sp>
+      <p:pic>
+        <p:nvPicPr>
+          <p:cNvPr id="5" name="Content Placeholder 4">
+            <a:extLst>
+              <a:ext uri="{FF2B5EF4-FFF2-40B4-BE49-F238E27FC236}">
+                <a16:creationId xmlns:a16="http://schemas.microsoft.com/office/drawing/2014/main" id="{C85E7E27-E633-4469-8AD2-C6A6BB5F9A66}"/>
+              </a:ext>
+            </a:extLst>
+          </p:cNvPr>
+          <p:cNvPicPr>
+            <a:picLocks noGrp="1" noChangeAspect="1"/>
+          </p:cNvPicPr>
+          <p:nvPr>
+            <p:ph idx="1"/>
+          </p:nvPr>
+        </p:nvPicPr>
+        <p:blipFill>
+          <a:blip r:embed="rId2">
+            <a:extLst>
+              <a:ext uri="{28A0092B-C50C-407E-A947-70E740481C1C}">
+                <a14:useLocalDpi xmlns:a14="http://schemas.microsoft.com/office/drawing/2010/main" val="0"/>
+              </a:ext>
+            </a:extLst>
+          </a:blip>
+          <a:stretch>
+            <a:fillRect/>
+          </a:stretch>
+        </p:blipFill>
+        <p:spPr>
+          <a:xfrm>
+            <a:off x="1916756" y="2011363"/>
+            <a:ext cx="8356900" cy="4206875"/>
+          </a:xfrm>
+        </p:spPr>
+      </p:pic>
+    </p:spTree>
+    <p:extLst>
+      <p:ext uri="{BB962C8B-B14F-4D97-AF65-F5344CB8AC3E}">
+        <p14:creationId xmlns:p14="http://schemas.microsoft.com/office/powerpoint/2010/main" val="1377991833"/>
+      </p:ext>
+    </p:extLst>
+  </p:cSld>
+  <p:clrMapOvr>
+    <a:masterClrMapping/>
+  </p:clrMapOvr>
+</p:sld>
+</file>
+
+<file path=ppt/slides/slide12.xml><?xml version="1.0" encoding="utf-8"?>
+<p:sld xmlns:a="http://schemas.openxmlformats.org/drawingml/2006/main" xmlns:r="http://schemas.openxmlformats.org/officeDocument/2006/relationships" xmlns:p="http://schemas.openxmlformats.org/presentationml/2006/main">
+  <p:cSld>
+    <p:spTree>
+      <p:nvGrpSpPr>
+        <p:cNvPr id="1" name=""/>
+        <p:cNvGrpSpPr/>
+        <p:nvPr/>
+      </p:nvGrpSpPr>
+      <p:grpSpPr>
+        <a:xfrm>
+          <a:off x="0" y="0"/>
+          <a:ext cx="0" cy="0"/>
+          <a:chOff x="0" y="0"/>
+          <a:chExt cx="0" cy="0"/>
+        </a:xfrm>
+      </p:grpSpPr>
+      <p:sp>
+        <p:nvSpPr>
+          <p:cNvPr id="8" name="Title 7">
+            <a:extLst>
+              <a:ext uri="{FF2B5EF4-FFF2-40B4-BE49-F238E27FC236}">
+                <a16:creationId xmlns:a16="http://schemas.microsoft.com/office/drawing/2014/main" id="{E6E6CADF-68E2-4220-BA8C-0867DADDA9B1}"/>
+              </a:ext>
+            </a:extLst>
+          </p:cNvPr>
+          <p:cNvSpPr>
+            <a:spLocks noGrp="1"/>
+          </p:cNvSpPr>
+          <p:nvPr>
+            <p:ph type="title"/>
+          </p:nvPr>
+        </p:nvSpPr>
+        <p:spPr/>
+        <p:txBody>
+          <a:bodyPr/>
+          <a:lstStyle/>
+          <a:p>
+            <a:r>
+              <a:rPr lang="en-US" dirty="0"/>
+              <a:t>Results: SUB-indices</a:t>
+            </a:r>
+          </a:p>
+        </p:txBody>
+      </p:sp>
+      <p:sp>
+        <p:nvSpPr>
+          <p:cNvPr id="9" name="Text Placeholder 8">
+            <a:extLst>
+              <a:ext uri="{FF2B5EF4-FFF2-40B4-BE49-F238E27FC236}">
+                <a16:creationId xmlns:a16="http://schemas.microsoft.com/office/drawing/2014/main" id="{EB4DE74D-EA4F-4A0E-9430-DF6693281705}"/>
+              </a:ext>
+            </a:extLst>
+          </p:cNvPr>
+          <p:cNvSpPr>
+            <a:spLocks noGrp="1"/>
+          </p:cNvSpPr>
+          <p:nvPr>
+            <p:ph type="body" idx="1"/>
+          </p:nvPr>
+        </p:nvSpPr>
+        <p:spPr/>
+        <p:txBody>
+          <a:bodyPr/>
+          <a:lstStyle/>
+          <a:p>
+            <a:r>
+              <a:rPr lang="en-US" dirty="0"/>
+              <a:t>Community Sub-index</a:t>
+            </a:r>
+          </a:p>
+        </p:txBody>
+      </p:sp>
+      <p:pic>
+        <p:nvPicPr>
+          <p:cNvPr id="7" name="Content Placeholder 6">
+            <a:extLst>
+              <a:ext uri="{FF2B5EF4-FFF2-40B4-BE49-F238E27FC236}">
+                <a16:creationId xmlns:a16="http://schemas.microsoft.com/office/drawing/2014/main" id="{ABFCD8DD-F0D0-44FD-B5D9-916800A06447}"/>
+              </a:ext>
+            </a:extLst>
+          </p:cNvPr>
+          <p:cNvPicPr>
+            <a:picLocks noGrp="1" noChangeAspect="1"/>
+          </p:cNvPicPr>
+          <p:nvPr>
+            <p:ph sz="half" idx="2"/>
+          </p:nvPr>
+        </p:nvPicPr>
+        <p:blipFill>
+          <a:blip r:embed="rId2">
+            <a:extLst>
+              <a:ext uri="{28A0092B-C50C-407E-A947-70E740481C1C}">
+                <a14:useLocalDpi xmlns:a14="http://schemas.microsoft.com/office/drawing/2010/main" val="0"/>
+              </a:ext>
+            </a:extLst>
+          </a:blip>
+          <a:stretch>
+            <a:fillRect/>
+          </a:stretch>
+        </p:blipFill>
+        <p:spPr>
+          <a:xfrm>
+            <a:off x="1202919" y="3158153"/>
+            <a:ext cx="4444496" cy="2562582"/>
+          </a:xfrm>
+        </p:spPr>
+      </p:pic>
+      <p:sp>
+        <p:nvSpPr>
+          <p:cNvPr id="10" name="Text Placeholder 9">
+            <a:extLst>
+              <a:ext uri="{FF2B5EF4-FFF2-40B4-BE49-F238E27FC236}">
+                <a16:creationId xmlns:a16="http://schemas.microsoft.com/office/drawing/2014/main" id="{9B516E82-EC5E-4150-9F81-987A25B3F529}"/>
+              </a:ext>
+            </a:extLst>
+          </p:cNvPr>
+          <p:cNvSpPr>
+            <a:spLocks noGrp="1"/>
+          </p:cNvSpPr>
+          <p:nvPr>
+            <p:ph type="body" sz="quarter" idx="3"/>
+          </p:nvPr>
+        </p:nvSpPr>
+        <p:spPr/>
+        <p:txBody>
+          <a:bodyPr/>
+          <a:lstStyle/>
+          <a:p>
+            <a:r>
+              <a:rPr lang="en-US" dirty="0"/>
+              <a:t>Child Sub-index</a:t>
+            </a:r>
+          </a:p>
+        </p:txBody>
+      </p:sp>
+      <p:pic>
+        <p:nvPicPr>
+          <p:cNvPr id="3" name="Content Placeholder 2">
+            <a:extLst>
+              <a:ext uri="{FF2B5EF4-FFF2-40B4-BE49-F238E27FC236}">
+                <a16:creationId xmlns:a16="http://schemas.microsoft.com/office/drawing/2014/main" id="{EC7D1154-736B-4394-AF4D-E503B370D497}"/>
+              </a:ext>
+            </a:extLst>
+          </p:cNvPr>
+          <p:cNvPicPr>
+            <a:picLocks noGrp="1" noChangeAspect="1"/>
+          </p:cNvPicPr>
+          <p:nvPr>
+            <p:ph sz="quarter" idx="4"/>
+          </p:nvPr>
+        </p:nvPicPr>
+        <p:blipFill>
+          <a:blip r:embed="rId3">
+            <a:extLst>
+              <a:ext uri="{28A0092B-C50C-407E-A947-70E740481C1C}">
+                <a14:useLocalDpi xmlns:a14="http://schemas.microsoft.com/office/drawing/2010/main" val="0"/>
+              </a:ext>
+            </a:extLst>
+          </a:blip>
+          <a:stretch>
+            <a:fillRect/>
+          </a:stretch>
+        </p:blipFill>
+        <p:spPr>
+          <a:xfrm>
+            <a:off x="6541006" y="3158153"/>
+            <a:ext cx="4134427" cy="2562583"/>
+          </a:xfrm>
+        </p:spPr>
+      </p:pic>
+    </p:spTree>
+    <p:extLst>
+      <p:ext uri="{BB962C8B-B14F-4D97-AF65-F5344CB8AC3E}">
+        <p14:creationId xmlns:p14="http://schemas.microsoft.com/office/powerpoint/2010/main" val="3803108480"/>
+      </p:ext>
+    </p:extLst>
+  </p:cSld>
+  <p:clrMapOvr>
+    <a:masterClrMapping/>
+  </p:clrMapOvr>
+</p:sld>
+</file>
+
+<file path=ppt/slides/slide13.xml><?xml version="1.0" encoding="utf-8"?>
+<p:sld xmlns:a="http://schemas.openxmlformats.org/drawingml/2006/main" xmlns:r="http://schemas.openxmlformats.org/officeDocument/2006/relationships" xmlns:p="http://schemas.openxmlformats.org/presentationml/2006/main">
+  <p:cSld>
+    <p:spTree>
+      <p:nvGrpSpPr>
+        <p:cNvPr id="1" name=""/>
+        <p:cNvGrpSpPr/>
+        <p:nvPr/>
+      </p:nvGrpSpPr>
+      <p:grpSpPr>
+        <a:xfrm>
+          <a:off x="0" y="0"/>
+          <a:ext cx="0" cy="0"/>
+          <a:chOff x="0" y="0"/>
+          <a:chExt cx="0" cy="0"/>
+        </a:xfrm>
+      </p:grpSpPr>
+      <p:sp>
+        <p:nvSpPr>
+          <p:cNvPr id="2" name="Title 1">
+            <a:extLst>
+              <a:ext uri="{FF2B5EF4-FFF2-40B4-BE49-F238E27FC236}">
                 <a16:creationId xmlns:a16="http://schemas.microsoft.com/office/drawing/2014/main" id="{A325193F-8C83-438C-A96D-CF17EA7862C3}"/>
               </a:ext>
             </a:extLst>
@@ -4065,385 +4714,6 @@
 </p:sld>
 </file>
 
-<file path=ppt/slides/slide11.xml><?xml version="1.0" encoding="utf-8"?>
-<p:sld xmlns:a="http://schemas.openxmlformats.org/drawingml/2006/main" xmlns:r="http://schemas.openxmlformats.org/officeDocument/2006/relationships" xmlns:p="http://schemas.openxmlformats.org/presentationml/2006/main">
-  <p:cSld>
-    <p:spTree>
-      <p:nvGrpSpPr>
-        <p:cNvPr id="1" name=""/>
-        <p:cNvGrpSpPr/>
-        <p:nvPr/>
-      </p:nvGrpSpPr>
-      <p:grpSpPr>
-        <a:xfrm>
-          <a:off x="0" y="0"/>
-          <a:ext cx="0" cy="0"/>
-          <a:chOff x="0" y="0"/>
-          <a:chExt cx="0" cy="0"/>
-        </a:xfrm>
-      </p:grpSpPr>
-      <p:sp>
-        <p:nvSpPr>
-          <p:cNvPr id="2" name="Title 1">
-            <a:extLst>
-              <a:ext uri="{FF2B5EF4-FFF2-40B4-BE49-F238E27FC236}">
-                <a16:creationId xmlns:a16="http://schemas.microsoft.com/office/drawing/2014/main" id="{E81DDE6E-EEE6-4F8B-AA53-612D88BA45C1}"/>
-              </a:ext>
-            </a:extLst>
-          </p:cNvPr>
-          <p:cNvSpPr>
-            <a:spLocks noGrp="1"/>
-          </p:cNvSpPr>
-          <p:nvPr>
-            <p:ph type="title"/>
-          </p:nvPr>
-        </p:nvSpPr>
-        <p:spPr/>
-        <p:txBody>
-          <a:bodyPr/>
-          <a:lstStyle/>
-          <a:p>
-            <a:r>
-              <a:rPr lang="en-US" dirty="0"/>
-              <a:t>Future Exploration</a:t>
-            </a:r>
-          </a:p>
-        </p:txBody>
-      </p:sp>
-      <p:sp>
-        <p:nvSpPr>
-          <p:cNvPr id="7" name="Content Placeholder 6">
-            <a:extLst>
-              <a:ext uri="{FF2B5EF4-FFF2-40B4-BE49-F238E27FC236}">
-                <a16:creationId xmlns:a16="http://schemas.microsoft.com/office/drawing/2014/main" id="{E377E4B4-D61C-400A-AF37-64D2770F6928}"/>
-              </a:ext>
-            </a:extLst>
-          </p:cNvPr>
-          <p:cNvSpPr>
-            <a:spLocks noGrp="1"/>
-          </p:cNvSpPr>
-          <p:nvPr>
-            <p:ph idx="1"/>
-          </p:nvPr>
-        </p:nvSpPr>
-        <p:spPr/>
-        <p:txBody>
-          <a:bodyPr/>
-          <a:lstStyle/>
-          <a:p>
-            <a:r>
-              <a:rPr lang="en-US" dirty="0"/>
-              <a:t>In this analysis we had to correct an error how we calculated Z-scores, </a:t>
-            </a:r>
-          </a:p>
-          <a:p>
-            <a:r>
-              <a:rPr lang="en-US" dirty="0"/>
-              <a:t>If united way work like us to continue making the </a:t>
-            </a:r>
-            <a:r>
-              <a:rPr lang="en-US" dirty="0" err="1"/>
-              <a:t>forio</a:t>
-            </a:r>
-            <a:r>
-              <a:rPr lang="en-US" dirty="0"/>
-              <a:t> app then we can</a:t>
-            </a:r>
-          </a:p>
-          <a:p>
-            <a:endParaRPr lang="en-US" dirty="0"/>
-          </a:p>
-        </p:txBody>
-      </p:sp>
-    </p:spTree>
-    <p:extLst>
-      <p:ext uri="{BB962C8B-B14F-4D97-AF65-F5344CB8AC3E}">
-        <p14:creationId xmlns:p14="http://schemas.microsoft.com/office/powerpoint/2010/main" val="1042079369"/>
-      </p:ext>
-    </p:extLst>
-  </p:cSld>
-  <p:clrMapOvr>
-    <a:masterClrMapping/>
-  </p:clrMapOvr>
-</p:sld>
-</file>
-
-<file path=ppt/slides/slide12.xml><?xml version="1.0" encoding="utf-8"?>
-<p:sld xmlns:a="http://schemas.openxmlformats.org/drawingml/2006/main" xmlns:r="http://schemas.openxmlformats.org/officeDocument/2006/relationships" xmlns:p="http://schemas.openxmlformats.org/presentationml/2006/main">
-  <p:cSld>
-    <p:spTree>
-      <p:nvGrpSpPr>
-        <p:cNvPr id="1" name=""/>
-        <p:cNvGrpSpPr/>
-        <p:nvPr/>
-      </p:nvGrpSpPr>
-      <p:grpSpPr>
-        <a:xfrm>
-          <a:off x="0" y="0"/>
-          <a:ext cx="0" cy="0"/>
-          <a:chOff x="0" y="0"/>
-          <a:chExt cx="0" cy="0"/>
-        </a:xfrm>
-      </p:grpSpPr>
-      <p:sp>
-        <p:nvSpPr>
-          <p:cNvPr id="2" name="Title 1">
-            <a:extLst>
-              <a:ext uri="{FF2B5EF4-FFF2-40B4-BE49-F238E27FC236}">
-                <a16:creationId xmlns:a16="http://schemas.microsoft.com/office/drawing/2014/main" id="{E00138CE-EC3A-4131-AE45-47DF46216C60}"/>
-              </a:ext>
-            </a:extLst>
-          </p:cNvPr>
-          <p:cNvSpPr>
-            <a:spLocks noGrp="1"/>
-          </p:cNvSpPr>
-          <p:nvPr>
-            <p:ph type="title"/>
-          </p:nvPr>
-        </p:nvSpPr>
-        <p:spPr/>
-        <p:txBody>
-          <a:bodyPr/>
-          <a:lstStyle/>
-          <a:p>
-            <a:r>
-              <a:rPr lang="en-US" dirty="0"/>
-              <a:t>CONTACT TO HELP WITH research</a:t>
-            </a:r>
-          </a:p>
-        </p:txBody>
-      </p:sp>
-      <p:sp>
-        <p:nvSpPr>
-          <p:cNvPr id="3" name="Content Placeholder 2">
-            <a:extLst>
-              <a:ext uri="{FF2B5EF4-FFF2-40B4-BE49-F238E27FC236}">
-                <a16:creationId xmlns:a16="http://schemas.microsoft.com/office/drawing/2014/main" id="{2B15F1FC-7173-467C-9C1F-E5E35CF2490E}"/>
-              </a:ext>
-            </a:extLst>
-          </p:cNvPr>
-          <p:cNvSpPr>
-            <a:spLocks noGrp="1"/>
-          </p:cNvSpPr>
-          <p:nvPr>
-            <p:ph idx="1"/>
-          </p:nvPr>
-        </p:nvSpPr>
-        <p:spPr/>
-        <p:txBody>
-          <a:bodyPr/>
-          <a:lstStyle/>
-          <a:p>
-            <a:r>
-              <a:rPr lang="en-US" dirty="0"/>
-              <a:t>Contacts:</a:t>
-            </a:r>
-          </a:p>
-          <a:p>
-            <a:pPr lvl="1"/>
-            <a:r>
-              <a:rPr lang="en-US" dirty="0">
-                <a:hlinkClick r:id="rId2"/>
-              </a:rPr>
-              <a:t>https://github.com/jonstoked/ChildWellBeing</a:t>
-            </a:r>
-            <a:endParaRPr lang="en-US" dirty="0"/>
-          </a:p>
-          <a:p>
-            <a:pPr lvl="1"/>
-            <a:r>
-              <a:rPr lang="en-US" dirty="0">
-                <a:hlinkClick r:id="rId3"/>
-              </a:rPr>
-              <a:t>https://github.com/ashtondrew/ChildhoodHunger</a:t>
-            </a:r>
-            <a:endParaRPr lang="en-US" dirty="0"/>
-          </a:p>
-          <a:p>
-            <a:pPr lvl="2"/>
-            <a:r>
-              <a:rPr lang="en-US" dirty="0">
-                <a:hlinkClick r:id="rId4"/>
-              </a:rPr>
-              <a:t>https://kdvdecisionanalysis.shinyapps.io/TODD_UWhunger/</a:t>
-            </a:r>
-            <a:r>
-              <a:rPr lang="en-US" dirty="0"/>
-              <a:t> </a:t>
-            </a:r>
-          </a:p>
-          <a:p>
-            <a:pPr lvl="2"/>
-            <a:r>
-              <a:rPr lang="en-US" dirty="0"/>
-              <a:t>Hackathon source: </a:t>
-            </a:r>
-            <a:r>
-              <a:rPr lang="en-US" dirty="0">
-                <a:hlinkClick r:id="rId5"/>
-              </a:rPr>
-              <a:t>https://ncdata4good.github.io/UWchallenge/</a:t>
-            </a:r>
-            <a:r>
-              <a:rPr lang="en-US" dirty="0"/>
-              <a:t> </a:t>
-            </a:r>
-          </a:p>
-          <a:p>
-            <a:pPr lvl="1"/>
-            <a:endParaRPr lang="en-US" dirty="0"/>
-          </a:p>
-          <a:p>
-            <a:pPr lvl="1"/>
-            <a:endParaRPr lang="en-US" dirty="0"/>
-          </a:p>
-        </p:txBody>
-      </p:sp>
-    </p:spTree>
-    <p:extLst>
-      <p:ext uri="{BB962C8B-B14F-4D97-AF65-F5344CB8AC3E}">
-        <p14:creationId xmlns:p14="http://schemas.microsoft.com/office/powerpoint/2010/main" val="660208912"/>
-      </p:ext>
-    </p:extLst>
-  </p:cSld>
-  <p:clrMapOvr>
-    <a:masterClrMapping/>
-  </p:clrMapOvr>
-</p:sld>
-</file>
-
-<file path=ppt/slides/slide13.xml><?xml version="1.0" encoding="utf-8"?>
-<p:sld xmlns:a="http://schemas.openxmlformats.org/drawingml/2006/main" xmlns:r="http://schemas.openxmlformats.org/officeDocument/2006/relationships" xmlns:p="http://schemas.openxmlformats.org/presentationml/2006/main">
-  <p:cSld>
-    <p:spTree>
-      <p:nvGrpSpPr>
-        <p:cNvPr id="1" name=""/>
-        <p:cNvGrpSpPr/>
-        <p:nvPr/>
-      </p:nvGrpSpPr>
-      <p:grpSpPr>
-        <a:xfrm>
-          <a:off x="0" y="0"/>
-          <a:ext cx="0" cy="0"/>
-          <a:chOff x="0" y="0"/>
-          <a:chExt cx="0" cy="0"/>
-        </a:xfrm>
-      </p:grpSpPr>
-      <p:sp>
-        <p:nvSpPr>
-          <p:cNvPr id="2" name="Title 1">
-            <a:extLst>
-              <a:ext uri="{FF2B5EF4-FFF2-40B4-BE49-F238E27FC236}">
-                <a16:creationId xmlns:a16="http://schemas.microsoft.com/office/drawing/2014/main" id="{7F940794-0C9D-4ABA-9EE1-1AB59ED36184}"/>
-              </a:ext>
-            </a:extLst>
-          </p:cNvPr>
-          <p:cNvSpPr>
-            <a:spLocks noGrp="1"/>
-          </p:cNvSpPr>
-          <p:nvPr>
-            <p:ph type="title"/>
-          </p:nvPr>
-        </p:nvSpPr>
-        <p:spPr/>
-        <p:txBody>
-          <a:bodyPr/>
-          <a:lstStyle/>
-          <a:p>
-            <a:r>
-              <a:rPr lang="en-US" dirty="0"/>
-              <a:t>Future Exploration</a:t>
-            </a:r>
-          </a:p>
-        </p:txBody>
-      </p:sp>
-      <p:sp>
-        <p:nvSpPr>
-          <p:cNvPr id="3" name="Content Placeholder 2">
-            <a:extLst>
-              <a:ext uri="{FF2B5EF4-FFF2-40B4-BE49-F238E27FC236}">
-                <a16:creationId xmlns:a16="http://schemas.microsoft.com/office/drawing/2014/main" id="{64688BF6-20FE-4DFA-9D65-3468CA08A448}"/>
-              </a:ext>
-            </a:extLst>
-          </p:cNvPr>
-          <p:cNvSpPr>
-            <a:spLocks noGrp="1"/>
-          </p:cNvSpPr>
-          <p:nvPr>
-            <p:ph idx="1"/>
-          </p:nvPr>
-        </p:nvSpPr>
-        <p:spPr>
-          <a:xfrm>
-            <a:off x="1207008" y="2120054"/>
-            <a:ext cx="5264130" cy="4114800"/>
-          </a:xfrm>
-        </p:spPr>
-        <p:txBody>
-          <a:bodyPr/>
-          <a:lstStyle/>
-          <a:p>
-            <a:r>
-              <a:rPr lang="en-US" dirty="0"/>
-              <a:t>Explore Boundaries</a:t>
-            </a:r>
-          </a:p>
-          <a:p>
-            <a:r>
-              <a:rPr lang="en-US" dirty="0"/>
-              <a:t>Add to the meeting….</a:t>
-            </a:r>
-          </a:p>
-        </p:txBody>
-      </p:sp>
-      <p:sp>
-        <p:nvSpPr>
-          <p:cNvPr id="4" name="Text Placeholder 3">
-            <a:extLst>
-              <a:ext uri="{FF2B5EF4-FFF2-40B4-BE49-F238E27FC236}">
-                <a16:creationId xmlns:a16="http://schemas.microsoft.com/office/drawing/2014/main" id="{6A7A6182-4F8F-4FF5-B698-B1A91905B9A5}"/>
-              </a:ext>
-            </a:extLst>
-          </p:cNvPr>
-          <p:cNvSpPr>
-            <a:spLocks noGrp="1"/>
-          </p:cNvSpPr>
-          <p:nvPr>
-            <p:ph type="body" sz="half" idx="2"/>
-          </p:nvPr>
-        </p:nvSpPr>
-        <p:spPr>
-          <a:xfrm>
-            <a:off x="6696222" y="2147486"/>
-            <a:ext cx="4293202" cy="4087368"/>
-          </a:xfrm>
-        </p:spPr>
-        <p:txBody>
-          <a:bodyPr>
-            <a:normAutofit fontScale="92500" lnSpcReduction="10000"/>
-          </a:bodyPr>
-          <a:lstStyle/>
-          <a:p>
-            <a:r>
-              <a:rPr lang="en-US" dirty="0"/>
-              <a:t>After the call, we put our heads together to figure out how we could reduce the degrees of freedom. We came up with a solution for putting “boundaries” on the possible values that I hope you will like- I’ve written up our proposal in the attached word document. Essentially, we’re proposing to change each indicator by its value rather than percent change. In addition, we’re suggesting putting “boundaries” on the value of each indicator and using nationwide county level data to help us determine what those “boundaries” should be. I’ve also attached an excel document with the initial boundary research that Deepa and I have done. Please note that 3 of the 5 indicators we researched do not yet have nationwide county level data- Deepa plans to continue her research next week.</a:t>
-            </a:r>
-          </a:p>
-        </p:txBody>
-      </p:sp>
-    </p:spTree>
-    <p:extLst>
-      <p:ext uri="{BB962C8B-B14F-4D97-AF65-F5344CB8AC3E}">
-        <p14:creationId xmlns:p14="http://schemas.microsoft.com/office/powerpoint/2010/main" val="1784193061"/>
-      </p:ext>
-    </p:extLst>
-  </p:cSld>
-  <p:clrMapOvr>
-    <a:masterClrMapping/>
-  </p:clrMapOvr>
-</p:sld>
-</file>
-
 <file path=ppt/slides/slide14.xml><?xml version="1.0" encoding="utf-8"?>
 <p:sld xmlns:a="http://schemas.openxmlformats.org/drawingml/2006/main" xmlns:r="http://schemas.openxmlformats.org/officeDocument/2006/relationships" xmlns:p="http://schemas.openxmlformats.org/presentationml/2006/main">
   <p:cSld>
@@ -4466,7 +4736,7 @@
           <p:cNvPr id="2" name="Title 1">
             <a:extLst>
               <a:ext uri="{FF2B5EF4-FFF2-40B4-BE49-F238E27FC236}">
-                <a16:creationId xmlns:a16="http://schemas.microsoft.com/office/drawing/2014/main" id="{9046D9CF-8201-4FC9-AA81-4904DA754077}"/>
+                <a16:creationId xmlns:a16="http://schemas.microsoft.com/office/drawing/2014/main" id="{E81DDE6E-EEE6-4F8B-AA53-612D88BA45C1}"/>
               </a:ext>
             </a:extLst>
           </p:cNvPr>
@@ -4482,7 +4752,127 @@
           <a:bodyPr/>
           <a:lstStyle/>
           <a:p>
-            <a:endParaRPr lang="en-US"/>
+            <a:r>
+              <a:rPr lang="en-US" dirty="0"/>
+              <a:t>Future Exploration</a:t>
+            </a:r>
+          </a:p>
+        </p:txBody>
+      </p:sp>
+      <p:sp>
+        <p:nvSpPr>
+          <p:cNvPr id="7" name="Content Placeholder 6">
+            <a:extLst>
+              <a:ext uri="{FF2B5EF4-FFF2-40B4-BE49-F238E27FC236}">
+                <a16:creationId xmlns:a16="http://schemas.microsoft.com/office/drawing/2014/main" id="{E377E4B4-D61C-400A-AF37-64D2770F6928}"/>
+              </a:ext>
+            </a:extLst>
+          </p:cNvPr>
+          <p:cNvSpPr>
+            <a:spLocks noGrp="1"/>
+          </p:cNvSpPr>
+          <p:nvPr>
+            <p:ph idx="1"/>
+          </p:nvPr>
+        </p:nvSpPr>
+        <p:spPr/>
+        <p:txBody>
+          <a:bodyPr/>
+          <a:lstStyle/>
+          <a:p>
+            <a:r>
+              <a:rPr lang="en-US" dirty="0"/>
+              <a:t>In this analysis we had to correct an error how we calculated Z-scores by using population deviation instead of standard, if united way wants we </a:t>
+            </a:r>
+          </a:p>
+          <a:p>
+            <a:r>
+              <a:rPr lang="en-US" dirty="0"/>
+              <a:t>Current Deliverable: United way currently want to optimize the calculation of Child Well Being and then create a website to display that</a:t>
+            </a:r>
+          </a:p>
+          <a:p>
+            <a:r>
+              <a:rPr lang="en-US" dirty="0"/>
+              <a:t>If united way work like us to continue making the </a:t>
+            </a:r>
+            <a:r>
+              <a:rPr lang="en-US" dirty="0" err="1"/>
+              <a:t>Forio</a:t>
+            </a:r>
+            <a:r>
+              <a:rPr lang="en-US" dirty="0"/>
+              <a:t> app then we can.  Alternatively, we can use </a:t>
+            </a:r>
+            <a:r>
+              <a:rPr lang="en-US" dirty="0" err="1"/>
+              <a:t>Rshiny</a:t>
+            </a:r>
+            <a:endParaRPr lang="en-US" dirty="0"/>
+          </a:p>
+          <a:p>
+            <a:pPr marL="0" indent="0">
+              <a:buNone/>
+            </a:pPr>
+            <a:endParaRPr lang="en-US" dirty="0"/>
+          </a:p>
+        </p:txBody>
+      </p:sp>
+    </p:spTree>
+    <p:extLst>
+      <p:ext uri="{BB962C8B-B14F-4D97-AF65-F5344CB8AC3E}">
+        <p14:creationId xmlns:p14="http://schemas.microsoft.com/office/powerpoint/2010/main" val="1042079369"/>
+      </p:ext>
+    </p:extLst>
+  </p:cSld>
+  <p:clrMapOvr>
+    <a:masterClrMapping/>
+  </p:clrMapOvr>
+</p:sld>
+</file>
+
+<file path=ppt/slides/slide15.xml><?xml version="1.0" encoding="utf-8"?>
+<p:sld xmlns:a="http://schemas.openxmlformats.org/drawingml/2006/main" xmlns:r="http://schemas.openxmlformats.org/officeDocument/2006/relationships" xmlns:p="http://schemas.openxmlformats.org/presentationml/2006/main">
+  <p:cSld>
+    <p:spTree>
+      <p:nvGrpSpPr>
+        <p:cNvPr id="1" name=""/>
+        <p:cNvGrpSpPr/>
+        <p:nvPr/>
+      </p:nvGrpSpPr>
+      <p:grpSpPr>
+        <a:xfrm>
+          <a:off x="0" y="0"/>
+          <a:ext cx="0" cy="0"/>
+          <a:chOff x="0" y="0"/>
+          <a:chExt cx="0" cy="0"/>
+        </a:xfrm>
+      </p:grpSpPr>
+      <p:sp>
+        <p:nvSpPr>
+          <p:cNvPr id="2" name="Title 1">
+            <a:extLst>
+              <a:ext uri="{FF2B5EF4-FFF2-40B4-BE49-F238E27FC236}">
+                <a16:creationId xmlns:a16="http://schemas.microsoft.com/office/drawing/2014/main" id="{E00138CE-EC3A-4131-AE45-47DF46216C60}"/>
+              </a:ext>
+            </a:extLst>
+          </p:cNvPr>
+          <p:cNvSpPr>
+            <a:spLocks noGrp="1"/>
+          </p:cNvSpPr>
+          <p:nvPr>
+            <p:ph type="title"/>
+          </p:nvPr>
+        </p:nvSpPr>
+        <p:spPr/>
+        <p:txBody>
+          <a:bodyPr/>
+          <a:lstStyle/>
+          <a:p>
+            <a:r>
+              <a:rPr lang="en-US" dirty="0"/>
+              <a:t>CONTACT TO HELP WITH research</a:t>
+            </a:r>
           </a:p>
         </p:txBody>
       </p:sp>
@@ -4491,7 +4881,7 @@
           <p:cNvPr id="3" name="Content Placeholder 2">
             <a:extLst>
               <a:ext uri="{FF2B5EF4-FFF2-40B4-BE49-F238E27FC236}">
-                <a16:creationId xmlns:a16="http://schemas.microsoft.com/office/drawing/2014/main" id="{D279E369-D186-4156-B9DD-3178B2E23902}"/>
+                <a16:creationId xmlns:a16="http://schemas.microsoft.com/office/drawing/2014/main" id="{2B15F1FC-7173-467C-9C1F-E5E35CF2490E}"/>
               </a:ext>
             </a:extLst>
           </p:cNvPr>
@@ -4507,39 +4897,75 @@
           <a:bodyPr/>
           <a:lstStyle/>
           <a:p>
-            <a:endParaRPr lang="en-US"/>
-          </a:p>
-        </p:txBody>
-      </p:sp>
-      <p:sp>
-        <p:nvSpPr>
-          <p:cNvPr id="4" name="Text Placeholder 3">
-            <a:extLst>
-              <a:ext uri="{FF2B5EF4-FFF2-40B4-BE49-F238E27FC236}">
-                <a16:creationId xmlns:a16="http://schemas.microsoft.com/office/drawing/2014/main" id="{203B86F3-1592-408B-A073-800DCFC689E4}"/>
-              </a:ext>
-            </a:extLst>
-          </p:cNvPr>
-          <p:cNvSpPr>
-            <a:spLocks noGrp="1"/>
-          </p:cNvSpPr>
-          <p:nvPr>
-            <p:ph type="body" sz="half" idx="2"/>
-          </p:nvPr>
-        </p:nvSpPr>
-        <p:spPr/>
-        <p:txBody>
-          <a:bodyPr/>
-          <a:lstStyle/>
-          <a:p>
-            <a:endParaRPr lang="en-US"/>
+            <a:r>
+              <a:rPr lang="en-US" dirty="0"/>
+              <a:t>Contacts:</a:t>
+            </a:r>
+          </a:p>
+          <a:p>
+            <a:pPr lvl="1"/>
+            <a:r>
+              <a:rPr lang="en-US" dirty="0">
+                <a:hlinkClick r:id="rId2"/>
+              </a:rPr>
+              <a:t>https://github.com/jonstoked/ChildWellBeing</a:t>
+            </a:r>
+            <a:endParaRPr lang="en-US" dirty="0"/>
+          </a:p>
+          <a:p>
+            <a:pPr lvl="1"/>
+            <a:r>
+              <a:rPr lang="en-US" dirty="0">
+                <a:hlinkClick r:id="rId3"/>
+              </a:rPr>
+              <a:t>https://github.com/ashtondrew/ChildhoodHunger</a:t>
+            </a:r>
+            <a:endParaRPr lang="en-US" dirty="0"/>
+          </a:p>
+          <a:p>
+            <a:pPr lvl="2"/>
+            <a:r>
+              <a:rPr lang="en-US" dirty="0">
+                <a:hlinkClick r:id="rId4"/>
+              </a:rPr>
+              <a:t>https://kdvdecisionanalysis.shinyapps.io/TODD_UWhunger/</a:t>
+            </a:r>
+            <a:r>
+              <a:rPr lang="en-US" dirty="0"/>
+              <a:t> </a:t>
+            </a:r>
+          </a:p>
+          <a:p>
+            <a:pPr lvl="2"/>
+            <a:r>
+              <a:rPr lang="en-US" dirty="0"/>
+              <a:t>Hackathon source: </a:t>
+            </a:r>
+            <a:r>
+              <a:rPr lang="en-US" dirty="0">
+                <a:hlinkClick r:id="rId5"/>
+              </a:rPr>
+              <a:t>https://ncdata4good.github.io/UWchallenge/</a:t>
+            </a:r>
+            <a:r>
+              <a:rPr lang="en-US" dirty="0"/>
+              <a:t> </a:t>
+            </a:r>
+          </a:p>
+          <a:p>
+            <a:pPr lvl="1"/>
+            <a:endParaRPr lang="en-US" dirty="0"/>
+          </a:p>
+          <a:p>
+            <a:pPr lvl="1"/>
+            <a:endParaRPr lang="en-US" dirty="0"/>
           </a:p>
         </p:txBody>
       </p:sp>
     </p:spTree>
     <p:extLst>
       <p:ext uri="{BB962C8B-B14F-4D97-AF65-F5344CB8AC3E}">
-        <p14:creationId xmlns:p14="http://schemas.microsoft.com/office/powerpoint/2010/main" val="321041794"/>
+        <p14:creationId xmlns:p14="http://schemas.microsoft.com/office/powerpoint/2010/main" val="660208912"/>
       </p:ext>
     </p:extLst>
   </p:cSld>
@@ -4618,6 +5044,28 @@
             <a:r>
               <a:rPr lang="en-US" dirty="0"/>
               <a:t>Reproduce what Vincent had done in his excel sheet in R, so United way could build a model with Forio.com</a:t>
+            </a:r>
+          </a:p>
+          <a:p>
+            <a:r>
+              <a:rPr lang="en-US" dirty="0"/>
+              <a:t>New Goal: create a </a:t>
+            </a:r>
+            <a:r>
+              <a:rPr lang="en-US" dirty="0" err="1"/>
+              <a:t>Rshiny</a:t>
+            </a:r>
+            <a:r>
+              <a:rPr lang="en-US" dirty="0"/>
+              <a:t>/</a:t>
+            </a:r>
+            <a:r>
+              <a:rPr lang="en-US" dirty="0" err="1"/>
+              <a:t>Forio</a:t>
+            </a:r>
+            <a:r>
+              <a:rPr lang="en-US" dirty="0"/>
+              <a:t> website that optimizes child well being give user inputted bounds</a:t>
             </a:r>
           </a:p>
         </p:txBody>
@@ -4657,7 +5105,7 @@
           <p:cNvPr id="2" name="Title 1">
             <a:extLst>
               <a:ext uri="{FF2B5EF4-FFF2-40B4-BE49-F238E27FC236}">
-                <a16:creationId xmlns:a16="http://schemas.microsoft.com/office/drawing/2014/main" id="{C4136BA5-824A-4249-9C95-004B4B5BA4D7}"/>
+                <a16:creationId xmlns:a16="http://schemas.microsoft.com/office/drawing/2014/main" id="{F73913DD-57BB-49FA-8184-C6AC97843828}"/>
               </a:ext>
             </a:extLst>
           </p:cNvPr>
@@ -4673,9 +5121,10 @@
           <a:bodyPr/>
           <a:lstStyle/>
           <a:p>
+            <a:pPr algn="ctr"/>
             <a:r>
               <a:rPr lang="en-US" dirty="0"/>
-              <a:t>Methods</a:t>
+              <a:t>Method: Standardize</a:t>
             </a:r>
           </a:p>
         </p:txBody>
@@ -4685,7 +5134,7 @@
           <p:cNvPr id="3" name="Content Placeholder 2">
             <a:extLst>
               <a:ext uri="{FF2B5EF4-FFF2-40B4-BE49-F238E27FC236}">
-                <a16:creationId xmlns:a16="http://schemas.microsoft.com/office/drawing/2014/main" id="{07C01DE7-8E6D-45E1-A5C8-ED837B612981}"/>
+                <a16:creationId xmlns:a16="http://schemas.microsoft.com/office/drawing/2014/main" id="{11581CA6-1ED6-4845-8554-986FCA9BFB38}"/>
               </a:ext>
             </a:extLst>
           </p:cNvPr>
@@ -4696,114 +5145,1061 @@
             <p:ph idx="1"/>
           </p:nvPr>
         </p:nvSpPr>
-        <p:spPr/>
-        <p:txBody>
-          <a:bodyPr/>
+        <p:spPr>
+          <a:xfrm>
+            <a:off x="1202919" y="1864208"/>
+            <a:ext cx="9784080" cy="4562144"/>
+          </a:xfrm>
+        </p:spPr>
+        <p:txBody>
+          <a:bodyPr>
+            <a:noAutofit/>
+          </a:bodyPr>
           <a:lstStyle/>
           <a:p>
-            <a:pPr marL="514350" indent="-514350">
-              <a:buFont typeface="+mj-lt"/>
-              <a:buAutoNum type="arabicPeriod"/>
+            <a:r>
+              <a:rPr lang="en-US" dirty="0"/>
+              <a:t>What united way wants to do when they make an index is basically standardize all the variables and do a weighted average them in a certain order.</a:t>
+            </a:r>
+          </a:p>
+          <a:p>
+            <a:pPr marL="457200" lvl="1" indent="0">
+              <a:buNone/>
             </a:pPr>
             <a:r>
+              <a:rPr lang="en-US" dirty="0">
+                <a:hlinkClick r:id="rId3"/>
+              </a:rPr>
+              <a:t>https://en.wikipedia.org/wiki/Index_(statistics)</a:t>
+            </a:r>
+            <a:endParaRPr lang="en-US" dirty="0"/>
+          </a:p>
+          <a:p>
+            <a:pPr marL="457200" lvl="1" indent="0">
+              <a:buNone/>
+            </a:pPr>
+            <a:r>
+              <a:rPr lang="en-US" dirty="0">
+                <a:hlinkClick r:id="rId4"/>
+              </a:rPr>
+              <a:t>https://en.wikipedia.org/wiki/Human_Development_Index</a:t>
+            </a:r>
+            <a:r>
               <a:rPr lang="en-US" dirty="0"/>
-              <a:t>Create a workable way to calculating the old Child Wellbeing Index, so we can integrate in </a:t>
-            </a:r>
-            <a:r>
-              <a:rPr lang="en-US" dirty="0" err="1"/>
-              <a:t>Forio</a:t>
-            </a:r>
+              <a:t> an example</a:t>
+            </a:r>
+          </a:p>
+          <a:p>
+            <a:pPr marL="457200" lvl="1" indent="0">
+              <a:buNone/>
+            </a:pPr>
+            <a:r>
+              <a:rPr lang="en-US" dirty="0">
+                <a:hlinkClick r:id="rId5"/>
+              </a:rPr>
+              <a:t>https://en.wikipedia.org/wiki/Dow_Jones_Industrial_Average</a:t>
+            </a:r>
+            <a:endParaRPr lang="en-US" dirty="0"/>
+          </a:p>
+          <a:p>
             <a:r>
               <a:rPr lang="en-US" dirty="0"/>
-              <a:t> and create a visual model:</a:t>
-            </a:r>
-          </a:p>
-          <a:p>
-            <a:pPr marL="914400" lvl="1" indent="-457200">
-              <a:buFont typeface="+mj-lt"/>
-              <a:buAutoNum type="arabicPeriod"/>
+              <a:t>Indexes help us rank and measure statistics</a:t>
+            </a:r>
+          </a:p>
+          <a:p>
+            <a:pPr marL="0" indent="0">
+              <a:buNone/>
             </a:pPr>
-            <a:r>
-              <a:rPr lang="en-US" dirty="0"/>
-              <a:t>Calculate Mean and Population Deviation</a:t>
-            </a:r>
-          </a:p>
-          <a:p>
-            <a:pPr marL="914400" lvl="1" indent="-457200">
-              <a:buFont typeface="+mj-lt"/>
-              <a:buAutoNum type="arabicPeriod"/>
+            <a:endParaRPr lang="en-US" sz="1800" dirty="0"/>
+          </a:p>
+          <a:p>
+            <a:pPr marL="0" indent="0">
+              <a:buNone/>
             </a:pPr>
-            <a:r>
-              <a:rPr lang="en-US" dirty="0"/>
-              <a:t>Core Algorithm: Do Z-Score</a:t>
-            </a:r>
-          </a:p>
-          <a:p>
-            <a:pPr marL="914400" lvl="1" indent="-457200">
-              <a:buFont typeface="+mj-lt"/>
-              <a:buAutoNum type="arabicPeriod"/>
+            <a:endParaRPr lang="en-US" sz="1800" dirty="0"/>
+          </a:p>
+          <a:p>
+            <a:pPr marL="0" indent="0">
+              <a:buNone/>
             </a:pPr>
-            <a:r>
-              <a:rPr lang="en-US" dirty="0"/>
-              <a:t>Adjust it so that it is only between -3.1 and 3.1 Add the z-scores in order in listed order and divide by the amounts</a:t>
-            </a:r>
-          </a:p>
-          <a:p>
-            <a:pPr marL="914400" lvl="1" indent="-457200">
-              <a:buFont typeface="+mj-lt"/>
-              <a:buAutoNum type="arabicPeriod"/>
+            <a:endParaRPr lang="en-US" sz="1800" dirty="0"/>
+          </a:p>
+          <a:p>
+            <a:pPr marL="0" indent="0">
+              <a:buNone/>
             </a:pPr>
             <a:r>
-              <a:rPr lang="en-US" dirty="0"/>
-              <a:t>Turn things that should be negative to actual negative</a:t>
-            </a:r>
-          </a:p>
-          <a:p>
-            <a:pPr marL="914400" lvl="1" indent="-457200">
-              <a:buFont typeface="+mj-lt"/>
-              <a:buAutoNum type="arabicPeriod"/>
-            </a:pPr>
-            <a:r>
-              <a:rPr lang="en-US" dirty="0"/>
-              <a:t>Calculate the Child, Family, and Community Sub-Index</a:t>
-            </a:r>
-          </a:p>
-          <a:p>
-            <a:pPr marL="914400" lvl="1" indent="-457200">
-              <a:buFont typeface="+mj-lt"/>
-              <a:buAutoNum type="arabicPeriod"/>
-            </a:pPr>
-            <a:r>
-              <a:rPr lang="en-US" dirty="0"/>
-              <a:t>CWI = Average the 3 sub indices</a:t>
-            </a:r>
-          </a:p>
-          <a:p>
-            <a:pPr marL="914400" lvl="1" indent="-457200">
-              <a:buFont typeface="+mj-lt"/>
-              <a:buAutoNum type="arabicPeriod"/>
-            </a:pPr>
-            <a:r>
-              <a:rPr lang="en-US" dirty="0"/>
-              <a:t>Rescale them from 1-100</a:t>
-            </a:r>
-          </a:p>
-          <a:p>
-            <a:pPr marL="914400" lvl="1" indent="-457200">
-              <a:buFont typeface="+mj-lt"/>
-              <a:buAutoNum type="arabicPeriod"/>
-            </a:pPr>
-            <a:r>
-              <a:rPr lang="en-US" dirty="0"/>
-              <a:t>Quintiles calculated </a:t>
-            </a:r>
-          </a:p>
-        </p:txBody>
-      </p:sp>
+              <a:rPr lang="en-US" sz="1800" dirty="0"/>
+              <a:t>N= the total number of census tracts (rows in data)</a:t>
+            </a:r>
+            <a:br>
+              <a:rPr lang="en-US" sz="1800" dirty="0"/>
+            </a:br>
+            <a:r>
+              <a:rPr lang="en-US" sz="1800" dirty="0"/>
+              <a:t>x= the actual variable data per row/column</a:t>
+            </a:r>
+            <a:br>
+              <a:rPr lang="en-US" sz="1800" dirty="0"/>
+            </a:br>
+            <a:r>
+              <a:rPr lang="en-US" sz="1800" dirty="0"/>
+              <a:t>w= the weight</a:t>
+            </a:r>
+            <a:br>
+              <a:rPr lang="en-US" sz="1800" dirty="0"/>
+            </a:br>
+            <a:r>
+              <a:rPr lang="en-US" sz="1800" dirty="0"/>
+              <a:t>n=row #</a:t>
+            </a:r>
+            <a:br>
+              <a:rPr lang="en-US" sz="1800" dirty="0"/>
+            </a:br>
+            <a:r>
+              <a:rPr lang="en-US" sz="1800" dirty="0"/>
+              <a:t>m=column #</a:t>
+            </a:r>
+          </a:p>
+        </p:txBody>
+      </p:sp>
+      <mc:AlternateContent xmlns:mc="http://schemas.openxmlformats.org/markup-compatibility/2006">
+        <mc:Choice xmlns:a14="http://schemas.microsoft.com/office/drawing/2010/main" Requires="a14">
+          <p:sp>
+            <p:nvSpPr>
+              <p:cNvPr id="7" name="TextBox 6">
+                <a:extLst>
+                  <a:ext uri="{FF2B5EF4-FFF2-40B4-BE49-F238E27FC236}">
+                    <a16:creationId xmlns:a16="http://schemas.microsoft.com/office/drawing/2014/main" id="{6B9E12F4-2531-454D-BB55-90ECBEC346B8}"/>
+                  </a:ext>
+                </a:extLst>
+              </p:cNvPr>
+              <p:cNvSpPr txBox="1"/>
+              <p:nvPr/>
+            </p:nvSpPr>
+            <p:spPr>
+              <a:xfrm>
+                <a:off x="1202919" y="4145280"/>
+                <a:ext cx="5493555" cy="1237903"/>
+              </a:xfrm>
+              <a:prstGeom prst="rect">
+                <a:avLst/>
+              </a:prstGeom>
+            </p:spPr>
+            <p:style>
+              <a:lnRef idx="2">
+                <a:schemeClr val="accent2"/>
+              </a:lnRef>
+              <a:fillRef idx="1">
+                <a:schemeClr val="lt1"/>
+              </a:fillRef>
+              <a:effectRef idx="0">
+                <a:schemeClr val="accent2"/>
+              </a:effectRef>
+              <a:fontRef idx="minor">
+                <a:schemeClr val="dk1"/>
+              </a:fontRef>
+            </p:style>
+            <p:txBody>
+              <a:bodyPr wrap="none" lIns="0" tIns="0" rIns="0" bIns="0" rtlCol="0">
+                <a:spAutoFit/>
+              </a:bodyPr>
+              <a:lstStyle/>
+              <a:p>
+                <a:pPr/>
+                <a14:m>
+                  <m:oMathPara xmlns:m="http://schemas.openxmlformats.org/officeDocument/2006/math">
+                    <m:oMathParaPr>
+                      <m:jc m:val="center"/>
+                    </m:oMathParaPr>
+                    <m:oMath xmlns:m="http://schemas.openxmlformats.org/officeDocument/2006/math">
+                      <m:r>
+                        <a:rPr lang="en-US" b="0" i="1" smtClean="0">
+                          <a:latin typeface="Cambria Math" panose="02040503050406030204" pitchFamily="18" charset="0"/>
+                        </a:rPr>
+                        <m:t>𝐶</m:t>
+                      </m:r>
+                      <m:r>
+                        <a:rPr lang="en-US" b="0" i="1" smtClean="0">
+                          <a:latin typeface="Cambria Math" panose="02040503050406030204" pitchFamily="18" charset="0"/>
+                        </a:rPr>
+                        <m:t>.</m:t>
+                      </m:r>
+                      <m:r>
+                        <a:rPr lang="en-US" b="0" i="1" smtClean="0">
+                          <a:latin typeface="Cambria Math" panose="02040503050406030204" pitchFamily="18" charset="0"/>
+                        </a:rPr>
+                        <m:t>𝑊</m:t>
+                      </m:r>
+                      <m:r>
+                        <a:rPr lang="en-US" b="0" i="1" smtClean="0">
+                          <a:latin typeface="Cambria Math" panose="02040503050406030204" pitchFamily="18" charset="0"/>
+                        </a:rPr>
+                        <m:t>.</m:t>
+                      </m:r>
+                      <m:r>
+                        <a:rPr lang="en-US" b="0" i="1" smtClean="0">
+                          <a:latin typeface="Cambria Math" panose="02040503050406030204" pitchFamily="18" charset="0"/>
+                        </a:rPr>
+                        <m:t>𝐵</m:t>
+                      </m:r>
+                      <m:r>
+                        <a:rPr lang="en-US" b="0" i="1" smtClean="0">
+                          <a:latin typeface="Cambria Math" panose="02040503050406030204" pitchFamily="18" charset="0"/>
+                        </a:rPr>
+                        <m:t> </m:t>
+                      </m:r>
+                      <m:r>
+                        <a:rPr lang="en-US" b="0" i="1" smtClean="0">
+                          <a:latin typeface="Cambria Math" panose="02040503050406030204" pitchFamily="18" charset="0"/>
+                        </a:rPr>
+                        <m:t>𝑍𝑠𝑐𝑜𝑟𝑒</m:t>
+                      </m:r>
+                      <m:r>
+                        <a:rPr lang="en-US" b="0" i="1" smtClean="0">
+                          <a:latin typeface="Cambria Math" panose="02040503050406030204" pitchFamily="18" charset="0"/>
+                        </a:rPr>
+                        <m:t>=</m:t>
+                      </m:r>
+                      <m:sSub>
+                        <m:sSubPr>
+                          <m:ctrlPr>
+                            <a:rPr lang="en-US" b="0" i="1" smtClean="0">
+                              <a:latin typeface="Cambria Math" panose="02040503050406030204" pitchFamily="18" charset="0"/>
+                            </a:rPr>
+                          </m:ctrlPr>
+                        </m:sSubPr>
+                        <m:e>
+                          <m:r>
+                            <a:rPr lang="en-US" b="0" i="1" smtClean="0">
+                              <a:latin typeface="Cambria Math" panose="02040503050406030204" pitchFamily="18" charset="0"/>
+                            </a:rPr>
+                            <m:t>𝑔</m:t>
+                          </m:r>
+                        </m:e>
+                        <m:sub>
+                          <m:r>
+                            <a:rPr lang="en-US" b="0" i="1" smtClean="0">
+                              <a:latin typeface="Cambria Math" panose="02040503050406030204" pitchFamily="18" charset="0"/>
+                            </a:rPr>
+                            <m:t>𝑛</m:t>
+                          </m:r>
+                        </m:sub>
+                      </m:sSub>
+                      <m:d>
+                        <m:dPr>
+                          <m:ctrlPr>
+                            <a:rPr lang="en-US" b="0" i="1" smtClean="0">
+                              <a:latin typeface="Cambria Math" panose="02040503050406030204" pitchFamily="18" charset="0"/>
+                            </a:rPr>
+                          </m:ctrlPr>
+                        </m:dPr>
+                        <m:e>
+                          <m:r>
+                            <a:rPr lang="en-US" b="0" i="1" smtClean="0">
+                              <a:latin typeface="Cambria Math" panose="02040503050406030204" pitchFamily="18" charset="0"/>
+                            </a:rPr>
+                            <m:t>𝑥</m:t>
+                          </m:r>
+                        </m:e>
+                      </m:d>
+                      <m:r>
+                        <a:rPr lang="en-US" i="1">
+                          <a:latin typeface="Cambria Math" panose="02040503050406030204" pitchFamily="18" charset="0"/>
+                          <a:ea typeface="Cambria Math" panose="02040503050406030204" pitchFamily="18" charset="0"/>
+                        </a:rPr>
+                        <m:t>≈</m:t>
+                      </m:r>
+                      <m:f>
+                        <m:fPr>
+                          <m:ctrlPr>
+                            <a:rPr lang="en-US" b="0" i="1" smtClean="0">
+                              <a:latin typeface="Cambria Math" panose="02040503050406030204" pitchFamily="18" charset="0"/>
+                              <a:ea typeface="Cambria Math" panose="02040503050406030204" pitchFamily="18" charset="0"/>
+                            </a:rPr>
+                          </m:ctrlPr>
+                        </m:fPr>
+                        <m:num>
+                          <m:r>
+                            <a:rPr lang="en-US" b="0" i="1" smtClean="0">
+                              <a:latin typeface="Cambria Math" panose="02040503050406030204" pitchFamily="18" charset="0"/>
+                              <a:ea typeface="Cambria Math" panose="02040503050406030204" pitchFamily="18" charset="0"/>
+                            </a:rPr>
+                            <m:t>1</m:t>
+                          </m:r>
+                        </m:num>
+                        <m:den>
+                          <m:r>
+                            <a:rPr lang="en-US" b="0" i="1" smtClean="0">
+                              <a:latin typeface="Cambria Math" panose="02040503050406030204" pitchFamily="18" charset="0"/>
+                              <a:ea typeface="Cambria Math" panose="02040503050406030204" pitchFamily="18" charset="0"/>
+                            </a:rPr>
+                            <m:t>3</m:t>
+                          </m:r>
+                        </m:den>
+                      </m:f>
+                      <m:nary>
+                        <m:naryPr>
+                          <m:chr m:val="∑"/>
+                          <m:ctrlPr>
+                            <a:rPr lang="en-US" b="0" i="1" smtClean="0">
+                              <a:latin typeface="Cambria Math" panose="02040503050406030204" pitchFamily="18" charset="0"/>
+                              <a:ea typeface="Cambria Math" panose="02040503050406030204" pitchFamily="18" charset="0"/>
+                            </a:rPr>
+                          </m:ctrlPr>
+                        </m:naryPr>
+                        <m:sub>
+                          <m:r>
+                            <m:rPr>
+                              <m:brk m:alnAt="23"/>
+                            </m:rPr>
+                            <a:rPr lang="en-US" b="0" i="1" smtClean="0">
+                              <a:latin typeface="Cambria Math" panose="02040503050406030204" pitchFamily="18" charset="0"/>
+                              <a:ea typeface="Cambria Math" panose="02040503050406030204" pitchFamily="18" charset="0"/>
+                            </a:rPr>
+                            <m:t>𝑚</m:t>
+                          </m:r>
+                          <m:r>
+                            <a:rPr lang="en-US" b="0" i="1" smtClean="0">
+                              <a:latin typeface="Cambria Math" panose="02040503050406030204" pitchFamily="18" charset="0"/>
+                              <a:ea typeface="Cambria Math" panose="02040503050406030204" pitchFamily="18" charset="0"/>
+                            </a:rPr>
+                            <m:t>=1</m:t>
+                          </m:r>
+                        </m:sub>
+                        <m:sup>
+                          <m:r>
+                            <a:rPr lang="en-US" b="0" i="1" smtClean="0">
+                              <a:latin typeface="Cambria Math" panose="02040503050406030204" pitchFamily="18" charset="0"/>
+                              <a:ea typeface="Cambria Math" panose="02040503050406030204" pitchFamily="18" charset="0"/>
+                            </a:rPr>
+                            <m:t>14</m:t>
+                          </m:r>
+                        </m:sup>
+                        <m:e>
+                          <m:f>
+                            <m:fPr>
+                              <m:ctrlPr>
+                                <a:rPr lang="en-US" b="0" i="1" smtClean="0">
+                                  <a:latin typeface="Cambria Math" panose="02040503050406030204" pitchFamily="18" charset="0"/>
+                                  <a:ea typeface="Cambria Math" panose="02040503050406030204" pitchFamily="18" charset="0"/>
+                                </a:rPr>
+                              </m:ctrlPr>
+                            </m:fPr>
+                            <m:num>
+                              <m:r>
+                                <a:rPr lang="en-US" b="0" i="1" smtClean="0">
+                                  <a:latin typeface="Cambria Math" panose="02040503050406030204" pitchFamily="18" charset="0"/>
+                                  <a:ea typeface="Cambria Math" panose="02040503050406030204" pitchFamily="18" charset="0"/>
+                                </a:rPr>
+                                <m:t>−</m:t>
+                              </m:r>
+                              <m:sSub>
+                                <m:sSubPr>
+                                  <m:ctrlPr>
+                                    <a:rPr lang="en-US" b="0" i="1" smtClean="0">
+                                      <a:latin typeface="Cambria Math" panose="02040503050406030204" pitchFamily="18" charset="0"/>
+                                      <a:ea typeface="Cambria Math" panose="02040503050406030204" pitchFamily="18" charset="0"/>
+                                    </a:rPr>
+                                  </m:ctrlPr>
+                                </m:sSubPr>
+                                <m:e>
+                                  <m:r>
+                                    <a:rPr lang="en-US" b="0" i="1" smtClean="0">
+                                      <a:latin typeface="Cambria Math" panose="02040503050406030204" pitchFamily="18" charset="0"/>
+                                      <a:ea typeface="Cambria Math" panose="02040503050406030204" pitchFamily="18" charset="0"/>
+                                    </a:rPr>
+                                    <m:t>𝑤</m:t>
+                                  </m:r>
+                                </m:e>
+                                <m:sub>
+                                  <m:r>
+                                    <a:rPr lang="en-US" b="0" i="1" smtClean="0">
+                                      <a:latin typeface="Cambria Math" panose="02040503050406030204" pitchFamily="18" charset="0"/>
+                                      <a:ea typeface="Cambria Math" panose="02040503050406030204" pitchFamily="18" charset="0"/>
+                                    </a:rPr>
+                                    <m:t>𝑚</m:t>
+                                  </m:r>
+                                </m:sub>
+                              </m:sSub>
+                              <m:nary>
+                                <m:naryPr>
+                                  <m:chr m:val="∑"/>
+                                  <m:limLoc m:val="subSup"/>
+                                  <m:supHide m:val="on"/>
+                                  <m:ctrlPr>
+                                    <a:rPr lang="en-US" b="0" i="1" smtClean="0">
+                                      <a:latin typeface="Cambria Math" panose="02040503050406030204" pitchFamily="18" charset="0"/>
+                                      <a:ea typeface="Cambria Math" panose="02040503050406030204" pitchFamily="18" charset="0"/>
+                                    </a:rPr>
+                                  </m:ctrlPr>
+                                </m:naryPr>
+                                <m:sub>
+                                  <m:r>
+                                    <m:rPr>
+                                      <m:brk m:alnAt="9"/>
+                                    </m:rPr>
+                                    <a:rPr lang="en-US" b="0" i="1" smtClean="0">
+                                      <a:latin typeface="Cambria Math" panose="02040503050406030204" pitchFamily="18" charset="0"/>
+                                      <a:ea typeface="Cambria Math" panose="02040503050406030204" pitchFamily="18" charset="0"/>
+                                    </a:rPr>
+                                    <m:t>𝑛</m:t>
+                                  </m:r>
+                                </m:sub>
+                                <m:sup/>
+                                <m:e>
+                                  <m:sSub>
+                                    <m:sSubPr>
+                                      <m:ctrlPr>
+                                        <a:rPr lang="en-US" b="0" i="1" smtClean="0">
+                                          <a:latin typeface="Cambria Math" panose="02040503050406030204" pitchFamily="18" charset="0"/>
+                                          <a:ea typeface="Cambria Math" panose="02040503050406030204" pitchFamily="18" charset="0"/>
+                                        </a:rPr>
+                                      </m:ctrlPr>
+                                    </m:sSubPr>
+                                    <m:e>
+                                      <m:r>
+                                        <a:rPr lang="en-US" b="0" i="1" smtClean="0">
+                                          <a:latin typeface="Cambria Math" panose="02040503050406030204" pitchFamily="18" charset="0"/>
+                                          <a:ea typeface="Cambria Math" panose="02040503050406030204" pitchFamily="18" charset="0"/>
+                                        </a:rPr>
+                                        <m:t>𝑥</m:t>
+                                      </m:r>
+                                    </m:e>
+                                    <m:sub>
+                                      <m:r>
+                                        <a:rPr lang="en-US" b="0" i="1" smtClean="0">
+                                          <a:latin typeface="Cambria Math" panose="02040503050406030204" pitchFamily="18" charset="0"/>
+                                          <a:ea typeface="Cambria Math" panose="02040503050406030204" pitchFamily="18" charset="0"/>
+                                        </a:rPr>
+                                        <m:t>𝑛𝑚</m:t>
+                                      </m:r>
+                                    </m:sub>
+                                  </m:sSub>
+                                  <m:r>
+                                    <a:rPr lang="en-US" b="0" i="1" smtClean="0">
+                                      <a:latin typeface="Cambria Math" panose="02040503050406030204" pitchFamily="18" charset="0"/>
+                                      <a:ea typeface="Cambria Math" panose="02040503050406030204" pitchFamily="18" charset="0"/>
+                                    </a:rPr>
+                                    <m:t>/</m:t>
+                                  </m:r>
+                                  <m:r>
+                                    <a:rPr lang="en-US" b="0" i="1" smtClean="0">
+                                      <a:latin typeface="Cambria Math" panose="02040503050406030204" pitchFamily="18" charset="0"/>
+                                      <a:ea typeface="Cambria Math" panose="02040503050406030204" pitchFamily="18" charset="0"/>
+                                    </a:rPr>
+                                    <m:t>𝑁</m:t>
+                                  </m:r>
+                                </m:e>
+                              </m:nary>
+                            </m:num>
+                            <m:den>
+                              <m:rad>
+                                <m:radPr>
+                                  <m:degHide m:val="on"/>
+                                  <m:ctrlPr>
+                                    <a:rPr lang="en-US" b="0" i="1" smtClean="0">
+                                      <a:latin typeface="Cambria Math" panose="02040503050406030204" pitchFamily="18" charset="0"/>
+                                      <a:ea typeface="Cambria Math" panose="02040503050406030204" pitchFamily="18" charset="0"/>
+                                    </a:rPr>
+                                  </m:ctrlPr>
+                                </m:radPr>
+                                <m:deg/>
+                                <m:e>
+                                  <m:f>
+                                    <m:fPr>
+                                      <m:ctrlPr>
+                                        <a:rPr lang="en-US" b="0" i="1" smtClean="0">
+                                          <a:latin typeface="Cambria Math" panose="02040503050406030204" pitchFamily="18" charset="0"/>
+                                          <a:ea typeface="Cambria Math" panose="02040503050406030204" pitchFamily="18" charset="0"/>
+                                        </a:rPr>
+                                      </m:ctrlPr>
+                                    </m:fPr>
+                                    <m:num>
+                                      <m:nary>
+                                        <m:naryPr>
+                                          <m:chr m:val="∑"/>
+                                          <m:limLoc m:val="subSup"/>
+                                          <m:supHide m:val="on"/>
+                                          <m:ctrlPr>
+                                            <a:rPr lang="en-US" b="0" i="1" smtClean="0">
+                                              <a:latin typeface="Cambria Math" panose="02040503050406030204" pitchFamily="18" charset="0"/>
+                                              <a:ea typeface="Cambria Math" panose="02040503050406030204" pitchFamily="18" charset="0"/>
+                                            </a:rPr>
+                                          </m:ctrlPr>
+                                        </m:naryPr>
+                                        <m:sub>
+                                          <m:r>
+                                            <m:rPr>
+                                              <m:brk m:alnAt="9"/>
+                                            </m:rPr>
+                                            <a:rPr lang="en-US" b="0" i="1" smtClean="0">
+                                              <a:latin typeface="Cambria Math" panose="02040503050406030204" pitchFamily="18" charset="0"/>
+                                              <a:ea typeface="Cambria Math" panose="02040503050406030204" pitchFamily="18" charset="0"/>
+                                            </a:rPr>
+                                            <m:t>𝑛</m:t>
+                                          </m:r>
+                                        </m:sub>
+                                        <m:sup/>
+                                        <m:e>
+                                          <m:sSub>
+                                            <m:sSubPr>
+                                              <m:ctrlPr>
+                                                <a:rPr lang="en-US" b="0" i="1" smtClean="0">
+                                                  <a:latin typeface="Cambria Math" panose="02040503050406030204" pitchFamily="18" charset="0"/>
+                                                  <a:ea typeface="Cambria Math" panose="02040503050406030204" pitchFamily="18" charset="0"/>
+                                                </a:rPr>
+                                              </m:ctrlPr>
+                                            </m:sSubPr>
+                                            <m:e>
+                                              <m:r>
+                                                <a:rPr lang="en-US" b="0" i="1" smtClean="0">
+                                                  <a:latin typeface="Cambria Math" panose="02040503050406030204" pitchFamily="18" charset="0"/>
+                                                  <a:ea typeface="Cambria Math" panose="02040503050406030204" pitchFamily="18" charset="0"/>
+                                                </a:rPr>
+                                                <m:t>(</m:t>
+                                              </m:r>
+                                              <m:r>
+                                                <a:rPr lang="en-US" b="0" i="1" smtClean="0">
+                                                  <a:latin typeface="Cambria Math" panose="02040503050406030204" pitchFamily="18" charset="0"/>
+                                                  <a:ea typeface="Cambria Math" panose="02040503050406030204" pitchFamily="18" charset="0"/>
+                                                </a:rPr>
+                                                <m:t>𝑥</m:t>
+                                              </m:r>
+                                            </m:e>
+                                            <m:sub>
+                                              <m:r>
+                                                <a:rPr lang="en-US" b="0" i="1" smtClean="0">
+                                                  <a:latin typeface="Cambria Math" panose="02040503050406030204" pitchFamily="18" charset="0"/>
+                                                  <a:ea typeface="Cambria Math" panose="02040503050406030204" pitchFamily="18" charset="0"/>
+                                                </a:rPr>
+                                                <m:t>𝑛𝑚</m:t>
+                                              </m:r>
+                                            </m:sub>
+                                          </m:sSub>
+                                          <m:r>
+                                            <a:rPr lang="en-US" b="0" i="1" smtClean="0">
+                                              <a:latin typeface="Cambria Math" panose="02040503050406030204" pitchFamily="18" charset="0"/>
+                                              <a:ea typeface="Cambria Math" panose="02040503050406030204" pitchFamily="18" charset="0"/>
+                                            </a:rPr>
+                                            <m:t>−</m:t>
+                                          </m:r>
+                                          <m:nary>
+                                            <m:naryPr>
+                                              <m:chr m:val="∑"/>
+                                              <m:supHide m:val="on"/>
+                                              <m:ctrlPr>
+                                                <a:rPr lang="en-US" b="0" i="1" smtClean="0">
+                                                  <a:latin typeface="Cambria Math" panose="02040503050406030204" pitchFamily="18" charset="0"/>
+                                                  <a:ea typeface="Cambria Math" panose="02040503050406030204" pitchFamily="18" charset="0"/>
+                                                </a:rPr>
+                                              </m:ctrlPr>
+                                            </m:naryPr>
+                                            <m:sub>
+                                              <m:r>
+                                                <m:rPr>
+                                                  <m:brk m:alnAt="7"/>
+                                                </m:rPr>
+                                                <a:rPr lang="en-US" b="0" i="1" smtClean="0">
+                                                  <a:latin typeface="Cambria Math" panose="02040503050406030204" pitchFamily="18" charset="0"/>
+                                                  <a:ea typeface="Cambria Math" panose="02040503050406030204" pitchFamily="18" charset="0"/>
+                                                </a:rPr>
+                                                <m:t>𝑛</m:t>
+                                              </m:r>
+                                            </m:sub>
+                                            <m:sup/>
+                                            <m:e>
+                                              <m:f>
+                                                <m:fPr>
+                                                  <m:ctrlPr>
+                                                    <a:rPr lang="en-US" b="0" i="1" smtClean="0">
+                                                      <a:latin typeface="Cambria Math" panose="02040503050406030204" pitchFamily="18" charset="0"/>
+                                                      <a:ea typeface="Cambria Math" panose="02040503050406030204" pitchFamily="18" charset="0"/>
+                                                    </a:rPr>
+                                                  </m:ctrlPr>
+                                                </m:fPr>
+                                                <m:num>
+                                                  <m:sSub>
+                                                    <m:sSubPr>
+                                                      <m:ctrlPr>
+                                                        <a:rPr lang="en-US" b="0" i="1" smtClean="0">
+                                                          <a:latin typeface="Cambria Math" panose="02040503050406030204" pitchFamily="18" charset="0"/>
+                                                          <a:ea typeface="Cambria Math" panose="02040503050406030204" pitchFamily="18" charset="0"/>
+                                                        </a:rPr>
+                                                      </m:ctrlPr>
+                                                    </m:sSubPr>
+                                                    <m:e>
+                                                      <m:r>
+                                                        <a:rPr lang="en-US" b="0" i="1" smtClean="0">
+                                                          <a:latin typeface="Cambria Math" panose="02040503050406030204" pitchFamily="18" charset="0"/>
+                                                          <a:ea typeface="Cambria Math" panose="02040503050406030204" pitchFamily="18" charset="0"/>
+                                                        </a:rPr>
+                                                        <m:t>𝑥</m:t>
+                                                      </m:r>
+                                                    </m:e>
+                                                    <m:sub>
+                                                      <m:r>
+                                                        <a:rPr lang="en-US" b="0" i="1" smtClean="0">
+                                                          <a:latin typeface="Cambria Math" panose="02040503050406030204" pitchFamily="18" charset="0"/>
+                                                          <a:ea typeface="Cambria Math" panose="02040503050406030204" pitchFamily="18" charset="0"/>
+                                                        </a:rPr>
+                                                        <m:t>𝑛𝑚</m:t>
+                                                      </m:r>
+                                                    </m:sub>
+                                                  </m:sSub>
+                                                </m:num>
+                                                <m:den>
+                                                  <m:r>
+                                                    <a:rPr lang="en-US" b="0" i="1" smtClean="0">
+                                                      <a:latin typeface="Cambria Math" panose="02040503050406030204" pitchFamily="18" charset="0"/>
+                                                      <a:ea typeface="Cambria Math" panose="02040503050406030204" pitchFamily="18" charset="0"/>
+                                                    </a:rPr>
+                                                    <m:t>𝑁</m:t>
+                                                  </m:r>
+                                                </m:den>
+                                              </m:f>
+                                            </m:e>
+                                          </m:nary>
+                                          <m:r>
+                                            <a:rPr lang="en-US" b="0" i="1" smtClean="0">
+                                              <a:latin typeface="Cambria Math" panose="02040503050406030204" pitchFamily="18" charset="0"/>
+                                              <a:ea typeface="Cambria Math" panose="02040503050406030204" pitchFamily="18" charset="0"/>
+                                            </a:rPr>
+                                            <m:t>)^2</m:t>
+                                          </m:r>
+                                        </m:e>
+                                      </m:nary>
+                                    </m:num>
+                                    <m:den>
+                                      <m:r>
+                                        <a:rPr lang="en-US" b="0" i="1" smtClean="0">
+                                          <a:latin typeface="Cambria Math" panose="02040503050406030204" pitchFamily="18" charset="0"/>
+                                          <a:ea typeface="Cambria Math" panose="02040503050406030204" pitchFamily="18" charset="0"/>
+                                        </a:rPr>
+                                        <m:t>𝑁</m:t>
+                                      </m:r>
+                                    </m:den>
+                                  </m:f>
+                                </m:e>
+                              </m:rad>
+                            </m:den>
+                          </m:f>
+                        </m:e>
+                      </m:nary>
+                    </m:oMath>
+                  </m:oMathPara>
+                </a14:m>
+                <a:endParaRPr lang="en-US" dirty="0"/>
+              </a:p>
+            </p:txBody>
+          </p:sp>
+        </mc:Choice>
+        <mc:Fallback>
+          <p:sp>
+            <p:nvSpPr>
+              <p:cNvPr id="7" name="TextBox 6">
+                <a:extLst>
+                  <a:ext uri="{FF2B5EF4-FFF2-40B4-BE49-F238E27FC236}">
+                    <a16:creationId xmlns:a16="http://schemas.microsoft.com/office/drawing/2014/main" id="{6B9E12F4-2531-454D-BB55-90ECBEC346B8}"/>
+                  </a:ext>
+                </a:extLst>
+              </p:cNvPr>
+              <p:cNvSpPr txBox="1">
+                <a:spLocks noRot="1" noChangeAspect="1" noMove="1" noResize="1" noEditPoints="1" noAdjustHandles="1" noChangeArrowheads="1" noChangeShapeType="1" noTextEdit="1"/>
+              </p:cNvSpPr>
+              <p:nvPr/>
+            </p:nvSpPr>
+            <p:spPr>
+              <a:xfrm>
+                <a:off x="1202919" y="4145280"/>
+                <a:ext cx="5493555" cy="1237903"/>
+              </a:xfrm>
+              <a:prstGeom prst="rect">
+                <a:avLst/>
+              </a:prstGeom>
+              <a:blipFill>
+                <a:blip r:embed="rId6"/>
+                <a:stretch>
+                  <a:fillRect/>
+                </a:stretch>
+              </a:blipFill>
+            </p:spPr>
+            <p:txBody>
+              <a:bodyPr/>
+              <a:lstStyle/>
+              <a:p>
+                <a:r>
+                  <a:rPr lang="en-US">
+                    <a:noFill/>
+                  </a:rPr>
+                  <a:t> </a:t>
+                </a:r>
+              </a:p>
+            </p:txBody>
+          </p:sp>
+        </mc:Fallback>
+      </mc:AlternateContent>
+      <mc:AlternateContent xmlns:mc="http://schemas.openxmlformats.org/markup-compatibility/2006">
+        <mc:Choice xmlns:a14="http://schemas.microsoft.com/office/drawing/2010/main" Requires="a14">
+          <p:sp>
+            <p:nvSpPr>
+              <p:cNvPr id="9" name="TextBox 8">
+                <a:extLst>
+                  <a:ext uri="{FF2B5EF4-FFF2-40B4-BE49-F238E27FC236}">
+                    <a16:creationId xmlns:a16="http://schemas.microsoft.com/office/drawing/2014/main" id="{DB3524EB-9D0C-49A6-9ADD-D30627533117}"/>
+                  </a:ext>
+                </a:extLst>
+              </p:cNvPr>
+              <p:cNvSpPr txBox="1"/>
+              <p:nvPr/>
+            </p:nvSpPr>
+            <p:spPr>
+              <a:xfrm>
+                <a:off x="6914598" y="4322090"/>
+                <a:ext cx="4145109" cy="884281"/>
+              </a:xfrm>
+              <a:prstGeom prst="rect">
+                <a:avLst/>
+              </a:prstGeom>
+            </p:spPr>
+            <p:style>
+              <a:lnRef idx="2">
+                <a:schemeClr val="accent2"/>
+              </a:lnRef>
+              <a:fillRef idx="1">
+                <a:schemeClr val="lt1"/>
+              </a:fillRef>
+              <a:effectRef idx="0">
+                <a:schemeClr val="accent2"/>
+              </a:effectRef>
+              <a:fontRef idx="minor">
+                <a:schemeClr val="dk1"/>
+              </a:fontRef>
+            </p:style>
+            <p:txBody>
+              <a:bodyPr wrap="none" lIns="0" tIns="0" rIns="0" bIns="0" rtlCol="0">
+                <a:spAutoFit/>
+              </a:bodyPr>
+              <a:lstStyle/>
+              <a:p>
+                <a14:m>
+                  <m:oMathPara xmlns:m="http://schemas.openxmlformats.org/officeDocument/2006/math">
+                    <m:oMathParaPr>
+                      <m:jc m:val="centerGroup"/>
+                    </m:oMathParaPr>
+                    <m:oMath xmlns:m="http://schemas.openxmlformats.org/officeDocument/2006/math">
+                      <m:nary>
+                        <m:naryPr>
+                          <m:chr m:val="∑"/>
+                          <m:subHide m:val="on"/>
+                          <m:supHide m:val="on"/>
+                          <m:ctrlPr>
+                            <a:rPr lang="en-US" b="0" i="1" smtClean="0">
+                              <a:latin typeface="Cambria Math" panose="02040503050406030204" pitchFamily="18" charset="0"/>
+                              <a:ea typeface="Cambria Math" panose="02040503050406030204" pitchFamily="18" charset="0"/>
+                            </a:rPr>
+                          </m:ctrlPr>
+                        </m:naryPr>
+                        <m:sub/>
+                        <m:sup/>
+                        <m:e>
+                          <m:sSub>
+                            <m:sSubPr>
+                              <m:ctrlPr>
+                                <a:rPr lang="en-US" b="0" i="1" smtClean="0">
+                                  <a:latin typeface="Cambria Math" panose="02040503050406030204" pitchFamily="18" charset="0"/>
+                                  <a:ea typeface="Cambria Math" panose="02040503050406030204" pitchFamily="18" charset="0"/>
+                                </a:rPr>
+                              </m:ctrlPr>
+                            </m:sSubPr>
+                            <m:e>
+                              <m:r>
+                                <a:rPr lang="en-US" b="0" i="1" smtClean="0">
+                                  <a:latin typeface="Cambria Math" panose="02040503050406030204" pitchFamily="18" charset="0"/>
+                                  <a:ea typeface="Cambria Math" panose="02040503050406030204" pitchFamily="18" charset="0"/>
+                                </a:rPr>
+                                <m:t>𝑤</m:t>
+                              </m:r>
+                            </m:e>
+                            <m:sub>
+                              <m:r>
+                                <a:rPr lang="en-US" b="0" i="1" smtClean="0">
+                                  <a:latin typeface="Cambria Math" panose="02040503050406030204" pitchFamily="18" charset="0"/>
+                                  <a:ea typeface="Cambria Math" panose="02040503050406030204" pitchFamily="18" charset="0"/>
+                                </a:rPr>
+                                <m:t>𝑚</m:t>
+                              </m:r>
+                            </m:sub>
+                          </m:sSub>
+                          <m:r>
+                            <a:rPr lang="en-US" b="0" i="1" smtClean="0">
+                              <a:latin typeface="Cambria Math" panose="02040503050406030204" pitchFamily="18" charset="0"/>
+                              <a:ea typeface="Cambria Math" panose="02040503050406030204" pitchFamily="18" charset="0"/>
+                            </a:rPr>
+                            <m:t>=</m:t>
+                          </m:r>
+                        </m:e>
+                      </m:nary>
+                      <m:r>
+                        <a:rPr lang="en-US" b="0" i="1" smtClean="0">
+                          <a:latin typeface="Cambria Math" panose="02040503050406030204" pitchFamily="18" charset="0"/>
+                          <a:ea typeface="Cambria Math" panose="02040503050406030204" pitchFamily="18" charset="0"/>
+                        </a:rPr>
+                        <m:t>3⇠</m:t>
+                      </m:r>
+                      <m:sSub>
+                        <m:sSubPr>
+                          <m:ctrlPr>
+                            <a:rPr lang="en-US" b="0" i="1" smtClean="0">
+                              <a:latin typeface="Cambria Math" panose="02040503050406030204" pitchFamily="18" charset="0"/>
+                            </a:rPr>
+                          </m:ctrlPr>
+                        </m:sSubPr>
+                        <m:e>
+                          <m:r>
+                            <a:rPr lang="en-US" b="0" i="1" smtClean="0">
+                              <a:latin typeface="Cambria Math" panose="02040503050406030204" pitchFamily="18" charset="0"/>
+                            </a:rPr>
+                            <m:t>𝑤</m:t>
+                          </m:r>
+                        </m:e>
+                        <m:sub>
+                          <m:r>
+                            <a:rPr lang="en-US" b="0" i="1" smtClean="0">
+                              <a:latin typeface="Cambria Math" panose="02040503050406030204" pitchFamily="18" charset="0"/>
+                            </a:rPr>
+                            <m:t>𝑚</m:t>
+                          </m:r>
+                        </m:sub>
+                      </m:sSub>
+                      <m:r>
+                        <a:rPr lang="en-US" b="0" i="1" smtClean="0">
+                          <a:latin typeface="Cambria Math" panose="02040503050406030204" pitchFamily="18" charset="0"/>
+                        </a:rPr>
+                        <m:t>=</m:t>
+                      </m:r>
+                      <m:d>
+                        <m:dPr>
+                          <m:begChr m:val="{"/>
+                          <m:endChr m:val="}"/>
+                          <m:ctrlPr>
+                            <a:rPr lang="en-US" b="0" i="1" smtClean="0">
+                              <a:latin typeface="Cambria Math" panose="02040503050406030204" pitchFamily="18" charset="0"/>
+                            </a:rPr>
+                          </m:ctrlPr>
+                        </m:dPr>
+                        <m:e>
+                          <m:m>
+                            <m:mPr>
+                              <m:mcs>
+                                <m:mc>
+                                  <m:mcPr>
+                                    <m:count m:val="2"/>
+                                    <m:mcJc m:val="center"/>
+                                  </m:mcPr>
+                                </m:mc>
+                              </m:mcs>
+                              <m:ctrlPr>
+                                <a:rPr lang="en-US" b="0" i="1" smtClean="0">
+                                  <a:latin typeface="Cambria Math" panose="02040503050406030204" pitchFamily="18" charset="0"/>
+                                </a:rPr>
+                              </m:ctrlPr>
+                            </m:mPr>
+                            <m:mr>
+                              <m:e>
+                                <m:r>
+                                  <m:rPr>
+                                    <m:brk m:alnAt="7"/>
+                                  </m:rPr>
+                                  <a:rPr lang="en-US" b="0" i="1" smtClean="0">
+                                    <a:latin typeface="Cambria Math" panose="02040503050406030204" pitchFamily="18" charset="0"/>
+                                  </a:rPr>
+                                  <m:t>1/7</m:t>
+                                </m:r>
+                              </m:e>
+                              <m:e>
+                                <m:r>
+                                  <a:rPr lang="en-US" b="0" i="1" smtClean="0">
+                                    <a:latin typeface="Cambria Math" panose="02040503050406030204" pitchFamily="18" charset="0"/>
+                                  </a:rPr>
+                                  <m:t>𝑚</m:t>
+                                </m:r>
+                                <m:r>
+                                  <a:rPr lang="en-US" b="0" i="1" smtClean="0">
+                                    <a:latin typeface="Cambria Math" panose="02040503050406030204" pitchFamily="18" charset="0"/>
+                                    <a:ea typeface="Cambria Math" panose="02040503050406030204" pitchFamily="18" charset="0"/>
+                                  </a:rPr>
+                                  <m:t>∈[1,7]</m:t>
+                                </m:r>
+                              </m:e>
+                            </m:mr>
+                            <m:mr>
+                              <m:e>
+                                <m:r>
+                                  <a:rPr lang="en-US" b="0" i="1" smtClean="0">
+                                    <a:latin typeface="Cambria Math" panose="02040503050406030204" pitchFamily="18" charset="0"/>
+                                  </a:rPr>
+                                  <m:t>1/3</m:t>
+                                </m:r>
+                              </m:e>
+                              <m:e>
+                                <m:r>
+                                  <a:rPr lang="en-US" i="1">
+                                    <a:latin typeface="Cambria Math" panose="02040503050406030204" pitchFamily="18" charset="0"/>
+                                  </a:rPr>
+                                  <m:t>𝑚</m:t>
+                                </m:r>
+                                <m:r>
+                                  <a:rPr lang="en-US" i="1">
+                                    <a:latin typeface="Cambria Math" panose="02040503050406030204" pitchFamily="18" charset="0"/>
+                                    <a:ea typeface="Cambria Math" panose="02040503050406030204" pitchFamily="18" charset="0"/>
+                                  </a:rPr>
+                                  <m:t>∈[</m:t>
+                                </m:r>
+                                <m:r>
+                                  <a:rPr lang="en-US" b="0" i="1" smtClean="0">
+                                    <a:latin typeface="Cambria Math" panose="02040503050406030204" pitchFamily="18" charset="0"/>
+                                    <a:ea typeface="Cambria Math" panose="02040503050406030204" pitchFamily="18" charset="0"/>
+                                  </a:rPr>
+                                  <m:t>8</m:t>
+                                </m:r>
+                                <m:r>
+                                  <a:rPr lang="en-US" i="1">
+                                    <a:latin typeface="Cambria Math" panose="02040503050406030204" pitchFamily="18" charset="0"/>
+                                    <a:ea typeface="Cambria Math" panose="02040503050406030204" pitchFamily="18" charset="0"/>
+                                  </a:rPr>
+                                  <m:t>,</m:t>
+                                </m:r>
+                                <m:r>
+                                  <a:rPr lang="en-US" b="0" i="1" smtClean="0">
+                                    <a:latin typeface="Cambria Math" panose="02040503050406030204" pitchFamily="18" charset="0"/>
+                                    <a:ea typeface="Cambria Math" panose="02040503050406030204" pitchFamily="18" charset="0"/>
+                                  </a:rPr>
+                                  <m:t>10</m:t>
+                                </m:r>
+                                <m:r>
+                                  <a:rPr lang="en-US" i="1">
+                                    <a:latin typeface="Cambria Math" panose="02040503050406030204" pitchFamily="18" charset="0"/>
+                                    <a:ea typeface="Cambria Math" panose="02040503050406030204" pitchFamily="18" charset="0"/>
+                                  </a:rPr>
+                                  <m:t>]</m:t>
+                                </m:r>
+                              </m:e>
+                            </m:mr>
+                            <m:mr>
+                              <m:e>
+                                <m:r>
+                                  <a:rPr lang="en-US" b="0" i="1" smtClean="0">
+                                    <a:latin typeface="Cambria Math" panose="02040503050406030204" pitchFamily="18" charset="0"/>
+                                  </a:rPr>
+                                  <m:t>1/4</m:t>
+                                </m:r>
+                              </m:e>
+                              <m:e>
+                                <m:r>
+                                  <a:rPr lang="en-US" i="1">
+                                    <a:latin typeface="Cambria Math" panose="02040503050406030204" pitchFamily="18" charset="0"/>
+                                  </a:rPr>
+                                  <m:t>𝑚</m:t>
+                                </m:r>
+                                <m:r>
+                                  <a:rPr lang="en-US" i="1">
+                                    <a:latin typeface="Cambria Math" panose="02040503050406030204" pitchFamily="18" charset="0"/>
+                                    <a:ea typeface="Cambria Math" panose="02040503050406030204" pitchFamily="18" charset="0"/>
+                                  </a:rPr>
+                                  <m:t>∈[</m:t>
+                                </m:r>
+                                <m:r>
+                                  <a:rPr lang="en-US" b="0" i="1" smtClean="0">
+                                    <a:latin typeface="Cambria Math" panose="02040503050406030204" pitchFamily="18" charset="0"/>
+                                    <a:ea typeface="Cambria Math" panose="02040503050406030204" pitchFamily="18" charset="0"/>
+                                  </a:rPr>
+                                  <m:t>11</m:t>
+                                </m:r>
+                                <m:r>
+                                  <a:rPr lang="en-US" i="1">
+                                    <a:latin typeface="Cambria Math" panose="02040503050406030204" pitchFamily="18" charset="0"/>
+                                    <a:ea typeface="Cambria Math" panose="02040503050406030204" pitchFamily="18" charset="0"/>
+                                  </a:rPr>
+                                  <m:t>,</m:t>
+                                </m:r>
+                                <m:r>
+                                  <a:rPr lang="en-US" b="0" i="1" smtClean="0">
+                                    <a:latin typeface="Cambria Math" panose="02040503050406030204" pitchFamily="18" charset="0"/>
+                                    <a:ea typeface="Cambria Math" panose="02040503050406030204" pitchFamily="18" charset="0"/>
+                                  </a:rPr>
+                                  <m:t>14</m:t>
+                                </m:r>
+                                <m:r>
+                                  <a:rPr lang="en-US" i="1">
+                                    <a:latin typeface="Cambria Math" panose="02040503050406030204" pitchFamily="18" charset="0"/>
+                                    <a:ea typeface="Cambria Math" panose="02040503050406030204" pitchFamily="18" charset="0"/>
+                                  </a:rPr>
+                                  <m:t>]</m:t>
+                                </m:r>
+                              </m:e>
+                            </m:mr>
+                          </m:m>
+                        </m:e>
+                      </m:d>
+                    </m:oMath>
+                  </m:oMathPara>
+                </a14:m>
+                <a:endParaRPr lang="en-US" dirty="0"/>
+              </a:p>
+            </p:txBody>
+          </p:sp>
+        </mc:Choice>
+        <mc:Fallback>
+          <p:sp>
+            <p:nvSpPr>
+              <p:cNvPr id="9" name="TextBox 8">
+                <a:extLst>
+                  <a:ext uri="{FF2B5EF4-FFF2-40B4-BE49-F238E27FC236}">
+                    <a16:creationId xmlns:a16="http://schemas.microsoft.com/office/drawing/2014/main" id="{DB3524EB-9D0C-49A6-9ADD-D30627533117}"/>
+                  </a:ext>
+                </a:extLst>
+              </p:cNvPr>
+              <p:cNvSpPr txBox="1">
+                <a:spLocks noRot="1" noChangeAspect="1" noMove="1" noResize="1" noEditPoints="1" noAdjustHandles="1" noChangeArrowheads="1" noChangeShapeType="1" noTextEdit="1"/>
+              </p:cNvSpPr>
+              <p:nvPr/>
+            </p:nvSpPr>
+            <p:spPr>
+              <a:xfrm>
+                <a:off x="6914598" y="4322090"/>
+                <a:ext cx="4145109" cy="884281"/>
+              </a:xfrm>
+              <a:prstGeom prst="rect">
+                <a:avLst/>
+              </a:prstGeom>
+              <a:blipFill>
+                <a:blip r:embed="rId7"/>
+                <a:stretch>
+                  <a:fillRect/>
+                </a:stretch>
+              </a:blipFill>
+            </p:spPr>
+            <p:txBody>
+              <a:bodyPr/>
+              <a:lstStyle/>
+              <a:p>
+                <a:r>
+                  <a:rPr lang="en-US">
+                    <a:noFill/>
+                  </a:rPr>
+                  <a:t> </a:t>
+                </a:r>
+              </a:p>
+            </p:txBody>
+          </p:sp>
+        </mc:Fallback>
+      </mc:AlternateContent>
     </p:spTree>
     <p:extLst>
       <p:ext uri="{BB962C8B-B14F-4D97-AF65-F5344CB8AC3E}">
-        <p14:creationId xmlns:p14="http://schemas.microsoft.com/office/powerpoint/2010/main" val="1574778876"/>
+        <p14:creationId xmlns:p14="http://schemas.microsoft.com/office/powerpoint/2010/main" val="2728807519"/>
       </p:ext>
     </p:extLst>
   </p:cSld>
@@ -4835,6 +6231,1428 @@
           <p:cNvPr id="2" name="Title 1">
             <a:extLst>
               <a:ext uri="{FF2B5EF4-FFF2-40B4-BE49-F238E27FC236}">
+                <a16:creationId xmlns:a16="http://schemas.microsoft.com/office/drawing/2014/main" id="{C4136BA5-824A-4249-9C95-004B4B5BA4D7}"/>
+              </a:ext>
+            </a:extLst>
+          </p:cNvPr>
+          <p:cNvSpPr>
+            <a:spLocks noGrp="1"/>
+          </p:cNvSpPr>
+          <p:nvPr>
+            <p:ph type="title"/>
+          </p:nvPr>
+        </p:nvSpPr>
+        <p:spPr/>
+        <p:txBody>
+          <a:bodyPr/>
+          <a:lstStyle/>
+          <a:p>
+            <a:r>
+              <a:rPr lang="en-US" dirty="0"/>
+              <a:t>Methods: Steps</a:t>
+            </a:r>
+          </a:p>
+        </p:txBody>
+      </p:sp>
+      <p:sp>
+        <p:nvSpPr>
+          <p:cNvPr id="3" name="Content Placeholder 2">
+            <a:extLst>
+              <a:ext uri="{FF2B5EF4-FFF2-40B4-BE49-F238E27FC236}">
+                <a16:creationId xmlns:a16="http://schemas.microsoft.com/office/drawing/2014/main" id="{07C01DE7-8E6D-45E1-A5C8-ED837B612981}"/>
+              </a:ext>
+            </a:extLst>
+          </p:cNvPr>
+          <p:cNvSpPr>
+            <a:spLocks noGrp="1"/>
+          </p:cNvSpPr>
+          <p:nvPr>
+            <p:ph idx="1"/>
+          </p:nvPr>
+        </p:nvSpPr>
+        <p:spPr>
+          <a:xfrm>
+            <a:off x="1202919" y="2011680"/>
+            <a:ext cx="9784080" cy="4206240"/>
+          </a:xfrm>
+        </p:spPr>
+        <p:txBody>
+          <a:bodyPr/>
+          <a:lstStyle/>
+          <a:p>
+            <a:pPr marL="514350" indent="-514350">
+              <a:buFont typeface="+mj-lt"/>
+              <a:buAutoNum type="arabicPeriod"/>
+            </a:pPr>
+            <a:r>
+              <a:rPr lang="en-US" dirty="0"/>
+              <a:t>Create a workable way to calculating the old Child Wellbeing Index, so we can integrate in </a:t>
+            </a:r>
+            <a:r>
+              <a:rPr lang="en-US" dirty="0" err="1"/>
+              <a:t>Forio</a:t>
+            </a:r>
+            <a:r>
+              <a:rPr lang="en-US" dirty="0"/>
+              <a:t> and create a visual model:</a:t>
+            </a:r>
+          </a:p>
+          <a:p>
+            <a:pPr marL="914400" lvl="1" indent="-457200">
+              <a:buFont typeface="+mj-lt"/>
+              <a:buAutoNum type="arabicPeriod"/>
+            </a:pPr>
+            <a:r>
+              <a:rPr lang="en-US" dirty="0"/>
+              <a:t>Calculate Mean and Population Deviation</a:t>
+            </a:r>
+          </a:p>
+          <a:p>
+            <a:pPr marL="914400" lvl="1" indent="-457200">
+              <a:buFont typeface="+mj-lt"/>
+              <a:buAutoNum type="arabicPeriod"/>
+            </a:pPr>
+            <a:r>
+              <a:rPr lang="en-US" dirty="0"/>
+              <a:t>Core Algorithm: Do Z-Score</a:t>
+            </a:r>
+          </a:p>
+          <a:p>
+            <a:pPr marL="914400" lvl="1" indent="-457200">
+              <a:buFont typeface="+mj-lt"/>
+              <a:buAutoNum type="arabicPeriod"/>
+            </a:pPr>
+            <a:r>
+              <a:rPr lang="en-US" dirty="0"/>
+              <a:t>Adjust it so that it is only between -3.1 and 3.1 Add the z-scores in order in listed order and divide by the amounts</a:t>
+            </a:r>
+          </a:p>
+          <a:p>
+            <a:pPr marL="914400" lvl="1" indent="-457200">
+              <a:buFont typeface="+mj-lt"/>
+              <a:buAutoNum type="arabicPeriod"/>
+            </a:pPr>
+            <a:r>
+              <a:rPr lang="en-US" dirty="0"/>
+              <a:t>Turn things that should be negative to actual negative</a:t>
+            </a:r>
+          </a:p>
+          <a:p>
+            <a:pPr marL="914400" lvl="1" indent="-457200">
+              <a:buFont typeface="+mj-lt"/>
+              <a:buAutoNum type="arabicPeriod"/>
+            </a:pPr>
+            <a:r>
+              <a:rPr lang="en-US" dirty="0"/>
+              <a:t>Calculate the Child, Family, and Community Sub-Index</a:t>
+            </a:r>
+          </a:p>
+          <a:p>
+            <a:pPr marL="914400" lvl="1" indent="-457200">
+              <a:buFont typeface="+mj-lt"/>
+              <a:buAutoNum type="arabicPeriod"/>
+            </a:pPr>
+            <a:r>
+              <a:rPr lang="en-US" dirty="0"/>
+              <a:t>CWI = Average the 3 sub indices</a:t>
+            </a:r>
+          </a:p>
+          <a:p>
+            <a:pPr marL="914400" lvl="1" indent="-457200">
+              <a:buFont typeface="+mj-lt"/>
+              <a:buAutoNum type="arabicPeriod"/>
+            </a:pPr>
+            <a:r>
+              <a:rPr lang="en-US" dirty="0"/>
+              <a:t>Rescale them from 1-100</a:t>
+            </a:r>
+          </a:p>
+          <a:p>
+            <a:pPr marL="914400" lvl="1" indent="-457200">
+              <a:buFont typeface="+mj-lt"/>
+              <a:buAutoNum type="arabicPeriod"/>
+            </a:pPr>
+            <a:r>
+              <a:rPr lang="en-US" dirty="0"/>
+              <a:t>Quintiles are calculated </a:t>
+            </a:r>
+          </a:p>
+        </p:txBody>
+      </p:sp>
+    </p:spTree>
+    <p:extLst>
+      <p:ext uri="{BB962C8B-B14F-4D97-AF65-F5344CB8AC3E}">
+        <p14:creationId xmlns:p14="http://schemas.microsoft.com/office/powerpoint/2010/main" val="1574778876"/>
+      </p:ext>
+    </p:extLst>
+  </p:cSld>
+  <p:clrMapOvr>
+    <a:masterClrMapping/>
+  </p:clrMapOvr>
+</p:sld>
+</file>
+
+<file path=ppt/slides/slide5.xml><?xml version="1.0" encoding="utf-8"?>
+<p:sld xmlns:a="http://schemas.openxmlformats.org/drawingml/2006/main" xmlns:r="http://schemas.openxmlformats.org/officeDocument/2006/relationships" xmlns:p="http://schemas.openxmlformats.org/presentationml/2006/main">
+  <p:cSld>
+    <p:spTree>
+      <p:nvGrpSpPr>
+        <p:cNvPr id="1" name=""/>
+        <p:cNvGrpSpPr/>
+        <p:nvPr/>
+      </p:nvGrpSpPr>
+      <p:grpSpPr>
+        <a:xfrm>
+          <a:off x="0" y="0"/>
+          <a:ext cx="0" cy="0"/>
+          <a:chOff x="0" y="0"/>
+          <a:chExt cx="0" cy="0"/>
+        </a:xfrm>
+      </p:grpSpPr>
+      <p:sp>
+        <p:nvSpPr>
+          <p:cNvPr id="2" name="Title 1">
+            <a:extLst>
+              <a:ext uri="{FF2B5EF4-FFF2-40B4-BE49-F238E27FC236}">
+                <a16:creationId xmlns:a16="http://schemas.microsoft.com/office/drawing/2014/main" id="{7B0900B6-E72D-4689-92EB-689C39476472}"/>
+              </a:ext>
+            </a:extLst>
+          </p:cNvPr>
+          <p:cNvSpPr>
+            <a:spLocks noGrp="1"/>
+          </p:cNvSpPr>
+          <p:nvPr>
+            <p:ph type="title"/>
+          </p:nvPr>
+        </p:nvSpPr>
+        <p:spPr/>
+        <p:txBody>
+          <a:bodyPr/>
+          <a:lstStyle/>
+          <a:p>
+            <a:pPr algn="ctr"/>
+            <a:r>
+              <a:rPr lang="en-US" dirty="0"/>
+              <a:t>Methods: Calculate the z-score</a:t>
+            </a:r>
+          </a:p>
+        </p:txBody>
+      </p:sp>
+      <mc:AlternateContent xmlns:mc="http://schemas.openxmlformats.org/markup-compatibility/2006">
+        <mc:Choice xmlns:a14="http://schemas.microsoft.com/office/drawing/2010/main" Requires="a14">
+          <p:sp>
+            <p:nvSpPr>
+              <p:cNvPr id="3" name="Content Placeholder 2">
+                <a:extLst>
+                  <a:ext uri="{FF2B5EF4-FFF2-40B4-BE49-F238E27FC236}">
+                    <a16:creationId xmlns:a16="http://schemas.microsoft.com/office/drawing/2014/main" id="{7866932E-B9A6-44D7-BC26-ED20239E1BB8}"/>
+                  </a:ext>
+                </a:extLst>
+              </p:cNvPr>
+              <p:cNvSpPr>
+                <a:spLocks noGrp="1"/>
+              </p:cNvSpPr>
+              <p:nvPr>
+                <p:ph idx="1"/>
+              </p:nvPr>
+            </p:nvSpPr>
+            <p:spPr>
+              <a:xfrm>
+                <a:off x="1202919" y="2018674"/>
+                <a:ext cx="9784080" cy="2031212"/>
+              </a:xfrm>
+            </p:spPr>
+            <p:txBody>
+              <a:bodyPr/>
+              <a:lstStyle/>
+              <a:p>
+                <a:r>
+                  <a:rPr lang="en-US" dirty="0"/>
+                  <a:t>The basic formula normally for Z-score is:</a:t>
+                </a:r>
+              </a:p>
+              <a:p>
+                <a:pPr marL="0" indent="0">
+                  <a:buNone/>
+                </a:pPr>
+                <a:r>
+                  <a:rPr lang="en-US" dirty="0"/>
+                  <a:t>	</a:t>
+                </a:r>
+                <a14:m>
+                  <m:oMath xmlns:m="http://schemas.openxmlformats.org/officeDocument/2006/math">
+                    <m:f>
+                      <m:fPr>
+                        <m:ctrlPr>
+                          <a:rPr lang="en-US" i="1" dirty="0" smtClean="0">
+                            <a:latin typeface="Cambria Math" panose="02040503050406030204" pitchFamily="18" charset="0"/>
+                          </a:rPr>
+                        </m:ctrlPr>
+                      </m:fPr>
+                      <m:num>
+                        <m:r>
+                          <a:rPr lang="en-US" b="0" i="1" dirty="0" smtClean="0">
+                            <a:latin typeface="Cambria Math" panose="02040503050406030204" pitchFamily="18" charset="0"/>
+                          </a:rPr>
+                          <m:t>𝑎𝑛</m:t>
+                        </m:r>
+                        <m:r>
+                          <a:rPr lang="en-US" b="0" i="1" dirty="0" smtClean="0">
+                            <a:latin typeface="Cambria Math" panose="02040503050406030204" pitchFamily="18" charset="0"/>
+                          </a:rPr>
+                          <m:t> </m:t>
+                        </m:r>
+                        <m:r>
+                          <a:rPr lang="en-US" b="0" i="1" dirty="0" smtClean="0">
+                            <a:latin typeface="Cambria Math" panose="02040503050406030204" pitchFamily="18" charset="0"/>
+                          </a:rPr>
+                          <m:t>𝑥</m:t>
+                        </m:r>
+                        <m:r>
+                          <a:rPr lang="en-US" b="0" i="1" dirty="0" smtClean="0">
+                            <a:latin typeface="Cambria Math" panose="02040503050406030204" pitchFamily="18" charset="0"/>
+                          </a:rPr>
+                          <m:t>−</m:t>
+                        </m:r>
+                        <m:r>
+                          <a:rPr lang="en-US" i="1" dirty="0" smtClean="0">
+                            <a:latin typeface="Cambria Math" panose="02040503050406030204" pitchFamily="18" charset="0"/>
+                          </a:rPr>
+                          <m:t>𝑣𝑎𝑙𝑢𝑒</m:t>
+                        </m:r>
+                        <m:r>
+                          <a:rPr lang="en-US" i="1" dirty="0" smtClean="0">
+                            <a:latin typeface="Cambria Math" panose="02040503050406030204" pitchFamily="18" charset="0"/>
+                          </a:rPr>
+                          <m:t> – </m:t>
+                        </m:r>
+                        <m:r>
+                          <a:rPr lang="en-US" i="1" dirty="0" smtClean="0">
+                            <a:latin typeface="Cambria Math" panose="02040503050406030204" pitchFamily="18" charset="0"/>
+                          </a:rPr>
+                          <m:t>𝑚𝑒𝑎𝑛</m:t>
+                        </m:r>
+                        <m:r>
+                          <a:rPr lang="en-US" i="1" dirty="0" smtClean="0">
+                            <a:latin typeface="Cambria Math" panose="02040503050406030204" pitchFamily="18" charset="0"/>
+                          </a:rPr>
+                          <m:t>(</m:t>
+                        </m:r>
+                        <m:r>
+                          <a:rPr lang="en-US" i="1" dirty="0" smtClean="0">
+                            <a:latin typeface="Cambria Math" panose="02040503050406030204" pitchFamily="18" charset="0"/>
+                          </a:rPr>
+                          <m:t>𝑥</m:t>
+                        </m:r>
+                        <m:r>
+                          <a:rPr lang="en-US" i="1" dirty="0" smtClean="0">
+                            <a:latin typeface="Cambria Math" panose="02040503050406030204" pitchFamily="18" charset="0"/>
+                          </a:rPr>
+                          <m:t>)</m:t>
+                        </m:r>
+                      </m:num>
+                      <m:den>
+                        <m:r>
+                          <a:rPr lang="en-US" i="1" dirty="0" smtClean="0">
+                            <a:latin typeface="Cambria Math" panose="02040503050406030204" pitchFamily="18" charset="0"/>
+                          </a:rPr>
+                          <m:t>𝑠𝑡𝑎𝑛𝑑𝑎𝑟𝑑</m:t>
+                        </m:r>
+                        <m:r>
+                          <a:rPr lang="en-US" i="1" dirty="0" smtClean="0">
+                            <a:latin typeface="Cambria Math" panose="02040503050406030204" pitchFamily="18" charset="0"/>
+                          </a:rPr>
+                          <m:t> </m:t>
+                        </m:r>
+                        <m:r>
+                          <a:rPr lang="en-US" i="1" dirty="0" smtClean="0">
+                            <a:latin typeface="Cambria Math" panose="02040503050406030204" pitchFamily="18" charset="0"/>
+                          </a:rPr>
+                          <m:t>𝑑𝑒𝑣𝑖𝑎𝑡𝑖𝑜𝑛</m:t>
+                        </m:r>
+                        <m:r>
+                          <a:rPr lang="en-US" b="0" i="1" dirty="0" smtClean="0">
+                            <a:latin typeface="Cambria Math" panose="02040503050406030204" pitchFamily="18" charset="0"/>
+                          </a:rPr>
+                          <m:t>(</m:t>
+                        </m:r>
+                        <m:r>
+                          <a:rPr lang="en-US" b="0" i="1" dirty="0" smtClean="0">
+                            <a:latin typeface="Cambria Math" panose="02040503050406030204" pitchFamily="18" charset="0"/>
+                          </a:rPr>
+                          <m:t>𝑥</m:t>
+                        </m:r>
+                        <m:r>
+                          <a:rPr lang="en-US" b="0" i="1" dirty="0" smtClean="0">
+                            <a:latin typeface="Cambria Math" panose="02040503050406030204" pitchFamily="18" charset="0"/>
+                          </a:rPr>
+                          <m:t>)</m:t>
+                        </m:r>
+                        <m:r>
+                          <m:rPr>
+                            <m:nor/>
+                          </m:rPr>
+                          <a:rPr lang="en-US" dirty="0"/>
+                          <m:t> </m:t>
+                        </m:r>
+                      </m:den>
+                    </m:f>
+                  </m:oMath>
+                </a14:m>
+                <a:r>
+                  <a:rPr lang="en-US" dirty="0"/>
+                  <a:t>	a value in x – its mean / deviation(x)</a:t>
+                </a:r>
+              </a:p>
+              <a:p>
+                <a:pPr marL="0" indent="0">
+                  <a:buNone/>
+                </a:pPr>
+                <a:r>
+                  <a:rPr lang="en-US" dirty="0"/>
+                  <a:t>We are not using </a:t>
+                </a:r>
+                <a:r>
+                  <a:rPr lang="en-US" b="1" dirty="0"/>
+                  <a:t>standard deviation.  We are using population deviation</a:t>
+                </a:r>
+              </a:p>
+              <a:p>
+                <a:pPr marL="0" indent="0">
+                  <a:buNone/>
+                </a:pPr>
+                <a:r>
+                  <a:rPr lang="en-US" b="1" dirty="0"/>
+                  <a:t>	Standard Deviation		Population Deviation</a:t>
+                </a:r>
+              </a:p>
+            </p:txBody>
+          </p:sp>
+        </mc:Choice>
+        <mc:Fallback>
+          <p:sp>
+            <p:nvSpPr>
+              <p:cNvPr id="3" name="Content Placeholder 2">
+                <a:extLst>
+                  <a:ext uri="{FF2B5EF4-FFF2-40B4-BE49-F238E27FC236}">
+                    <a16:creationId xmlns:a16="http://schemas.microsoft.com/office/drawing/2014/main" id="{7866932E-B9A6-44D7-BC26-ED20239E1BB8}"/>
+                  </a:ext>
+                </a:extLst>
+              </p:cNvPr>
+              <p:cNvSpPr>
+                <a:spLocks noGrp="1" noRot="1" noChangeAspect="1" noMove="1" noResize="1" noEditPoints="1" noAdjustHandles="1" noChangeArrowheads="1" noChangeShapeType="1" noTextEdit="1"/>
+              </p:cNvSpPr>
+              <p:nvPr>
+                <p:ph idx="1"/>
+              </p:nvPr>
+            </p:nvSpPr>
+            <p:spPr>
+              <a:xfrm>
+                <a:off x="1202919" y="2018674"/>
+                <a:ext cx="9784080" cy="2031212"/>
+              </a:xfrm>
+              <a:blipFill>
+                <a:blip r:embed="rId3"/>
+                <a:stretch>
+                  <a:fillRect l="-810" t="-3904" b="-5405"/>
+                </a:stretch>
+              </a:blipFill>
+            </p:spPr>
+            <p:txBody>
+              <a:bodyPr/>
+              <a:lstStyle/>
+              <a:p>
+                <a:r>
+                  <a:rPr lang="en-US">
+                    <a:noFill/>
+                  </a:rPr>
+                  <a:t> </a:t>
+                </a:r>
+              </a:p>
+            </p:txBody>
+          </p:sp>
+        </mc:Fallback>
+      </mc:AlternateContent>
+      <p:pic>
+        <p:nvPicPr>
+          <p:cNvPr id="1026" name="Picture 2" descr="http://neurobiography.info/images/stats/population_sd.gif">
+            <a:extLst>
+              <a:ext uri="{FF2B5EF4-FFF2-40B4-BE49-F238E27FC236}">
+                <a16:creationId xmlns:a16="http://schemas.microsoft.com/office/drawing/2014/main" id="{380CA511-FA5C-4A2E-9EEC-1101DB2775D5}"/>
+              </a:ext>
+            </a:extLst>
+          </p:cNvPr>
+          <p:cNvPicPr>
+            <a:picLocks noChangeAspect="1" noChangeArrowheads="1"/>
+          </p:cNvPicPr>
+          <p:nvPr/>
+        </p:nvPicPr>
+        <p:blipFill>
+          <a:blip r:embed="rId4">
+            <a:extLst>
+              <a:ext uri="{28A0092B-C50C-407E-A947-70E740481C1C}">
+                <a14:useLocalDpi xmlns:a14="http://schemas.microsoft.com/office/drawing/2010/main" val="0"/>
+              </a:ext>
+            </a:extLst>
+          </a:blip>
+          <a:srcRect/>
+          <a:stretch>
+            <a:fillRect/>
+          </a:stretch>
+        </p:blipFill>
+        <p:spPr bwMode="auto">
+          <a:xfrm>
+            <a:off x="5731282" y="4049886"/>
+            <a:ext cx="3943350" cy="1581150"/>
+          </a:xfrm>
+          <a:prstGeom prst="rect">
+            <a:avLst/>
+          </a:prstGeom>
+          <a:noFill/>
+          <a:extLst>
+            <a:ext uri="{909E8E84-426E-40DD-AFC4-6F175D3DCCD1}">
+              <a14:hiddenFill xmlns:a14="http://schemas.microsoft.com/office/drawing/2010/main">
+                <a:solidFill>
+                  <a:srgbClr val="FFFFFF"/>
+                </a:solidFill>
+              </a14:hiddenFill>
+            </a:ext>
+          </a:extLst>
+        </p:spPr>
+      </p:pic>
+      <p:pic>
+        <p:nvPicPr>
+          <p:cNvPr id="1028" name="Picture 4" descr="Image result for standard deviation">
+            <a:extLst>
+              <a:ext uri="{FF2B5EF4-FFF2-40B4-BE49-F238E27FC236}">
+                <a16:creationId xmlns:a16="http://schemas.microsoft.com/office/drawing/2014/main" id="{B2A489A3-7565-4541-921A-102EFC612AE1}"/>
+              </a:ext>
+            </a:extLst>
+          </p:cNvPr>
+          <p:cNvPicPr>
+            <a:picLocks noChangeAspect="1" noChangeArrowheads="1"/>
+          </p:cNvPicPr>
+          <p:nvPr/>
+        </p:nvPicPr>
+        <p:blipFill>
+          <a:blip r:embed="rId5">
+            <a:extLst>
+              <a:ext uri="{28A0092B-C50C-407E-A947-70E740481C1C}">
+                <a14:useLocalDpi xmlns:a14="http://schemas.microsoft.com/office/drawing/2010/main" val="0"/>
+              </a:ext>
+            </a:extLst>
+          </a:blip>
+          <a:srcRect/>
+          <a:stretch>
+            <a:fillRect/>
+          </a:stretch>
+        </p:blipFill>
+        <p:spPr bwMode="auto">
+          <a:xfrm>
+            <a:off x="2017644" y="4050589"/>
+            <a:ext cx="2898913" cy="2031211"/>
+          </a:xfrm>
+          <a:prstGeom prst="rect">
+            <a:avLst/>
+          </a:prstGeom>
+          <a:noFill/>
+          <a:extLst>
+            <a:ext uri="{909E8E84-426E-40DD-AFC4-6F175D3DCCD1}">
+              <a14:hiddenFill xmlns:a14="http://schemas.microsoft.com/office/drawing/2010/main">
+                <a:solidFill>
+                  <a:srgbClr val="FFFFFF"/>
+                </a:solidFill>
+              </a14:hiddenFill>
+            </a:ext>
+          </a:extLst>
+        </p:spPr>
+      </p:pic>
+    </p:spTree>
+    <p:extLst>
+      <p:ext uri="{BB962C8B-B14F-4D97-AF65-F5344CB8AC3E}">
+        <p14:creationId xmlns:p14="http://schemas.microsoft.com/office/powerpoint/2010/main" val="497034654"/>
+      </p:ext>
+    </p:extLst>
+  </p:cSld>
+  <p:clrMapOvr>
+    <a:masterClrMapping/>
+  </p:clrMapOvr>
+</p:sld>
+</file>
+
+<file path=ppt/slides/slide6.xml><?xml version="1.0" encoding="utf-8"?>
+<p:sld xmlns:a="http://schemas.openxmlformats.org/drawingml/2006/main" xmlns:r="http://schemas.openxmlformats.org/officeDocument/2006/relationships" xmlns:p="http://schemas.openxmlformats.org/presentationml/2006/main">
+  <p:cSld>
+    <p:spTree>
+      <p:nvGrpSpPr>
+        <p:cNvPr id="1" name=""/>
+        <p:cNvGrpSpPr/>
+        <p:nvPr/>
+      </p:nvGrpSpPr>
+      <p:grpSpPr>
+        <a:xfrm>
+          <a:off x="0" y="0"/>
+          <a:ext cx="0" cy="0"/>
+          <a:chOff x="0" y="0"/>
+          <a:chExt cx="0" cy="0"/>
+        </a:xfrm>
+      </p:grpSpPr>
+      <p:sp>
+        <p:nvSpPr>
+          <p:cNvPr id="2" name="Title 1">
+            <a:extLst>
+              <a:ext uri="{FF2B5EF4-FFF2-40B4-BE49-F238E27FC236}">
+                <a16:creationId xmlns:a16="http://schemas.microsoft.com/office/drawing/2014/main" id="{ECB31150-FAD0-4990-AFA3-6270443ABDDC}"/>
+              </a:ext>
+            </a:extLst>
+          </p:cNvPr>
+          <p:cNvSpPr>
+            <a:spLocks noGrp="1"/>
+          </p:cNvSpPr>
+          <p:nvPr>
+            <p:ph type="title"/>
+          </p:nvPr>
+        </p:nvSpPr>
+        <p:spPr>
+          <a:xfrm>
+            <a:off x="1202919" y="660400"/>
+            <a:ext cx="9784080" cy="1132536"/>
+          </a:xfrm>
+        </p:spPr>
+        <p:txBody>
+          <a:bodyPr>
+            <a:normAutofit fontScale="90000"/>
+          </a:bodyPr>
+          <a:lstStyle/>
+          <a:p>
+            <a:r>
+              <a:rPr lang="en-US" dirty="0"/>
+              <a:t>Methods: Correction Factor</a:t>
+            </a:r>
+            <a:br>
+              <a:rPr lang="en-US" dirty="0"/>
+            </a:br>
+            <a:r>
+              <a:rPr lang="en-US" dirty="0">
+                <a:solidFill>
+                  <a:srgbClr val="FF0000"/>
+                </a:solidFill>
+              </a:rPr>
+              <a:t>sample deviation </a:t>
+            </a:r>
+            <a:r>
+              <a:rPr lang="en-US" dirty="0"/>
+              <a:t>VS </a:t>
+            </a:r>
+            <a:r>
+              <a:rPr lang="en-US" dirty="0">
+                <a:solidFill>
+                  <a:srgbClr val="00B050"/>
+                </a:solidFill>
+              </a:rPr>
+              <a:t>population deviation or </a:t>
+            </a:r>
+            <a:r>
+              <a:rPr lang="en-US" i="1" dirty="0">
+                <a:solidFill>
+                  <a:srgbClr val="00B050"/>
+                </a:solidFill>
+              </a:rPr>
+              <a:t>p</a:t>
+            </a:r>
+            <a:r>
+              <a:rPr lang="en-US" dirty="0">
+                <a:solidFill>
+                  <a:srgbClr val="00B050"/>
+                </a:solidFill>
+              </a:rPr>
+              <a:t>:</a:t>
+            </a:r>
+            <a:br>
+              <a:rPr lang="en-US" dirty="0"/>
+            </a:br>
+            <a:endParaRPr lang="en-US" dirty="0"/>
+          </a:p>
+        </p:txBody>
+      </p:sp>
+      <p:pic>
+        <p:nvPicPr>
+          <p:cNvPr id="6" name="Picture 5">
+            <a:extLst>
+              <a:ext uri="{FF2B5EF4-FFF2-40B4-BE49-F238E27FC236}">
+                <a16:creationId xmlns:a16="http://schemas.microsoft.com/office/drawing/2014/main" id="{CA923E0E-3E99-4222-AE77-ED0B5CDDAC4F}"/>
+              </a:ext>
+            </a:extLst>
+          </p:cNvPr>
+          <p:cNvPicPr>
+            <a:picLocks noChangeAspect="1"/>
+          </p:cNvPicPr>
+          <p:nvPr/>
+        </p:nvPicPr>
+        <p:blipFill>
+          <a:blip r:embed="rId3"/>
+          <a:stretch>
+            <a:fillRect/>
+          </a:stretch>
+        </p:blipFill>
+        <p:spPr>
+          <a:xfrm>
+            <a:off x="2041747" y="1916554"/>
+            <a:ext cx="7069836" cy="4641570"/>
+          </a:xfrm>
+          <a:prstGeom prst="rect">
+            <a:avLst/>
+          </a:prstGeom>
+        </p:spPr>
+      </p:pic>
+      <mc:AlternateContent xmlns:mc="http://schemas.openxmlformats.org/markup-compatibility/2006">
+        <mc:Choice xmlns:a14="http://schemas.microsoft.com/office/drawing/2010/main" Requires="a14">
+          <p:sp>
+            <p:nvSpPr>
+              <p:cNvPr id="7" name="TextBox 6">
+                <a:extLst>
+                  <a:ext uri="{FF2B5EF4-FFF2-40B4-BE49-F238E27FC236}">
+                    <a16:creationId xmlns:a16="http://schemas.microsoft.com/office/drawing/2014/main" id="{AF77DBE1-5635-4528-8C5F-AF488B3D7CDA}"/>
+                  </a:ext>
+                </a:extLst>
+              </p:cNvPr>
+              <p:cNvSpPr txBox="1"/>
+              <p:nvPr/>
+            </p:nvSpPr>
+            <p:spPr>
+              <a:xfrm>
+                <a:off x="6452679" y="5342800"/>
+                <a:ext cx="459129" cy="276999"/>
+              </a:xfrm>
+              <a:prstGeom prst="rect">
+                <a:avLst/>
+              </a:prstGeom>
+              <a:noFill/>
+            </p:spPr>
+            <p:txBody>
+              <a:bodyPr wrap="square" lIns="0" tIns="0" rIns="0" bIns="0" rtlCol="0">
+                <a:spAutoFit/>
+              </a:bodyPr>
+              <a:lstStyle/>
+              <a:p>
+                <a:pPr/>
+                <a14:m>
+                  <m:oMathPara xmlns:m="http://schemas.openxmlformats.org/officeDocument/2006/math">
+                    <m:oMathParaPr>
+                      <m:jc m:val="centerGroup"/>
+                    </m:oMathParaPr>
+                    <m:oMath xmlns:m="http://schemas.openxmlformats.org/officeDocument/2006/math">
+                      <m:r>
+                        <a:rPr lang="en-US" i="1" smtClean="0">
+                          <a:solidFill>
+                            <a:srgbClr val="FF0000"/>
+                          </a:solidFill>
+                          <a:latin typeface="Cambria Math" panose="02040503050406030204" pitchFamily="18" charset="0"/>
+                          <a:ea typeface="Cambria Math" panose="02040503050406030204" pitchFamily="18" charset="0"/>
+                        </a:rPr>
+                        <m:t>𝜎</m:t>
+                      </m:r>
+                    </m:oMath>
+                  </m:oMathPara>
+                </a14:m>
+                <a:endParaRPr lang="en-US" dirty="0">
+                  <a:solidFill>
+                    <a:srgbClr val="FF0000"/>
+                  </a:solidFill>
+                </a:endParaRPr>
+              </a:p>
+            </p:txBody>
+          </p:sp>
+        </mc:Choice>
+        <mc:Fallback>
+          <p:sp>
+            <p:nvSpPr>
+              <p:cNvPr id="7" name="TextBox 6">
+                <a:extLst>
+                  <a:ext uri="{FF2B5EF4-FFF2-40B4-BE49-F238E27FC236}">
+                    <a16:creationId xmlns:a16="http://schemas.microsoft.com/office/drawing/2014/main" id="{AF77DBE1-5635-4528-8C5F-AF488B3D7CDA}"/>
+                  </a:ext>
+                </a:extLst>
+              </p:cNvPr>
+              <p:cNvSpPr txBox="1">
+                <a:spLocks noRot="1" noChangeAspect="1" noMove="1" noResize="1" noEditPoints="1" noAdjustHandles="1" noChangeArrowheads="1" noChangeShapeType="1" noTextEdit="1"/>
+              </p:cNvSpPr>
+              <p:nvPr/>
+            </p:nvSpPr>
+            <p:spPr>
+              <a:xfrm>
+                <a:off x="6452679" y="5342800"/>
+                <a:ext cx="459129" cy="276999"/>
+              </a:xfrm>
+              <a:prstGeom prst="rect">
+                <a:avLst/>
+              </a:prstGeom>
+              <a:blipFill>
+                <a:blip r:embed="rId4"/>
+                <a:stretch>
+                  <a:fillRect/>
+                </a:stretch>
+              </a:blipFill>
+            </p:spPr>
+            <p:txBody>
+              <a:bodyPr/>
+              <a:lstStyle/>
+              <a:p>
+                <a:r>
+                  <a:rPr lang="en-US">
+                    <a:noFill/>
+                  </a:rPr>
+                  <a:t> </a:t>
+                </a:r>
+              </a:p>
+            </p:txBody>
+          </p:sp>
+        </mc:Fallback>
+      </mc:AlternateContent>
+      <mc:AlternateContent xmlns:mc="http://schemas.openxmlformats.org/markup-compatibility/2006">
+        <mc:Choice xmlns:a14="http://schemas.microsoft.com/office/drawing/2010/main" Requires="a14">
+          <p:sp>
+            <p:nvSpPr>
+              <p:cNvPr id="10" name="TextBox 9">
+                <a:extLst>
+                  <a:ext uri="{FF2B5EF4-FFF2-40B4-BE49-F238E27FC236}">
+                    <a16:creationId xmlns:a16="http://schemas.microsoft.com/office/drawing/2014/main" id="{991F61F9-F379-4216-A9E0-933377E4B76D}"/>
+                  </a:ext>
+                </a:extLst>
+              </p:cNvPr>
+              <p:cNvSpPr txBox="1"/>
+              <p:nvPr/>
+            </p:nvSpPr>
+            <p:spPr>
+              <a:xfrm>
+                <a:off x="7552566" y="5342800"/>
+                <a:ext cx="459129" cy="276999"/>
+              </a:xfrm>
+              <a:prstGeom prst="rect">
+                <a:avLst/>
+              </a:prstGeom>
+              <a:noFill/>
+            </p:spPr>
+            <p:txBody>
+              <a:bodyPr wrap="square" lIns="0" tIns="0" rIns="0" bIns="0" rtlCol="0">
+                <a:spAutoFit/>
+              </a:bodyPr>
+              <a:lstStyle/>
+              <a:p>
+                <a:pPr/>
+                <a14:m>
+                  <m:oMathPara xmlns:m="http://schemas.openxmlformats.org/officeDocument/2006/math">
+                    <m:oMathParaPr>
+                      <m:jc m:val="centerGroup"/>
+                    </m:oMathParaPr>
+                    <m:oMath xmlns:m="http://schemas.openxmlformats.org/officeDocument/2006/math">
+                      <m:r>
+                        <a:rPr lang="en-US" i="1" smtClean="0">
+                          <a:solidFill>
+                            <a:srgbClr val="FF0000"/>
+                          </a:solidFill>
+                          <a:latin typeface="Cambria Math" panose="02040503050406030204" pitchFamily="18" charset="0"/>
+                          <a:ea typeface="Cambria Math" panose="02040503050406030204" pitchFamily="18" charset="0"/>
+                        </a:rPr>
+                        <m:t>2</m:t>
+                      </m:r>
+                      <m:r>
+                        <a:rPr lang="en-US" i="1" smtClean="0">
+                          <a:solidFill>
+                            <a:srgbClr val="FF0000"/>
+                          </a:solidFill>
+                          <a:latin typeface="Cambria Math" panose="02040503050406030204" pitchFamily="18" charset="0"/>
+                          <a:ea typeface="Cambria Math" panose="02040503050406030204" pitchFamily="18" charset="0"/>
+                        </a:rPr>
+                        <m:t>𝜎</m:t>
+                      </m:r>
+                    </m:oMath>
+                  </m:oMathPara>
+                </a14:m>
+                <a:endParaRPr lang="en-US" dirty="0">
+                  <a:solidFill>
+                    <a:srgbClr val="FF0000"/>
+                  </a:solidFill>
+                </a:endParaRPr>
+              </a:p>
+            </p:txBody>
+          </p:sp>
+        </mc:Choice>
+        <mc:Fallback>
+          <p:sp>
+            <p:nvSpPr>
+              <p:cNvPr id="10" name="TextBox 9">
+                <a:extLst>
+                  <a:ext uri="{FF2B5EF4-FFF2-40B4-BE49-F238E27FC236}">
+                    <a16:creationId xmlns:a16="http://schemas.microsoft.com/office/drawing/2014/main" id="{991F61F9-F379-4216-A9E0-933377E4B76D}"/>
+                  </a:ext>
+                </a:extLst>
+              </p:cNvPr>
+              <p:cNvSpPr txBox="1">
+                <a:spLocks noRot="1" noChangeAspect="1" noMove="1" noResize="1" noEditPoints="1" noAdjustHandles="1" noChangeArrowheads="1" noChangeShapeType="1" noTextEdit="1"/>
+              </p:cNvSpPr>
+              <p:nvPr/>
+            </p:nvSpPr>
+            <p:spPr>
+              <a:xfrm>
+                <a:off x="7552566" y="5342800"/>
+                <a:ext cx="459129" cy="276999"/>
+              </a:xfrm>
+              <a:prstGeom prst="rect">
+                <a:avLst/>
+              </a:prstGeom>
+              <a:blipFill>
+                <a:blip r:embed="rId5"/>
+                <a:stretch>
+                  <a:fillRect b="-6522"/>
+                </a:stretch>
+              </a:blipFill>
+            </p:spPr>
+            <p:txBody>
+              <a:bodyPr/>
+              <a:lstStyle/>
+              <a:p>
+                <a:r>
+                  <a:rPr lang="en-US">
+                    <a:noFill/>
+                  </a:rPr>
+                  <a:t> </a:t>
+                </a:r>
+              </a:p>
+            </p:txBody>
+          </p:sp>
+        </mc:Fallback>
+      </mc:AlternateContent>
+      <mc:AlternateContent xmlns:mc="http://schemas.openxmlformats.org/markup-compatibility/2006">
+        <mc:Choice xmlns:a14="http://schemas.microsoft.com/office/drawing/2010/main" Requires="a14">
+          <p:sp>
+            <p:nvSpPr>
+              <p:cNvPr id="11" name="TextBox 10">
+                <a:extLst>
+                  <a:ext uri="{FF2B5EF4-FFF2-40B4-BE49-F238E27FC236}">
+                    <a16:creationId xmlns:a16="http://schemas.microsoft.com/office/drawing/2014/main" id="{282D8B07-5657-4313-81BB-FC405FBEC44E}"/>
+                  </a:ext>
+                </a:extLst>
+              </p:cNvPr>
+              <p:cNvSpPr txBox="1"/>
+              <p:nvPr/>
+            </p:nvSpPr>
+            <p:spPr>
+              <a:xfrm>
+                <a:off x="8548943" y="5204300"/>
+                <a:ext cx="2182011" cy="553998"/>
+              </a:xfrm>
+              <a:prstGeom prst="rect">
+                <a:avLst/>
+              </a:prstGeom>
+              <a:noFill/>
+            </p:spPr>
+            <p:txBody>
+              <a:bodyPr wrap="square" lIns="0" tIns="0" rIns="0" bIns="0" rtlCol="0">
+                <a:spAutoFit/>
+              </a:bodyPr>
+              <a:lstStyle/>
+              <a:p>
+                <a14:m>
+                  <m:oMath xmlns:m="http://schemas.openxmlformats.org/officeDocument/2006/math">
+                    <m:r>
+                      <a:rPr lang="en-US" b="0" i="1" smtClean="0">
+                        <a:solidFill>
+                          <a:srgbClr val="FF0000"/>
+                        </a:solidFill>
+                        <a:latin typeface="Cambria Math" panose="02040503050406030204" pitchFamily="18" charset="0"/>
+                        <a:ea typeface="Cambria Math" panose="02040503050406030204" pitchFamily="18" charset="0"/>
+                      </a:rPr>
+                      <m:t>3</m:t>
+                    </m:r>
+                    <m:r>
+                      <a:rPr lang="en-US" i="1" smtClean="0">
+                        <a:solidFill>
+                          <a:srgbClr val="FF0000"/>
+                        </a:solidFill>
+                        <a:latin typeface="Cambria Math" panose="02040503050406030204" pitchFamily="18" charset="0"/>
+                        <a:ea typeface="Cambria Math" panose="02040503050406030204" pitchFamily="18" charset="0"/>
+                      </a:rPr>
+                      <m:t>𝜎</m:t>
+                    </m:r>
+                  </m:oMath>
+                </a14:m>
+                <a:r>
+                  <a:rPr lang="en-US" dirty="0"/>
+                  <a:t> </a:t>
+                </a:r>
+                <a:r>
+                  <a:rPr lang="en-US" dirty="0">
+                    <a:solidFill>
+                      <a:schemeClr val="bg1"/>
+                    </a:solidFill>
+                  </a:rPr>
+                  <a:t>or 3.1 deviations from the mean</a:t>
+                </a:r>
+              </a:p>
+            </p:txBody>
+          </p:sp>
+        </mc:Choice>
+        <mc:Fallback>
+          <p:sp>
+            <p:nvSpPr>
+              <p:cNvPr id="11" name="TextBox 10">
+                <a:extLst>
+                  <a:ext uri="{FF2B5EF4-FFF2-40B4-BE49-F238E27FC236}">
+                    <a16:creationId xmlns:a16="http://schemas.microsoft.com/office/drawing/2014/main" id="{282D8B07-5657-4313-81BB-FC405FBEC44E}"/>
+                  </a:ext>
+                </a:extLst>
+              </p:cNvPr>
+              <p:cNvSpPr txBox="1">
+                <a:spLocks noRot="1" noChangeAspect="1" noMove="1" noResize="1" noEditPoints="1" noAdjustHandles="1" noChangeArrowheads="1" noChangeShapeType="1" noTextEdit="1"/>
+              </p:cNvSpPr>
+              <p:nvPr/>
+            </p:nvSpPr>
+            <p:spPr>
+              <a:xfrm>
+                <a:off x="8548943" y="5204300"/>
+                <a:ext cx="2182011" cy="553998"/>
+              </a:xfrm>
+              <a:prstGeom prst="rect">
+                <a:avLst/>
+              </a:prstGeom>
+              <a:blipFill>
+                <a:blip r:embed="rId6"/>
+                <a:stretch>
+                  <a:fillRect l="-6425" t="-14286" b="-24176"/>
+                </a:stretch>
+              </a:blipFill>
+            </p:spPr>
+            <p:txBody>
+              <a:bodyPr/>
+              <a:lstStyle/>
+              <a:p>
+                <a:r>
+                  <a:rPr lang="en-US">
+                    <a:noFill/>
+                  </a:rPr>
+                  <a:t> </a:t>
+                </a:r>
+              </a:p>
+            </p:txBody>
+          </p:sp>
+        </mc:Fallback>
+      </mc:AlternateContent>
+      <mc:AlternateContent xmlns:mc="http://schemas.openxmlformats.org/markup-compatibility/2006">
+        <mc:Choice xmlns:a14="http://schemas.microsoft.com/office/drawing/2010/main" Requires="a14">
+          <p:sp>
+            <p:nvSpPr>
+              <p:cNvPr id="12" name="TextBox 11">
+                <a:extLst>
+                  <a:ext uri="{FF2B5EF4-FFF2-40B4-BE49-F238E27FC236}">
+                    <a16:creationId xmlns:a16="http://schemas.microsoft.com/office/drawing/2014/main" id="{75692CEF-8BAE-4FCA-9684-5D51AE3CAB3F}"/>
+                  </a:ext>
+                </a:extLst>
+              </p:cNvPr>
+              <p:cNvSpPr txBox="1"/>
+              <p:nvPr/>
+            </p:nvSpPr>
+            <p:spPr>
+              <a:xfrm>
+                <a:off x="4373301" y="2086688"/>
+                <a:ext cx="770404" cy="818366"/>
+              </a:xfrm>
+              <a:prstGeom prst="rect">
+                <a:avLst/>
+              </a:prstGeom>
+              <a:noFill/>
+            </p:spPr>
+            <p:txBody>
+              <a:bodyPr wrap="none" lIns="0" tIns="0" rIns="0" bIns="0" rtlCol="0">
+                <a:spAutoFit/>
+              </a:bodyPr>
+              <a:lstStyle/>
+              <a:p>
+                <a:pPr/>
+                <a14:m>
+                  <m:oMathPara xmlns:m="http://schemas.openxmlformats.org/officeDocument/2006/math">
+                    <m:oMathParaPr>
+                      <m:jc m:val="centerGroup"/>
+                    </m:oMathParaPr>
+                    <m:oMath xmlns:m="http://schemas.openxmlformats.org/officeDocument/2006/math">
+                      <m:rad>
+                        <m:radPr>
+                          <m:degHide m:val="on"/>
+                          <m:ctrlPr>
+                            <a:rPr lang="en-US" i="1" smtClean="0">
+                              <a:solidFill>
+                                <a:schemeClr val="bg1"/>
+                              </a:solidFill>
+                              <a:latin typeface="Cambria Math" panose="02040503050406030204" pitchFamily="18" charset="0"/>
+                            </a:rPr>
+                          </m:ctrlPr>
+                        </m:radPr>
+                        <m:deg/>
+                        <m:e>
+                          <m:f>
+                            <m:fPr>
+                              <m:ctrlPr>
+                                <a:rPr lang="en-US" b="0" i="1" smtClean="0">
+                                  <a:solidFill>
+                                    <a:schemeClr val="bg1"/>
+                                  </a:solidFill>
+                                  <a:latin typeface="Cambria Math" panose="02040503050406030204" pitchFamily="18" charset="0"/>
+                                </a:rPr>
+                              </m:ctrlPr>
+                            </m:fPr>
+                            <m:num>
+                              <m:r>
+                                <a:rPr lang="en-US" b="0" i="1" smtClean="0">
+                                  <a:solidFill>
+                                    <a:schemeClr val="bg1"/>
+                                  </a:solidFill>
+                                  <a:latin typeface="Cambria Math" panose="02040503050406030204" pitchFamily="18" charset="0"/>
+                                </a:rPr>
+                                <m:t>𝑛</m:t>
+                              </m:r>
+                              <m:r>
+                                <a:rPr lang="en-US" b="0" i="1" smtClean="0">
+                                  <a:solidFill>
+                                    <a:schemeClr val="bg1"/>
+                                  </a:solidFill>
+                                  <a:latin typeface="Cambria Math" panose="02040503050406030204" pitchFamily="18" charset="0"/>
+                                </a:rPr>
+                                <m:t>−1</m:t>
+                              </m:r>
+                            </m:num>
+                            <m:den>
+                              <m:r>
+                                <a:rPr lang="en-US" b="0" i="1" smtClean="0">
+                                  <a:solidFill>
+                                    <a:schemeClr val="bg1"/>
+                                  </a:solidFill>
+                                  <a:latin typeface="Cambria Math" panose="02040503050406030204" pitchFamily="18" charset="0"/>
+                                </a:rPr>
+                                <m:t>𝑛</m:t>
+                              </m:r>
+                            </m:den>
+                          </m:f>
+                        </m:e>
+                      </m:rad>
+                    </m:oMath>
+                  </m:oMathPara>
+                </a14:m>
+                <a:endParaRPr lang="en-US" dirty="0">
+                  <a:solidFill>
+                    <a:schemeClr val="bg1"/>
+                  </a:solidFill>
+                </a:endParaRPr>
+              </a:p>
+            </p:txBody>
+          </p:sp>
+        </mc:Choice>
+        <mc:Fallback>
+          <p:sp>
+            <p:nvSpPr>
+              <p:cNvPr id="12" name="TextBox 11">
+                <a:extLst>
+                  <a:ext uri="{FF2B5EF4-FFF2-40B4-BE49-F238E27FC236}">
+                    <a16:creationId xmlns:a16="http://schemas.microsoft.com/office/drawing/2014/main" id="{75692CEF-8BAE-4FCA-9684-5D51AE3CAB3F}"/>
+                  </a:ext>
+                </a:extLst>
+              </p:cNvPr>
+              <p:cNvSpPr txBox="1">
+                <a:spLocks noRot="1" noChangeAspect="1" noMove="1" noResize="1" noEditPoints="1" noAdjustHandles="1" noChangeArrowheads="1" noChangeShapeType="1" noTextEdit="1"/>
+              </p:cNvSpPr>
+              <p:nvPr/>
+            </p:nvSpPr>
+            <p:spPr>
+              <a:xfrm>
+                <a:off x="4373301" y="2086688"/>
+                <a:ext cx="770404" cy="818366"/>
+              </a:xfrm>
+              <a:prstGeom prst="rect">
+                <a:avLst/>
+              </a:prstGeom>
+              <a:blipFill>
+                <a:blip r:embed="rId7"/>
+                <a:stretch>
+                  <a:fillRect/>
+                </a:stretch>
+              </a:blipFill>
+            </p:spPr>
+            <p:txBody>
+              <a:bodyPr/>
+              <a:lstStyle/>
+              <a:p>
+                <a:r>
+                  <a:rPr lang="en-US">
+                    <a:noFill/>
+                  </a:rPr>
+                  <a:t> </a:t>
+                </a:r>
+              </a:p>
+            </p:txBody>
+          </p:sp>
+        </mc:Fallback>
+      </mc:AlternateContent>
+      <p:cxnSp>
+        <p:nvCxnSpPr>
+          <p:cNvPr id="14" name="Straight Arrow Connector 13">
+            <a:extLst>
+              <a:ext uri="{FF2B5EF4-FFF2-40B4-BE49-F238E27FC236}">
+                <a16:creationId xmlns:a16="http://schemas.microsoft.com/office/drawing/2014/main" id="{4369BFC2-97D6-40E3-A058-64E6CA46C335}"/>
+              </a:ext>
+            </a:extLst>
+          </p:cNvPr>
+          <p:cNvCxnSpPr/>
+          <p:nvPr/>
+        </p:nvCxnSpPr>
+        <p:spPr>
+          <a:xfrm flipV="1">
+            <a:off x="5541620" y="2204301"/>
+            <a:ext cx="0" cy="706758"/>
+          </a:xfrm>
+          <a:prstGeom prst="straightConnector1">
+            <a:avLst/>
+          </a:prstGeom>
+          <a:ln w="57150">
+            <a:headEnd type="triangle"/>
+            <a:tailEnd type="triangle"/>
+          </a:ln>
+        </p:spPr>
+        <p:style>
+          <a:lnRef idx="1">
+            <a:schemeClr val="dk1"/>
+          </a:lnRef>
+          <a:fillRef idx="0">
+            <a:schemeClr val="dk1"/>
+          </a:fillRef>
+          <a:effectRef idx="0">
+            <a:schemeClr val="dk1"/>
+          </a:effectRef>
+          <a:fontRef idx="minor">
+            <a:schemeClr val="tx1"/>
+          </a:fontRef>
+        </p:style>
+      </p:cxnSp>
+      <p:sp>
+        <p:nvSpPr>
+          <p:cNvPr id="15" name="TextBox 14">
+            <a:extLst>
+              <a:ext uri="{FF2B5EF4-FFF2-40B4-BE49-F238E27FC236}">
+                <a16:creationId xmlns:a16="http://schemas.microsoft.com/office/drawing/2014/main" id="{AC3C7125-9F80-4422-B14B-AF77F8E4351F}"/>
+              </a:ext>
+            </a:extLst>
+          </p:cNvPr>
+          <p:cNvSpPr txBox="1"/>
+          <p:nvPr/>
+        </p:nvSpPr>
+        <p:spPr>
+          <a:xfrm>
+            <a:off x="2041747" y="2172706"/>
+            <a:ext cx="2191082" cy="646331"/>
+          </a:xfrm>
+          <a:prstGeom prst="rect">
+            <a:avLst/>
+          </a:prstGeom>
+          <a:noFill/>
+        </p:spPr>
+        <p:txBody>
+          <a:bodyPr wrap="square" rtlCol="0">
+            <a:spAutoFit/>
+          </a:bodyPr>
+          <a:lstStyle/>
+          <a:p>
+            <a:r>
+              <a:rPr lang="en-US" dirty="0">
+                <a:solidFill>
+                  <a:schemeClr val="bg1"/>
+                </a:solidFill>
+              </a:rPr>
+              <a:t>We just need to multiply by the </a:t>
+            </a:r>
+          </a:p>
+        </p:txBody>
+      </p:sp>
+      <mc:AlternateContent xmlns:mc="http://schemas.openxmlformats.org/markup-compatibility/2006">
+        <mc:Choice xmlns:a14="http://schemas.microsoft.com/office/drawing/2010/main" Requires="a14">
+          <p:sp>
+            <p:nvSpPr>
+              <p:cNvPr id="3" name="Rectangle 2">
+                <a:extLst>
+                  <a:ext uri="{FF2B5EF4-FFF2-40B4-BE49-F238E27FC236}">
+                    <a16:creationId xmlns:a16="http://schemas.microsoft.com/office/drawing/2014/main" id="{EC5C8453-9E34-46F9-A5EA-256F23FAE2F6}"/>
+                  </a:ext>
+                </a:extLst>
+              </p:cNvPr>
+              <p:cNvSpPr/>
+              <p:nvPr/>
+            </p:nvSpPr>
+            <p:spPr>
+              <a:xfrm>
+                <a:off x="2182219" y="2819037"/>
+                <a:ext cx="955069" cy="910699"/>
+              </a:xfrm>
+              <a:prstGeom prst="rect">
+                <a:avLst/>
+              </a:prstGeom>
+            </p:spPr>
+            <p:txBody>
+              <a:bodyPr wrap="none">
+                <a:spAutoFit/>
+              </a:bodyPr>
+              <a:lstStyle/>
+              <a:p>
+                <a:pPr/>
+                <a14:m>
+                  <m:oMathPara xmlns:m="http://schemas.openxmlformats.org/officeDocument/2006/math">
+                    <m:oMathParaPr>
+                      <m:jc m:val="centerGroup"/>
+                    </m:oMathParaPr>
+                    <m:oMath xmlns:m="http://schemas.openxmlformats.org/officeDocument/2006/math">
+                      <m:rad>
+                        <m:radPr>
+                          <m:degHide m:val="on"/>
+                          <m:ctrlPr>
+                            <a:rPr lang="en-US" i="1" smtClean="0">
+                              <a:solidFill>
+                                <a:schemeClr val="bg1"/>
+                              </a:solidFill>
+                              <a:latin typeface="Cambria Math" panose="02040503050406030204" pitchFamily="18" charset="0"/>
+                            </a:rPr>
+                          </m:ctrlPr>
+                        </m:radPr>
+                        <m:deg/>
+                        <m:e>
+                          <m:f>
+                            <m:fPr>
+                              <m:ctrlPr>
+                                <a:rPr lang="en-US" i="1">
+                                  <a:solidFill>
+                                    <a:schemeClr val="bg1"/>
+                                  </a:solidFill>
+                                  <a:latin typeface="Cambria Math" panose="02040503050406030204" pitchFamily="18" charset="0"/>
+                                </a:rPr>
+                              </m:ctrlPr>
+                            </m:fPr>
+                            <m:num>
+                              <m:r>
+                                <a:rPr lang="en-US" i="1">
+                                  <a:solidFill>
+                                    <a:schemeClr val="bg1"/>
+                                  </a:solidFill>
+                                  <a:latin typeface="Cambria Math" panose="02040503050406030204" pitchFamily="18" charset="0"/>
+                                </a:rPr>
+                                <m:t>𝑛</m:t>
+                              </m:r>
+                              <m:r>
+                                <a:rPr lang="en-US" i="1">
+                                  <a:solidFill>
+                                    <a:schemeClr val="bg1"/>
+                                  </a:solidFill>
+                                  <a:latin typeface="Cambria Math" panose="02040503050406030204" pitchFamily="18" charset="0"/>
+                                </a:rPr>
+                                <m:t>−1</m:t>
+                              </m:r>
+                            </m:num>
+                            <m:den>
+                              <m:r>
+                                <a:rPr lang="en-US" i="1">
+                                  <a:solidFill>
+                                    <a:schemeClr val="bg1"/>
+                                  </a:solidFill>
+                                  <a:latin typeface="Cambria Math" panose="02040503050406030204" pitchFamily="18" charset="0"/>
+                                </a:rPr>
+                                <m:t>𝑛</m:t>
+                              </m:r>
+                            </m:den>
+                          </m:f>
+                        </m:e>
+                      </m:rad>
+                    </m:oMath>
+                  </m:oMathPara>
+                </a14:m>
+                <a:endParaRPr lang="en-US" dirty="0"/>
+              </a:p>
+            </p:txBody>
+          </p:sp>
+        </mc:Choice>
+        <mc:Fallback>
+          <p:sp>
+            <p:nvSpPr>
+              <p:cNvPr id="3" name="Rectangle 2">
+                <a:extLst>
+                  <a:ext uri="{FF2B5EF4-FFF2-40B4-BE49-F238E27FC236}">
+                    <a16:creationId xmlns:a16="http://schemas.microsoft.com/office/drawing/2014/main" id="{EC5C8453-9E34-46F9-A5EA-256F23FAE2F6}"/>
+                  </a:ext>
+                </a:extLst>
+              </p:cNvPr>
+              <p:cNvSpPr>
+                <a:spLocks noRot="1" noChangeAspect="1" noMove="1" noResize="1" noEditPoints="1" noAdjustHandles="1" noChangeArrowheads="1" noChangeShapeType="1" noTextEdit="1"/>
+              </p:cNvSpPr>
+              <p:nvPr/>
+            </p:nvSpPr>
+            <p:spPr>
+              <a:xfrm>
+                <a:off x="2182219" y="2819037"/>
+                <a:ext cx="955069" cy="910699"/>
+              </a:xfrm>
+              <a:prstGeom prst="rect">
+                <a:avLst/>
+              </a:prstGeom>
+              <a:blipFill>
+                <a:blip r:embed="rId8"/>
+                <a:stretch>
+                  <a:fillRect/>
+                </a:stretch>
+              </a:blipFill>
+            </p:spPr>
+            <p:txBody>
+              <a:bodyPr/>
+              <a:lstStyle/>
+              <a:p>
+                <a:r>
+                  <a:rPr lang="en-US">
+                    <a:noFill/>
+                  </a:rPr>
+                  <a:t> </a:t>
+                </a:r>
+              </a:p>
+            </p:txBody>
+          </p:sp>
+        </mc:Fallback>
+      </mc:AlternateContent>
+    </p:spTree>
+    <p:extLst>
+      <p:ext uri="{BB962C8B-B14F-4D97-AF65-F5344CB8AC3E}">
+        <p14:creationId xmlns:p14="http://schemas.microsoft.com/office/powerpoint/2010/main" val="1513037203"/>
+      </p:ext>
+    </p:extLst>
+  </p:cSld>
+  <p:clrMapOvr>
+    <a:masterClrMapping/>
+  </p:clrMapOvr>
+</p:sld>
+</file>
+
+<file path=ppt/slides/slide7.xml><?xml version="1.0" encoding="utf-8"?>
+<p:sld xmlns:a="http://schemas.openxmlformats.org/drawingml/2006/main" xmlns:r="http://schemas.openxmlformats.org/officeDocument/2006/relationships" xmlns:p="http://schemas.openxmlformats.org/presentationml/2006/main">
+  <p:cSld>
+    <p:spTree>
+      <p:nvGrpSpPr>
+        <p:cNvPr id="1" name=""/>
+        <p:cNvGrpSpPr/>
+        <p:nvPr/>
+      </p:nvGrpSpPr>
+      <p:grpSpPr>
+        <a:xfrm>
+          <a:off x="0" y="0"/>
+          <a:ext cx="0" cy="0"/>
+          <a:chOff x="0" y="0"/>
+          <a:chExt cx="0" cy="0"/>
+        </a:xfrm>
+      </p:grpSpPr>
+      <p:sp>
+        <p:nvSpPr>
+          <p:cNvPr id="2" name="Title 1">
+            <a:extLst>
+              <a:ext uri="{FF2B5EF4-FFF2-40B4-BE49-F238E27FC236}">
                 <a16:creationId xmlns:a16="http://schemas.microsoft.com/office/drawing/2014/main" id="{22C3D084-8C48-471A-82AC-DC1020C8BD22}"/>
               </a:ext>
             </a:extLst>
@@ -4881,7 +7699,13 @@
           <a:p>
             <a:r>
               <a:rPr lang="en-US" dirty="0"/>
-              <a:t>Plots</a:t>
+              <a:t>Do the step but with the Correction factor:  </a:t>
+            </a:r>
+          </a:p>
+          <a:p>
+            <a:r>
+              <a:rPr lang="en-US" dirty="0"/>
+              <a:t>Plots: then we plotted our results</a:t>
             </a:r>
           </a:p>
           <a:p>
@@ -4922,6 +7746,158 @@
           </a:p>
         </p:txBody>
       </p:sp>
+      <mc:AlternateContent xmlns:mc="http://schemas.openxmlformats.org/markup-compatibility/2006">
+        <mc:Choice xmlns:a14="http://schemas.microsoft.com/office/drawing/2010/main" Requires="a14">
+          <p:sp>
+            <p:nvSpPr>
+              <p:cNvPr id="4" name="Rectangle 3">
+                <a:extLst>
+                  <a:ext uri="{FF2B5EF4-FFF2-40B4-BE49-F238E27FC236}">
+                    <a16:creationId xmlns:a16="http://schemas.microsoft.com/office/drawing/2014/main" id="{992F2C7E-32CA-49A3-9649-D130B3056568}"/>
+                  </a:ext>
+                </a:extLst>
+              </p:cNvPr>
+              <p:cNvSpPr/>
+              <p:nvPr/>
+            </p:nvSpPr>
+            <p:spPr>
+              <a:xfrm>
+                <a:off x="6236059" y="1797712"/>
+                <a:ext cx="955069" cy="910699"/>
+              </a:xfrm>
+              <a:prstGeom prst="rect">
+                <a:avLst/>
+              </a:prstGeom>
+            </p:spPr>
+            <p:txBody>
+              <a:bodyPr wrap="none">
+                <a:spAutoFit/>
+              </a:bodyPr>
+              <a:lstStyle/>
+              <a:p>
+                <a:pPr/>
+                <a14:m>
+                  <m:oMathPara xmlns:m="http://schemas.openxmlformats.org/officeDocument/2006/math">
+                    <m:oMathParaPr>
+                      <m:jc m:val="centerGroup"/>
+                    </m:oMathParaPr>
+                    <m:oMath xmlns:m="http://schemas.openxmlformats.org/officeDocument/2006/math">
+                      <m:rad>
+                        <m:radPr>
+                          <m:degHide m:val="on"/>
+                          <m:ctrlPr>
+                            <a:rPr lang="en-US" i="1" smtClean="0">
+                              <a:solidFill>
+                                <a:schemeClr val="tx1"/>
+                              </a:solidFill>
+                              <a:latin typeface="Cambria Math" panose="02040503050406030204" pitchFamily="18" charset="0"/>
+                            </a:rPr>
+                          </m:ctrlPr>
+                        </m:radPr>
+                        <m:deg/>
+                        <m:e>
+                          <m:f>
+                            <m:fPr>
+                              <m:ctrlPr>
+                                <a:rPr lang="en-US" i="1">
+                                  <a:solidFill>
+                                    <a:schemeClr val="tx1"/>
+                                  </a:solidFill>
+                                  <a:latin typeface="Cambria Math" panose="02040503050406030204" pitchFamily="18" charset="0"/>
+                                </a:rPr>
+                              </m:ctrlPr>
+                            </m:fPr>
+                            <m:num>
+                              <m:r>
+                                <a:rPr lang="en-US" i="1">
+                                  <a:solidFill>
+                                    <a:schemeClr val="tx1"/>
+                                  </a:solidFill>
+                                  <a:latin typeface="Cambria Math" panose="02040503050406030204" pitchFamily="18" charset="0"/>
+                                </a:rPr>
+                                <m:t>𝑛</m:t>
+                              </m:r>
+                              <m:r>
+                                <a:rPr lang="en-US" i="1">
+                                  <a:solidFill>
+                                    <a:schemeClr val="tx1"/>
+                                  </a:solidFill>
+                                  <a:latin typeface="Cambria Math" panose="02040503050406030204" pitchFamily="18" charset="0"/>
+                                </a:rPr>
+                                <m:t>−1</m:t>
+                              </m:r>
+                            </m:num>
+                            <m:den>
+                              <m:r>
+                                <a:rPr lang="en-US" i="1">
+                                  <a:solidFill>
+                                    <a:schemeClr val="tx1"/>
+                                  </a:solidFill>
+                                  <a:latin typeface="Cambria Math" panose="02040503050406030204" pitchFamily="18" charset="0"/>
+                                </a:rPr>
+                                <m:t>𝑛</m:t>
+                              </m:r>
+                            </m:den>
+                          </m:f>
+                        </m:e>
+                      </m:rad>
+                    </m:oMath>
+                  </m:oMathPara>
+                </a14:m>
+                <a:endParaRPr lang="en-US" dirty="0">
+                  <a:solidFill>
+                    <a:schemeClr val="tx1"/>
+                  </a:solidFill>
+                </a:endParaRPr>
+              </a:p>
+            </p:txBody>
+          </p:sp>
+        </mc:Choice>
+        <mc:Fallback>
+          <p:sp>
+            <p:nvSpPr>
+              <p:cNvPr id="4" name="Rectangle 3">
+                <a:extLst>
+                  <a:ext uri="{FF2B5EF4-FFF2-40B4-BE49-F238E27FC236}">
+                    <a16:creationId xmlns:a16="http://schemas.microsoft.com/office/drawing/2014/main" id="{992F2C7E-32CA-49A3-9649-D130B3056568}"/>
+                  </a:ext>
+                </a:extLst>
+              </p:cNvPr>
+              <p:cNvSpPr>
+                <a:spLocks noRot="1" noChangeAspect="1" noMove="1" noResize="1" noEditPoints="1" noAdjustHandles="1" noChangeArrowheads="1" noChangeShapeType="1" noTextEdit="1"/>
+              </p:cNvSpPr>
+              <p:nvPr/>
+            </p:nvSpPr>
+            <p:spPr>
+              <a:xfrm>
+                <a:off x="6236059" y="1797712"/>
+                <a:ext cx="955069" cy="910699"/>
+              </a:xfrm>
+              <a:prstGeom prst="rect">
+                <a:avLst/>
+              </a:prstGeom>
+              <a:blipFill>
+                <a:blip r:embed="rId2"/>
+                <a:stretch>
+                  <a:fillRect/>
+                </a:stretch>
+              </a:blipFill>
+            </p:spPr>
+            <p:txBody>
+              <a:bodyPr/>
+              <a:lstStyle/>
+              <a:p>
+                <a:r>
+                  <a:rPr lang="en-US">
+                    <a:noFill/>
+                  </a:rPr>
+                  <a:t> </a:t>
+                </a:r>
+              </a:p>
+            </p:txBody>
+          </p:sp>
+        </mc:Fallback>
+      </mc:AlternateContent>
     </p:spTree>
     <p:extLst>
       <p:ext uri="{BB962C8B-B14F-4D97-AF65-F5344CB8AC3E}">
@@ -4935,7 +7911,7 @@
 </p:sld>
 </file>
 
-<file path=ppt/slides/slide5.xml><?xml version="1.0" encoding="utf-8"?>
+<file path=ppt/slides/slide8.xml><?xml version="1.0" encoding="utf-8"?>
 <p:sld xmlns:a="http://schemas.openxmlformats.org/drawingml/2006/main" xmlns:r="http://schemas.openxmlformats.org/officeDocument/2006/relationships" xmlns:p="http://schemas.openxmlformats.org/presentationml/2006/main">
   <p:cSld>
     <p:spTree>
@@ -5033,7 +8009,7 @@
 </p:sld>
 </file>
 
-<file path=ppt/slides/slide6.xml><?xml version="1.0" encoding="utf-8"?>
+<file path=ppt/slides/slide9.xml><?xml version="1.0" encoding="utf-8"?>
 <p:sld xmlns:a="http://schemas.openxmlformats.org/drawingml/2006/main" xmlns:r="http://schemas.openxmlformats.org/officeDocument/2006/relationships" xmlns:p="http://schemas.openxmlformats.org/presentationml/2006/main">
   <p:cSld>
     <p:spTree>
@@ -5126,380 +8102,10 @@
 </p:sld>
 </file>
 
-<file path=ppt/slides/slide7.xml><?xml version="1.0" encoding="utf-8"?>
-<p:sld xmlns:a="http://schemas.openxmlformats.org/drawingml/2006/main" xmlns:r="http://schemas.openxmlformats.org/officeDocument/2006/relationships" xmlns:p="http://schemas.openxmlformats.org/presentationml/2006/main">
-  <p:cSld>
-    <p:spTree>
-      <p:nvGrpSpPr>
-        <p:cNvPr id="1" name=""/>
-        <p:cNvGrpSpPr/>
-        <p:nvPr/>
-      </p:nvGrpSpPr>
-      <p:grpSpPr>
-        <a:xfrm>
-          <a:off x="0" y="0"/>
-          <a:ext cx="0" cy="0"/>
-          <a:chOff x="0" y="0"/>
-          <a:chExt cx="0" cy="0"/>
-        </a:xfrm>
-      </p:grpSpPr>
-      <p:sp>
-        <p:nvSpPr>
-          <p:cNvPr id="2" name="Title 1">
-            <a:extLst>
-              <a:ext uri="{FF2B5EF4-FFF2-40B4-BE49-F238E27FC236}">
-                <a16:creationId xmlns:a16="http://schemas.microsoft.com/office/drawing/2014/main" id="{5F3AA671-4769-4571-9E69-D5AFD7B77B28}"/>
-              </a:ext>
-            </a:extLst>
-          </p:cNvPr>
-          <p:cNvSpPr>
-            <a:spLocks noGrp="1"/>
-          </p:cNvSpPr>
-          <p:nvPr>
-            <p:ph type="title"/>
-          </p:nvPr>
-        </p:nvSpPr>
-        <p:spPr/>
-        <p:txBody>
-          <a:bodyPr/>
-          <a:lstStyle/>
-          <a:p>
-            <a:r>
-              <a:rPr lang="en-US" dirty="0"/>
-              <a:t>Results: Histogram Plot</a:t>
-            </a:r>
-          </a:p>
-        </p:txBody>
-      </p:sp>
-      <p:pic>
-        <p:nvPicPr>
-          <p:cNvPr id="5" name="Content Placeholder 4">
-            <a:extLst>
-              <a:ext uri="{FF2B5EF4-FFF2-40B4-BE49-F238E27FC236}">
-                <a16:creationId xmlns:a16="http://schemas.microsoft.com/office/drawing/2014/main" id="{C85E7E27-E633-4469-8AD2-C6A6BB5F9A66}"/>
-              </a:ext>
-            </a:extLst>
-          </p:cNvPr>
-          <p:cNvPicPr>
-            <a:picLocks noGrp="1" noChangeAspect="1"/>
-          </p:cNvPicPr>
-          <p:nvPr>
-            <p:ph idx="1"/>
-          </p:nvPr>
-        </p:nvPicPr>
-        <p:blipFill>
-          <a:blip r:embed="rId2">
-            <a:extLst>
-              <a:ext uri="{28A0092B-C50C-407E-A947-70E740481C1C}">
-                <a14:useLocalDpi xmlns:a14="http://schemas.microsoft.com/office/drawing/2010/main" val="0"/>
-              </a:ext>
-            </a:extLst>
-          </a:blip>
-          <a:stretch>
-            <a:fillRect/>
-          </a:stretch>
-        </p:blipFill>
-        <p:spPr>
-          <a:xfrm>
-            <a:off x="1916756" y="2011363"/>
-            <a:ext cx="8356900" cy="4206875"/>
-          </a:xfrm>
-        </p:spPr>
-      </p:pic>
-    </p:spTree>
-    <p:extLst>
-      <p:ext uri="{BB962C8B-B14F-4D97-AF65-F5344CB8AC3E}">
-        <p14:creationId xmlns:p14="http://schemas.microsoft.com/office/powerpoint/2010/main" val="625578313"/>
-      </p:ext>
-    </p:extLst>
-  </p:cSld>
-  <p:clrMapOvr>
-    <a:masterClrMapping/>
-  </p:clrMapOvr>
-</p:sld>
-</file>
-
-<file path=ppt/slides/slide8.xml><?xml version="1.0" encoding="utf-8"?>
-<p:sld xmlns:a="http://schemas.openxmlformats.org/drawingml/2006/main" xmlns:r="http://schemas.openxmlformats.org/officeDocument/2006/relationships" xmlns:p="http://schemas.openxmlformats.org/presentationml/2006/main">
-  <p:cSld>
-    <p:spTree>
-      <p:nvGrpSpPr>
-        <p:cNvPr id="1" name=""/>
-        <p:cNvGrpSpPr/>
-        <p:nvPr/>
-      </p:nvGrpSpPr>
-      <p:grpSpPr>
-        <a:xfrm>
-          <a:off x="0" y="0"/>
-          <a:ext cx="0" cy="0"/>
-          <a:chOff x="0" y="0"/>
-          <a:chExt cx="0" cy="0"/>
-        </a:xfrm>
-      </p:grpSpPr>
-      <p:sp>
-        <p:nvSpPr>
-          <p:cNvPr id="2" name="Title 1">
-            <a:extLst>
-              <a:ext uri="{FF2B5EF4-FFF2-40B4-BE49-F238E27FC236}">
-                <a16:creationId xmlns:a16="http://schemas.microsoft.com/office/drawing/2014/main" id="{5F3AA671-4769-4571-9E69-D5AFD7B77B28}"/>
-              </a:ext>
-            </a:extLst>
-          </p:cNvPr>
-          <p:cNvSpPr>
-            <a:spLocks noGrp="1"/>
-          </p:cNvSpPr>
-          <p:nvPr>
-            <p:ph type="title"/>
-          </p:nvPr>
-        </p:nvSpPr>
-        <p:spPr/>
-        <p:txBody>
-          <a:bodyPr/>
-          <a:lstStyle/>
-          <a:p>
-            <a:r>
-              <a:rPr lang="en-US" dirty="0"/>
-              <a:t>Results: Histogram Plot</a:t>
-            </a:r>
-          </a:p>
-        </p:txBody>
-      </p:sp>
-      <p:pic>
-        <p:nvPicPr>
-          <p:cNvPr id="5" name="Content Placeholder 4">
-            <a:extLst>
-              <a:ext uri="{FF2B5EF4-FFF2-40B4-BE49-F238E27FC236}">
-                <a16:creationId xmlns:a16="http://schemas.microsoft.com/office/drawing/2014/main" id="{C85E7E27-E633-4469-8AD2-C6A6BB5F9A66}"/>
-              </a:ext>
-            </a:extLst>
-          </p:cNvPr>
-          <p:cNvPicPr>
-            <a:picLocks noGrp="1" noChangeAspect="1"/>
-          </p:cNvPicPr>
-          <p:nvPr>
-            <p:ph idx="1"/>
-          </p:nvPr>
-        </p:nvPicPr>
-        <p:blipFill>
-          <a:blip r:embed="rId2">
-            <a:extLst>
-              <a:ext uri="{28A0092B-C50C-407E-A947-70E740481C1C}">
-                <a14:useLocalDpi xmlns:a14="http://schemas.microsoft.com/office/drawing/2010/main" val="0"/>
-              </a:ext>
-            </a:extLst>
-          </a:blip>
-          <a:stretch>
-            <a:fillRect/>
-          </a:stretch>
-        </p:blipFill>
-        <p:spPr>
-          <a:xfrm>
-            <a:off x="1916756" y="2011363"/>
-            <a:ext cx="8356900" cy="4206875"/>
-          </a:xfrm>
-        </p:spPr>
-      </p:pic>
-    </p:spTree>
-    <p:extLst>
-      <p:ext uri="{BB962C8B-B14F-4D97-AF65-F5344CB8AC3E}">
-        <p14:creationId xmlns:p14="http://schemas.microsoft.com/office/powerpoint/2010/main" val="1377991833"/>
-      </p:ext>
-    </p:extLst>
-  </p:cSld>
-  <p:clrMapOvr>
-    <a:masterClrMapping/>
-  </p:clrMapOvr>
-</p:sld>
-</file>
-
-<file path=ppt/slides/slide9.xml><?xml version="1.0" encoding="utf-8"?>
-<p:sld xmlns:a="http://schemas.openxmlformats.org/drawingml/2006/main" xmlns:r="http://schemas.openxmlformats.org/officeDocument/2006/relationships" xmlns:p="http://schemas.openxmlformats.org/presentationml/2006/main">
-  <p:cSld>
-    <p:spTree>
-      <p:nvGrpSpPr>
-        <p:cNvPr id="1" name=""/>
-        <p:cNvGrpSpPr/>
-        <p:nvPr/>
-      </p:nvGrpSpPr>
-      <p:grpSpPr>
-        <a:xfrm>
-          <a:off x="0" y="0"/>
-          <a:ext cx="0" cy="0"/>
-          <a:chOff x="0" y="0"/>
-          <a:chExt cx="0" cy="0"/>
-        </a:xfrm>
-      </p:grpSpPr>
-      <p:sp>
-        <p:nvSpPr>
-          <p:cNvPr id="8" name="Title 7">
-            <a:extLst>
-              <a:ext uri="{FF2B5EF4-FFF2-40B4-BE49-F238E27FC236}">
-                <a16:creationId xmlns:a16="http://schemas.microsoft.com/office/drawing/2014/main" id="{E6E6CADF-68E2-4220-BA8C-0867DADDA9B1}"/>
-              </a:ext>
-            </a:extLst>
-          </p:cNvPr>
-          <p:cNvSpPr>
-            <a:spLocks noGrp="1"/>
-          </p:cNvSpPr>
-          <p:nvPr>
-            <p:ph type="title"/>
-          </p:nvPr>
-        </p:nvSpPr>
-        <p:spPr/>
-        <p:txBody>
-          <a:bodyPr/>
-          <a:lstStyle/>
-          <a:p>
-            <a:r>
-              <a:rPr lang="en-US" dirty="0"/>
-              <a:t>Results: SUB-indices</a:t>
-            </a:r>
-          </a:p>
-        </p:txBody>
-      </p:sp>
-      <p:sp>
-        <p:nvSpPr>
-          <p:cNvPr id="9" name="Text Placeholder 8">
-            <a:extLst>
-              <a:ext uri="{FF2B5EF4-FFF2-40B4-BE49-F238E27FC236}">
-                <a16:creationId xmlns:a16="http://schemas.microsoft.com/office/drawing/2014/main" id="{EB4DE74D-EA4F-4A0E-9430-DF6693281705}"/>
-              </a:ext>
-            </a:extLst>
-          </p:cNvPr>
-          <p:cNvSpPr>
-            <a:spLocks noGrp="1"/>
-          </p:cNvSpPr>
-          <p:nvPr>
-            <p:ph type="body" idx="1"/>
-          </p:nvPr>
-        </p:nvSpPr>
-        <p:spPr/>
-        <p:txBody>
-          <a:bodyPr/>
-          <a:lstStyle/>
-          <a:p>
-            <a:r>
-              <a:rPr lang="en-US" dirty="0"/>
-              <a:t>Community Sub-index</a:t>
-            </a:r>
-          </a:p>
-        </p:txBody>
-      </p:sp>
-      <p:pic>
-        <p:nvPicPr>
-          <p:cNvPr id="7" name="Content Placeholder 6">
-            <a:extLst>
-              <a:ext uri="{FF2B5EF4-FFF2-40B4-BE49-F238E27FC236}">
-                <a16:creationId xmlns:a16="http://schemas.microsoft.com/office/drawing/2014/main" id="{ABFCD8DD-F0D0-44FD-B5D9-916800A06447}"/>
-              </a:ext>
-            </a:extLst>
-          </p:cNvPr>
-          <p:cNvPicPr>
-            <a:picLocks noGrp="1" noChangeAspect="1"/>
-          </p:cNvPicPr>
-          <p:nvPr>
-            <p:ph sz="half" idx="2"/>
-          </p:nvPr>
-        </p:nvPicPr>
-        <p:blipFill>
-          <a:blip r:embed="rId2">
-            <a:extLst>
-              <a:ext uri="{28A0092B-C50C-407E-A947-70E740481C1C}">
-                <a14:useLocalDpi xmlns:a14="http://schemas.microsoft.com/office/drawing/2010/main" val="0"/>
-              </a:ext>
-            </a:extLst>
-          </a:blip>
-          <a:stretch>
-            <a:fillRect/>
-          </a:stretch>
-        </p:blipFill>
-        <p:spPr>
-          <a:xfrm>
-            <a:off x="1202919" y="3158153"/>
-            <a:ext cx="4444496" cy="2562582"/>
-          </a:xfrm>
-        </p:spPr>
-      </p:pic>
-      <p:sp>
-        <p:nvSpPr>
-          <p:cNvPr id="10" name="Text Placeholder 9">
-            <a:extLst>
-              <a:ext uri="{FF2B5EF4-FFF2-40B4-BE49-F238E27FC236}">
-                <a16:creationId xmlns:a16="http://schemas.microsoft.com/office/drawing/2014/main" id="{9B516E82-EC5E-4150-9F81-987A25B3F529}"/>
-              </a:ext>
-            </a:extLst>
-          </p:cNvPr>
-          <p:cNvSpPr>
-            <a:spLocks noGrp="1"/>
-          </p:cNvSpPr>
-          <p:nvPr>
-            <p:ph type="body" sz="quarter" idx="3"/>
-          </p:nvPr>
-        </p:nvSpPr>
-        <p:spPr/>
-        <p:txBody>
-          <a:bodyPr/>
-          <a:lstStyle/>
-          <a:p>
-            <a:r>
-              <a:rPr lang="en-US" dirty="0"/>
-              <a:t>Child Sub-index</a:t>
-            </a:r>
-          </a:p>
-        </p:txBody>
-      </p:sp>
-      <p:pic>
-        <p:nvPicPr>
-          <p:cNvPr id="3" name="Content Placeholder 2">
-            <a:extLst>
-              <a:ext uri="{FF2B5EF4-FFF2-40B4-BE49-F238E27FC236}">
-                <a16:creationId xmlns:a16="http://schemas.microsoft.com/office/drawing/2014/main" id="{EC7D1154-736B-4394-AF4D-E503B370D497}"/>
-              </a:ext>
-            </a:extLst>
-          </p:cNvPr>
-          <p:cNvPicPr>
-            <a:picLocks noGrp="1" noChangeAspect="1"/>
-          </p:cNvPicPr>
-          <p:nvPr>
-            <p:ph sz="quarter" idx="4"/>
-          </p:nvPr>
-        </p:nvPicPr>
-        <p:blipFill>
-          <a:blip r:embed="rId3">
-            <a:extLst>
-              <a:ext uri="{28A0092B-C50C-407E-A947-70E740481C1C}">
-                <a14:useLocalDpi xmlns:a14="http://schemas.microsoft.com/office/drawing/2010/main" val="0"/>
-              </a:ext>
-            </a:extLst>
-          </a:blip>
-          <a:stretch>
-            <a:fillRect/>
-          </a:stretch>
-        </p:blipFill>
-        <p:spPr>
-          <a:xfrm>
-            <a:off x="6541006" y="3158153"/>
-            <a:ext cx="4134427" cy="2562583"/>
-          </a:xfrm>
-        </p:spPr>
-      </p:pic>
-    </p:spTree>
-    <p:extLst>
-      <p:ext uri="{BB962C8B-B14F-4D97-AF65-F5344CB8AC3E}">
-        <p14:creationId xmlns:p14="http://schemas.microsoft.com/office/powerpoint/2010/main" val="3803108480"/>
-      </p:ext>
-    </p:extLst>
-  </p:cSld>
-  <p:clrMapOvr>
-    <a:masterClrMapping/>
-  </p:clrMapOvr>
-</p:sld>
-</file>
-
 <file path=ppt/theme/theme1.xml><?xml version="1.0" encoding="utf-8"?>
 <a:theme xmlns:a="http://schemas.openxmlformats.org/drawingml/2006/main" name="Banded">
   <a:themeElements>
-    <a:clrScheme name="Banded">
+    <a:clrScheme name="Custom 2">
       <a:dk1>
         <a:srgbClr val="2C2C2C"/>
       </a:dk1>
@@ -5531,10 +8137,10 @@
         <a:srgbClr val="F56617"/>
       </a:accent6>
       <a:hlink>
-        <a:srgbClr val="005DBA"/>
+        <a:srgbClr val="FFFFFF"/>
       </a:hlink>
       <a:folHlink>
-        <a:srgbClr val="6C606A"/>
+        <a:srgbClr val="FFFFFF"/>
       </a:folHlink>
     </a:clrScheme>
     <a:fontScheme name="Banded">

--- a/United Way.pptx
+++ b/United Way.pptx
@@ -222,7 +222,7 @@
           <a:p>
             <a:fld id="{2BAFC654-BA43-42E4-AB3E-078F40F7F10A}" type="datetimeFigureOut">
               <a:rPr lang="en-US" smtClean="0"/>
-              <a:t>2/13/2018</a:t>
+              <a:t>2/14/2018</a:t>
             </a:fld>
             <a:endParaRPr lang="en-US"/>
           </a:p>
@@ -1034,7 +1034,7 @@
           <a:p>
             <a:fld id="{CF630EC3-FE51-44CC-ADE4-A9AF53AF4C2B}" type="datetimeFigureOut">
               <a:rPr lang="en-US" smtClean="0"/>
-              <a:t>2/13/2018</a:t>
+              <a:t>2/14/2018</a:t>
             </a:fld>
             <a:endParaRPr lang="en-US"/>
           </a:p>
@@ -1204,7 +1204,7 @@
           <a:p>
             <a:fld id="{CF630EC3-FE51-44CC-ADE4-A9AF53AF4C2B}" type="datetimeFigureOut">
               <a:rPr lang="en-US" smtClean="0"/>
-              <a:t>2/13/2018</a:t>
+              <a:t>2/14/2018</a:t>
             </a:fld>
             <a:endParaRPr lang="en-US"/>
           </a:p>
@@ -1427,7 +1427,7 @@
           <a:p>
             <a:fld id="{CF630EC3-FE51-44CC-ADE4-A9AF53AF4C2B}" type="datetimeFigureOut">
               <a:rPr lang="en-US" smtClean="0"/>
-              <a:t>2/13/2018</a:t>
+              <a:t>2/14/2018</a:t>
             </a:fld>
             <a:endParaRPr lang="en-US"/>
           </a:p>
@@ -1607,7 +1607,7 @@
           <a:p>
             <a:fld id="{CF630EC3-FE51-44CC-ADE4-A9AF53AF4C2B}" type="datetimeFigureOut">
               <a:rPr lang="en-US" smtClean="0"/>
-              <a:t>2/13/2018</a:t>
+              <a:t>2/14/2018</a:t>
             </a:fld>
             <a:endParaRPr lang="en-US"/>
           </a:p>
@@ -1913,7 +1913,7 @@
           <a:p>
             <a:fld id="{CF630EC3-FE51-44CC-ADE4-A9AF53AF4C2B}" type="datetimeFigureOut">
               <a:rPr lang="en-US" smtClean="0"/>
-              <a:t>2/13/2018</a:t>
+              <a:t>2/14/2018</a:t>
             </a:fld>
             <a:endParaRPr lang="en-US"/>
           </a:p>
@@ -2217,7 +2217,7 @@
           <a:p>
             <a:fld id="{CF630EC3-FE51-44CC-ADE4-A9AF53AF4C2B}" type="datetimeFigureOut">
               <a:rPr lang="en-US" smtClean="0"/>
-              <a:t>2/13/2018</a:t>
+              <a:t>2/14/2018</a:t>
             </a:fld>
             <a:endParaRPr lang="en-US"/>
           </a:p>
@@ -2639,7 +2639,7 @@
           <a:p>
             <a:fld id="{CF630EC3-FE51-44CC-ADE4-A9AF53AF4C2B}" type="datetimeFigureOut">
               <a:rPr lang="en-US" smtClean="0"/>
-              <a:t>2/13/2018</a:t>
+              <a:t>2/14/2018</a:t>
             </a:fld>
             <a:endParaRPr lang="en-US"/>
           </a:p>
@@ -2757,7 +2757,7 @@
           <a:p>
             <a:fld id="{CF630EC3-FE51-44CC-ADE4-A9AF53AF4C2B}" type="datetimeFigureOut">
               <a:rPr lang="en-US" smtClean="0"/>
-              <a:t>2/13/2018</a:t>
+              <a:t>2/14/2018</a:t>
             </a:fld>
             <a:endParaRPr lang="en-US"/>
           </a:p>
@@ -2852,7 +2852,7 @@
           <a:p>
             <a:fld id="{CF630EC3-FE51-44CC-ADE4-A9AF53AF4C2B}" type="datetimeFigureOut">
               <a:rPr lang="en-US" smtClean="0"/>
-              <a:t>2/13/2018</a:t>
+              <a:t>2/14/2018</a:t>
             </a:fld>
             <a:endParaRPr lang="en-US"/>
           </a:p>
@@ -3125,7 +3125,7 @@
           <a:p>
             <a:fld id="{CF630EC3-FE51-44CC-ADE4-A9AF53AF4C2B}" type="datetimeFigureOut">
               <a:rPr lang="en-US" smtClean="0"/>
-              <a:t>2/13/2018</a:t>
+              <a:t>2/14/2018</a:t>
             </a:fld>
             <a:endParaRPr lang="en-US"/>
           </a:p>
@@ -3390,7 +3390,7 @@
           <a:p>
             <a:fld id="{CF630EC3-FE51-44CC-ADE4-A9AF53AF4C2B}" type="datetimeFigureOut">
               <a:rPr lang="en-US" smtClean="0"/>
-              <a:t>2/13/2018</a:t>
+              <a:t>2/14/2018</a:t>
             </a:fld>
             <a:endParaRPr lang="en-US"/>
           </a:p>
@@ -3639,7 +3639,7 @@
           <a:p>
             <a:fld id="{CF630EC3-FE51-44CC-ADE4-A9AF53AF4C2B}" type="datetimeFigureOut">
               <a:rPr lang="en-US" smtClean="0"/>
-              <a:t>2/13/2018</a:t>
+              <a:t>2/14/2018</a:t>
             </a:fld>
             <a:endParaRPr lang="en-US"/>
           </a:p>
@@ -4794,15 +4794,7 @@
           <a:p>
             <a:r>
               <a:rPr lang="en-US" dirty="0"/>
-              <a:t>If united way work like us to continue making the </a:t>
-            </a:r>
-            <a:r>
-              <a:rPr lang="en-US" dirty="0" err="1"/>
-              <a:t>Forio</a:t>
-            </a:r>
-            <a:r>
-              <a:rPr lang="en-US" dirty="0"/>
-              <a:t> app then we can.  Alternatively, we can use </a:t>
+              <a:t>Alternatively, we can use </a:t>
             </a:r>
             <a:r>
               <a:rPr lang="en-US" dirty="0" err="1"/>
@@ -5281,7 +5273,7 @@
             <p:spPr>
               <a:xfrm>
                 <a:off x="1202919" y="4145280"/>
-                <a:ext cx="5493555" cy="1237903"/>
+                <a:ext cx="5582746" cy="1237903"/>
               </a:xfrm>
               <a:prstGeom prst="rect">
                 <a:avLst/>
@@ -5488,6 +5480,34 @@
                               </m:ctrlPr>
                             </m:fPr>
                             <m:num>
+                              <m:sSub>
+                                <m:sSubPr>
+                                  <m:ctrlPr>
+                                    <a:rPr lang="en-US" b="0" i="1" smtClean="0">
+                                      <a:latin typeface="Cambria Math" panose="02040503050406030204" pitchFamily="18" charset="0"/>
+                                      <a:ea typeface="Cambria Math" panose="02040503050406030204" pitchFamily="18" charset="0"/>
+                                    </a:rPr>
+                                  </m:ctrlPr>
+                                </m:sSubPr>
+                                <m:e>
+                                  <m:r>
+                                    <a:rPr lang="en-US" b="0" i="1" smtClean="0">
+                                      <a:latin typeface="Cambria Math" panose="02040503050406030204" pitchFamily="18" charset="0"/>
+                                      <a:ea typeface="Cambria Math" panose="02040503050406030204" pitchFamily="18" charset="0"/>
+                                    </a:rPr>
+                                    <m:t>𝑥</m:t>
+                                  </m:r>
+                                </m:e>
+                                <m:sub>
+                                  <m:r>
+                                    <a:rPr lang="en-US" b="0" i="1" smtClean="0">
+                                      <a:latin typeface="Cambria Math" panose="02040503050406030204" pitchFamily="18" charset="0"/>
+                                      <a:ea typeface="Cambria Math" panose="02040503050406030204" pitchFamily="18" charset="0"/>
+                                    </a:rPr>
+                                    <m:t>𝑛𝑚</m:t>
+                                  </m:r>
+                                </m:sub>
+                              </m:sSub>
                               <m:r>
                                 <a:rPr lang="en-US" b="0" i="1" smtClean="0">
                                   <a:latin typeface="Cambria Math" panose="02040503050406030204" pitchFamily="18" charset="0"/>
@@ -5813,7 +5833,7 @@
             <p:spPr>
               <a:xfrm>
                 <a:off x="1202919" y="4145280"/>
-                <a:ext cx="5493555" cy="1237903"/>
+                <a:ext cx="5582746" cy="1237903"/>
               </a:xfrm>
               <a:prstGeom prst="rect">
                 <a:avLst/>
@@ -5840,8 +5860,8 @@
           </p:sp>
         </mc:Fallback>
       </mc:AlternateContent>
-      <mc:AlternateContent xmlns:mc="http://schemas.openxmlformats.org/markup-compatibility/2006">
-        <mc:Choice xmlns:a14="http://schemas.microsoft.com/office/drawing/2010/main" Requires="a14">
+      <mc:AlternateContent xmlns:mc="http://schemas.openxmlformats.org/markup-compatibility/2006" xmlns:a14="http://schemas.microsoft.com/office/drawing/2010/main">
+        <mc:Choice Requires="a14">
           <p:sp>
             <p:nvSpPr>
               <p:cNvPr id="9" name="TextBox 8">
@@ -5883,6 +5903,7 @@
               </a:bodyPr>
               <a:lstStyle/>
               <a:p>
+                <a:pPr/>
                 <a14:m>
                   <m:oMathPara xmlns:m="http://schemas.openxmlformats.org/officeDocument/2006/math">
                     <m:oMathParaPr>
@@ -6015,7 +6036,13 @@
                                   <a:rPr lang="en-US" b="0" i="1" smtClean="0">
                                     <a:latin typeface="Cambria Math" panose="02040503050406030204" pitchFamily="18" charset="0"/>
                                   </a:rPr>
-                                  <m:t>1/7</m:t>
+                                  <m:t>1</m:t>
+                                </m:r>
+                                <m:r>
+                                  <a:rPr lang="en-US" b="0" i="1" smtClean="0">
+                                    <a:latin typeface="Cambria Math" panose="02040503050406030204" pitchFamily="18" charset="0"/>
+                                  </a:rPr>
+                                  <m:t>/7</m:t>
                                 </m:r>
                               </m:e>
                               <m:e>
@@ -6151,7 +6178,7 @@
             </p:txBody>
           </p:sp>
         </mc:Choice>
-        <mc:Fallback>
+        <mc:Fallback xmlns="">
           <p:sp>
             <p:nvSpPr>
               <p:cNvPr id="9" name="TextBox 8">
@@ -6438,8 +6465,8 @@
           </a:p>
         </p:txBody>
       </p:sp>
-      <mc:AlternateContent xmlns:mc="http://schemas.openxmlformats.org/markup-compatibility/2006">
-        <mc:Choice xmlns:a14="http://schemas.microsoft.com/office/drawing/2010/main" Requires="a14">
+      <mc:AlternateContent xmlns:mc="http://schemas.openxmlformats.org/markup-compatibility/2006" xmlns:a14="http://schemas.microsoft.com/office/drawing/2010/main">
+        <mc:Choice Requires="a14">
           <p:sp>
             <p:nvSpPr>
               <p:cNvPr id="3" name="Content Placeholder 2">
@@ -6629,7 +6656,7 @@
             </p:txBody>
           </p:sp>
         </mc:Choice>
-        <mc:Fallback>
+        <mc:Fallback xmlns="">
           <p:sp>
             <p:nvSpPr>
               <p:cNvPr id="3" name="Content Placeholder 2">
@@ -6905,8 +6932,8 @@
           </a:prstGeom>
         </p:spPr>
       </p:pic>
-      <mc:AlternateContent xmlns:mc="http://schemas.openxmlformats.org/markup-compatibility/2006">
-        <mc:Choice xmlns:a14="http://schemas.microsoft.com/office/drawing/2010/main" Requires="a14">
+      <mc:AlternateContent xmlns:mc="http://schemas.openxmlformats.org/markup-compatibility/2006" xmlns:a14="http://schemas.microsoft.com/office/drawing/2010/main">
+        <mc:Choice Requires="a14">
           <p:sp>
             <p:nvSpPr>
               <p:cNvPr id="7" name="TextBox 6">
@@ -6964,7 +6991,7 @@
             </p:txBody>
           </p:sp>
         </mc:Choice>
-        <mc:Fallback>
+        <mc:Fallback xmlns="">
           <p:sp>
             <p:nvSpPr>
               <p:cNvPr id="7" name="TextBox 6">
@@ -7009,8 +7036,8 @@
           </p:sp>
         </mc:Fallback>
       </mc:AlternateContent>
-      <mc:AlternateContent xmlns:mc="http://schemas.openxmlformats.org/markup-compatibility/2006">
-        <mc:Choice xmlns:a14="http://schemas.microsoft.com/office/drawing/2010/main" Requires="a14">
+      <mc:AlternateContent xmlns:mc="http://schemas.openxmlformats.org/markup-compatibility/2006" xmlns:a14="http://schemas.microsoft.com/office/drawing/2010/main">
+        <mc:Choice Requires="a14">
           <p:sp>
             <p:nvSpPr>
               <p:cNvPr id="10" name="TextBox 9">
@@ -7078,7 +7105,7 @@
             </p:txBody>
           </p:sp>
         </mc:Choice>
-        <mc:Fallback>
+        <mc:Fallback xmlns="">
           <p:sp>
             <p:nvSpPr>
               <p:cNvPr id="10" name="TextBox 9">
@@ -7123,8 +7150,8 @@
           </p:sp>
         </mc:Fallback>
       </mc:AlternateContent>
-      <mc:AlternateContent xmlns:mc="http://schemas.openxmlformats.org/markup-compatibility/2006">
-        <mc:Choice xmlns:a14="http://schemas.microsoft.com/office/drawing/2010/main" Requires="a14">
+      <mc:AlternateContent xmlns:mc="http://schemas.openxmlformats.org/markup-compatibility/2006" xmlns:a14="http://schemas.microsoft.com/office/drawing/2010/main">
+        <mc:Choice Requires="a14">
           <p:sp>
             <p:nvSpPr>
               <p:cNvPr id="11" name="TextBox 10">
@@ -7193,7 +7220,7 @@
             </p:txBody>
           </p:sp>
         </mc:Choice>
-        <mc:Fallback>
+        <mc:Fallback xmlns="">
           <p:sp>
             <p:nvSpPr>
               <p:cNvPr id="11" name="TextBox 10">
@@ -7238,8 +7265,8 @@
           </p:sp>
         </mc:Fallback>
       </mc:AlternateContent>
-      <mc:AlternateContent xmlns:mc="http://schemas.openxmlformats.org/markup-compatibility/2006">
-        <mc:Choice xmlns:a14="http://schemas.microsoft.com/office/drawing/2010/main" Requires="a14">
+      <mc:AlternateContent xmlns:mc="http://schemas.openxmlformats.org/markup-compatibility/2006" xmlns:a14="http://schemas.microsoft.com/office/drawing/2010/main">
+        <mc:Choice Requires="a14">
           <p:sp>
             <p:nvSpPr>
               <p:cNvPr id="12" name="TextBox 11">
@@ -7346,7 +7373,7 @@
             </p:txBody>
           </p:sp>
         </mc:Choice>
-        <mc:Fallback>
+        <mc:Fallback xmlns="">
           <p:sp>
             <p:nvSpPr>
               <p:cNvPr id="12" name="TextBox 11">
@@ -7470,8 +7497,8 @@
           </a:p>
         </p:txBody>
       </p:sp>
-      <mc:AlternateContent xmlns:mc="http://schemas.openxmlformats.org/markup-compatibility/2006">
-        <mc:Choice xmlns:a14="http://schemas.microsoft.com/office/drawing/2010/main" Requires="a14">
+      <mc:AlternateContent xmlns:mc="http://schemas.openxmlformats.org/markup-compatibility/2006" xmlns:a14="http://schemas.microsoft.com/office/drawing/2010/main">
+        <mc:Choice Requires="a14">
           <p:sp>
             <p:nvSpPr>
               <p:cNvPr id="3" name="Rectangle 2">
@@ -7573,7 +7600,7 @@
             </p:txBody>
           </p:sp>
         </mc:Choice>
-        <mc:Fallback>
+        <mc:Fallback xmlns="">
           <p:sp>
             <p:nvSpPr>
               <p:cNvPr id="3" name="Rectangle 2">
@@ -7746,8 +7773,8 @@
           </a:p>
         </p:txBody>
       </p:sp>
-      <mc:AlternateContent xmlns:mc="http://schemas.openxmlformats.org/markup-compatibility/2006">
-        <mc:Choice xmlns:a14="http://schemas.microsoft.com/office/drawing/2010/main" Requires="a14">
+      <mc:AlternateContent xmlns:mc="http://schemas.openxmlformats.org/markup-compatibility/2006" xmlns:a14="http://schemas.microsoft.com/office/drawing/2010/main">
+        <mc:Choice Requires="a14">
           <p:sp>
             <p:nvSpPr>
               <p:cNvPr id="4" name="Rectangle 3">
@@ -7853,7 +7880,7 @@
             </p:txBody>
           </p:sp>
         </mc:Choice>
-        <mc:Fallback>
+        <mc:Fallback xmlns="">
           <p:sp>
             <p:nvSpPr>
               <p:cNvPr id="4" name="Rectangle 3">
